--- a/images/workflow_diagram.pptx
+++ b/images/workflow_diagram.pptx
@@ -6,6 +6,7 @@
   </p:sldMasterIdLst>
   <p:sldIdLst>
     <p:sldId id="257" r:id="rId2"/>
+    <p:sldId id="258" r:id="rId3"/>
   </p:sldIdLst>
   <p:sldSz cx="12192000" cy="6858000"/>
   <p:notesSz cx="6858000" cy="9144000"/>
@@ -104,6 +105,11 @@
       </a:defRPr>
     </a:lvl9pPr>
   </p:defaultTextStyle>
+  <p:extLst>
+    <p:ext uri="{EFAFB233-063F-42B5-8137-9DF3F51BA10A}">
+      <p15:sldGuideLst xmlns:p15="http://schemas.microsoft.com/office/powerpoint/2012/main"/>
+    </p:ext>
+  </p:extLst>
 </p:presentation>
 </file>
 
@@ -858,6 +864,813 @@
 </dgm:colorsDef>
 </file>
 
+<file path=ppt/diagrams/colors2.xml><?xml version="1.0" encoding="utf-8"?>
+<dgm:colorsDef xmlns:dgm="http://schemas.openxmlformats.org/drawingml/2006/diagram" xmlns:a="http://schemas.openxmlformats.org/drawingml/2006/main" uniqueId="urn:microsoft.com/office/officeart/2005/8/colors/accent5_1">
+  <dgm:title val=""/>
+  <dgm:desc val=""/>
+  <dgm:catLst>
+    <dgm:cat type="accent5" pri="11100"/>
+  </dgm:catLst>
+  <dgm:styleLbl name="node0">
+    <dgm:fillClrLst meth="repeat">
+      <a:schemeClr val="lt1"/>
+    </dgm:fillClrLst>
+    <dgm:linClrLst meth="repeat">
+      <a:schemeClr val="accent5">
+        <a:shade val="80000"/>
+      </a:schemeClr>
+    </dgm:linClrLst>
+    <dgm:effectClrLst/>
+    <dgm:txLinClrLst/>
+    <dgm:txFillClrLst meth="repeat">
+      <a:schemeClr val="dk1"/>
+    </dgm:txFillClrLst>
+    <dgm:txEffectClrLst/>
+  </dgm:styleLbl>
+  <dgm:styleLbl name="node1">
+    <dgm:fillClrLst meth="repeat">
+      <a:schemeClr val="lt1"/>
+    </dgm:fillClrLst>
+    <dgm:linClrLst meth="repeat">
+      <a:schemeClr val="accent5">
+        <a:shade val="80000"/>
+      </a:schemeClr>
+    </dgm:linClrLst>
+    <dgm:effectClrLst/>
+    <dgm:txLinClrLst/>
+    <dgm:txFillClrLst meth="repeat">
+      <a:schemeClr val="dk1"/>
+    </dgm:txFillClrLst>
+    <dgm:txEffectClrLst/>
+  </dgm:styleLbl>
+  <dgm:styleLbl name="alignNode1">
+    <dgm:fillClrLst meth="repeat">
+      <a:schemeClr val="lt1"/>
+    </dgm:fillClrLst>
+    <dgm:linClrLst meth="repeat">
+      <a:schemeClr val="accent5">
+        <a:shade val="80000"/>
+      </a:schemeClr>
+    </dgm:linClrLst>
+    <dgm:effectClrLst/>
+    <dgm:txLinClrLst/>
+    <dgm:txFillClrLst meth="repeat">
+      <a:schemeClr val="dk1"/>
+    </dgm:txFillClrLst>
+    <dgm:txEffectClrLst/>
+  </dgm:styleLbl>
+  <dgm:styleLbl name="lnNode1">
+    <dgm:fillClrLst meth="repeat">
+      <a:schemeClr val="lt1"/>
+    </dgm:fillClrLst>
+    <dgm:linClrLst meth="repeat">
+      <a:schemeClr val="accent5">
+        <a:shade val="80000"/>
+      </a:schemeClr>
+    </dgm:linClrLst>
+    <dgm:effectClrLst/>
+    <dgm:txLinClrLst/>
+    <dgm:txFillClrLst meth="repeat">
+      <a:schemeClr val="dk1"/>
+    </dgm:txFillClrLst>
+    <dgm:txEffectClrLst/>
+  </dgm:styleLbl>
+  <dgm:styleLbl name="vennNode1">
+    <dgm:fillClrLst meth="repeat">
+      <a:schemeClr val="lt1">
+        <a:alpha val="50000"/>
+      </a:schemeClr>
+    </dgm:fillClrLst>
+    <dgm:linClrLst meth="repeat">
+      <a:schemeClr val="accent5">
+        <a:shade val="80000"/>
+      </a:schemeClr>
+    </dgm:linClrLst>
+    <dgm:effectClrLst/>
+    <dgm:txLinClrLst/>
+    <dgm:txFillClrLst/>
+    <dgm:txEffectClrLst/>
+  </dgm:styleLbl>
+  <dgm:styleLbl name="node2">
+    <dgm:fillClrLst meth="repeat">
+      <a:schemeClr val="lt1"/>
+    </dgm:fillClrLst>
+    <dgm:linClrLst meth="repeat">
+      <a:schemeClr val="accent5">
+        <a:shade val="80000"/>
+      </a:schemeClr>
+    </dgm:linClrLst>
+    <dgm:effectClrLst/>
+    <dgm:txLinClrLst/>
+    <dgm:txFillClrLst meth="repeat">
+      <a:schemeClr val="dk1"/>
+    </dgm:txFillClrLst>
+    <dgm:txEffectClrLst/>
+  </dgm:styleLbl>
+  <dgm:styleLbl name="node3">
+    <dgm:fillClrLst meth="repeat">
+      <a:schemeClr val="lt1"/>
+    </dgm:fillClrLst>
+    <dgm:linClrLst meth="repeat">
+      <a:schemeClr val="accent5">
+        <a:shade val="80000"/>
+      </a:schemeClr>
+    </dgm:linClrLst>
+    <dgm:effectClrLst/>
+    <dgm:txLinClrLst/>
+    <dgm:txFillClrLst meth="repeat">
+      <a:schemeClr val="dk1"/>
+    </dgm:txFillClrLst>
+    <dgm:txEffectClrLst/>
+  </dgm:styleLbl>
+  <dgm:styleLbl name="node4">
+    <dgm:fillClrLst meth="repeat">
+      <a:schemeClr val="lt1"/>
+    </dgm:fillClrLst>
+    <dgm:linClrLst meth="repeat">
+      <a:schemeClr val="accent5">
+        <a:shade val="80000"/>
+      </a:schemeClr>
+    </dgm:linClrLst>
+    <dgm:effectClrLst/>
+    <dgm:txLinClrLst/>
+    <dgm:txFillClrLst meth="repeat">
+      <a:schemeClr val="dk1"/>
+    </dgm:txFillClrLst>
+    <dgm:txEffectClrLst/>
+  </dgm:styleLbl>
+  <dgm:styleLbl name="fgImgPlace1">
+    <dgm:fillClrLst meth="repeat">
+      <a:schemeClr val="accent5">
+        <a:tint val="40000"/>
+      </a:schemeClr>
+    </dgm:fillClrLst>
+    <dgm:linClrLst meth="repeat">
+      <a:schemeClr val="accent5">
+        <a:shade val="80000"/>
+      </a:schemeClr>
+    </dgm:linClrLst>
+    <dgm:effectClrLst/>
+    <dgm:txLinClrLst/>
+    <dgm:txFillClrLst meth="repeat">
+      <a:schemeClr val="lt1"/>
+    </dgm:txFillClrLst>
+    <dgm:txEffectClrLst/>
+  </dgm:styleLbl>
+  <dgm:styleLbl name="alignImgPlace1">
+    <dgm:fillClrLst meth="repeat">
+      <a:schemeClr val="accent5">
+        <a:tint val="40000"/>
+      </a:schemeClr>
+    </dgm:fillClrLst>
+    <dgm:linClrLst meth="repeat">
+      <a:schemeClr val="accent5">
+        <a:shade val="80000"/>
+      </a:schemeClr>
+    </dgm:linClrLst>
+    <dgm:effectClrLst/>
+    <dgm:txLinClrLst/>
+    <dgm:txFillClrLst meth="repeat">
+      <a:schemeClr val="lt1"/>
+    </dgm:txFillClrLst>
+    <dgm:txEffectClrLst/>
+  </dgm:styleLbl>
+  <dgm:styleLbl name="bgImgPlace1">
+    <dgm:fillClrLst meth="repeat">
+      <a:schemeClr val="accent5">
+        <a:tint val="40000"/>
+      </a:schemeClr>
+    </dgm:fillClrLst>
+    <dgm:linClrLst meth="repeat">
+      <a:schemeClr val="accent5">
+        <a:shade val="80000"/>
+      </a:schemeClr>
+    </dgm:linClrLst>
+    <dgm:effectClrLst/>
+    <dgm:txLinClrLst/>
+    <dgm:txFillClrLst meth="repeat">
+      <a:schemeClr val="lt1"/>
+    </dgm:txFillClrLst>
+    <dgm:txEffectClrLst/>
+  </dgm:styleLbl>
+  <dgm:styleLbl name="sibTrans2D1">
+    <dgm:fillClrLst meth="repeat">
+      <a:schemeClr val="accent5">
+        <a:tint val="60000"/>
+      </a:schemeClr>
+    </dgm:fillClrLst>
+    <dgm:linClrLst meth="repeat">
+      <a:schemeClr val="accent5">
+        <a:tint val="60000"/>
+      </a:schemeClr>
+    </dgm:linClrLst>
+    <dgm:effectClrLst/>
+    <dgm:txLinClrLst/>
+    <dgm:txFillClrLst meth="repeat">
+      <a:schemeClr val="dk1"/>
+    </dgm:txFillClrLst>
+    <dgm:txEffectClrLst/>
+  </dgm:styleLbl>
+  <dgm:styleLbl name="fgSibTrans2D1">
+    <dgm:fillClrLst meth="repeat">
+      <a:schemeClr val="accent5">
+        <a:tint val="60000"/>
+      </a:schemeClr>
+    </dgm:fillClrLst>
+    <dgm:linClrLst meth="repeat">
+      <a:schemeClr val="accent5">
+        <a:tint val="60000"/>
+      </a:schemeClr>
+    </dgm:linClrLst>
+    <dgm:effectClrLst/>
+    <dgm:txLinClrLst/>
+    <dgm:txFillClrLst meth="repeat">
+      <a:schemeClr val="dk1"/>
+    </dgm:txFillClrLst>
+    <dgm:txEffectClrLst/>
+  </dgm:styleLbl>
+  <dgm:styleLbl name="bgSibTrans2D1">
+    <dgm:fillClrLst meth="repeat">
+      <a:schemeClr val="accent5">
+        <a:tint val="60000"/>
+      </a:schemeClr>
+    </dgm:fillClrLst>
+    <dgm:linClrLst meth="repeat">
+      <a:schemeClr val="accent5">
+        <a:tint val="60000"/>
+      </a:schemeClr>
+    </dgm:linClrLst>
+    <dgm:effectClrLst/>
+    <dgm:txLinClrLst/>
+    <dgm:txFillClrLst meth="repeat">
+      <a:schemeClr val="dk1"/>
+    </dgm:txFillClrLst>
+    <dgm:txEffectClrLst/>
+  </dgm:styleLbl>
+  <dgm:styleLbl name="sibTrans1D1">
+    <dgm:fillClrLst meth="repeat">
+      <a:schemeClr val="accent5"/>
+    </dgm:fillClrLst>
+    <dgm:linClrLst meth="repeat">
+      <a:schemeClr val="accent5"/>
+    </dgm:linClrLst>
+    <dgm:effectClrLst/>
+    <dgm:txLinClrLst/>
+    <dgm:txFillClrLst meth="repeat">
+      <a:schemeClr val="tx1"/>
+    </dgm:txFillClrLst>
+    <dgm:txEffectClrLst/>
+  </dgm:styleLbl>
+  <dgm:styleLbl name="callout">
+    <dgm:fillClrLst meth="repeat">
+      <a:schemeClr val="accent5"/>
+    </dgm:fillClrLst>
+    <dgm:linClrLst meth="repeat">
+      <a:schemeClr val="accent5"/>
+    </dgm:linClrLst>
+    <dgm:effectClrLst/>
+    <dgm:txLinClrLst/>
+    <dgm:txFillClrLst meth="repeat">
+      <a:schemeClr val="tx1"/>
+    </dgm:txFillClrLst>
+    <dgm:txEffectClrLst/>
+  </dgm:styleLbl>
+  <dgm:styleLbl name="asst0">
+    <dgm:fillClrLst meth="repeat">
+      <a:schemeClr val="lt1"/>
+    </dgm:fillClrLst>
+    <dgm:linClrLst meth="repeat">
+      <a:schemeClr val="accent5">
+        <a:shade val="80000"/>
+      </a:schemeClr>
+    </dgm:linClrLst>
+    <dgm:effectClrLst/>
+    <dgm:txLinClrLst/>
+    <dgm:txFillClrLst meth="repeat">
+      <a:schemeClr val="dk1"/>
+    </dgm:txFillClrLst>
+    <dgm:txEffectClrLst/>
+  </dgm:styleLbl>
+  <dgm:styleLbl name="asst1">
+    <dgm:fillClrLst meth="repeat">
+      <a:schemeClr val="lt1"/>
+    </dgm:fillClrLst>
+    <dgm:linClrLst meth="repeat">
+      <a:schemeClr val="accent5">
+        <a:shade val="80000"/>
+      </a:schemeClr>
+    </dgm:linClrLst>
+    <dgm:effectClrLst/>
+    <dgm:txLinClrLst/>
+    <dgm:txFillClrLst meth="repeat">
+      <a:schemeClr val="dk1"/>
+    </dgm:txFillClrLst>
+    <dgm:txEffectClrLst/>
+  </dgm:styleLbl>
+  <dgm:styleLbl name="asst2">
+    <dgm:fillClrLst meth="repeat">
+      <a:schemeClr val="lt1"/>
+    </dgm:fillClrLst>
+    <dgm:linClrLst meth="repeat">
+      <a:schemeClr val="accent5">
+        <a:shade val="80000"/>
+      </a:schemeClr>
+    </dgm:linClrLst>
+    <dgm:effectClrLst/>
+    <dgm:txLinClrLst/>
+    <dgm:txFillClrLst meth="repeat">
+      <a:schemeClr val="dk1"/>
+    </dgm:txFillClrLst>
+    <dgm:txEffectClrLst/>
+  </dgm:styleLbl>
+  <dgm:styleLbl name="asst3">
+    <dgm:fillClrLst meth="repeat">
+      <a:schemeClr val="lt1"/>
+    </dgm:fillClrLst>
+    <dgm:linClrLst meth="repeat">
+      <a:schemeClr val="accent5">
+        <a:shade val="80000"/>
+      </a:schemeClr>
+    </dgm:linClrLst>
+    <dgm:effectClrLst/>
+    <dgm:txLinClrLst/>
+    <dgm:txFillClrLst meth="repeat">
+      <a:schemeClr val="dk1"/>
+    </dgm:txFillClrLst>
+    <dgm:txEffectClrLst/>
+  </dgm:styleLbl>
+  <dgm:styleLbl name="asst4">
+    <dgm:fillClrLst meth="repeat">
+      <a:schemeClr val="lt1"/>
+    </dgm:fillClrLst>
+    <dgm:linClrLst meth="repeat">
+      <a:schemeClr val="accent5">
+        <a:shade val="80000"/>
+      </a:schemeClr>
+    </dgm:linClrLst>
+    <dgm:effectClrLst/>
+    <dgm:txLinClrLst/>
+    <dgm:txFillClrLst meth="repeat">
+      <a:schemeClr val="dk1"/>
+    </dgm:txFillClrLst>
+    <dgm:txEffectClrLst/>
+  </dgm:styleLbl>
+  <dgm:styleLbl name="parChTrans2D1">
+    <dgm:fillClrLst meth="repeat">
+      <a:schemeClr val="accent5">
+        <a:tint val="60000"/>
+      </a:schemeClr>
+    </dgm:fillClrLst>
+    <dgm:linClrLst meth="repeat">
+      <a:schemeClr val="accent5">
+        <a:tint val="60000"/>
+      </a:schemeClr>
+    </dgm:linClrLst>
+    <dgm:effectClrLst/>
+    <dgm:txLinClrLst/>
+    <dgm:txFillClrLst/>
+    <dgm:txEffectClrLst/>
+  </dgm:styleLbl>
+  <dgm:styleLbl name="parChTrans2D2">
+    <dgm:fillClrLst meth="repeat">
+      <a:schemeClr val="accent5"/>
+    </dgm:fillClrLst>
+    <dgm:linClrLst meth="repeat">
+      <a:schemeClr val="accent5"/>
+    </dgm:linClrLst>
+    <dgm:effectClrLst/>
+    <dgm:txLinClrLst/>
+    <dgm:txFillClrLst/>
+    <dgm:txEffectClrLst/>
+  </dgm:styleLbl>
+  <dgm:styleLbl name="parChTrans2D3">
+    <dgm:fillClrLst meth="repeat">
+      <a:schemeClr val="accent5"/>
+    </dgm:fillClrLst>
+    <dgm:linClrLst meth="repeat">
+      <a:schemeClr val="accent5"/>
+    </dgm:linClrLst>
+    <dgm:effectClrLst/>
+    <dgm:txLinClrLst/>
+    <dgm:txFillClrLst/>
+    <dgm:txEffectClrLst/>
+  </dgm:styleLbl>
+  <dgm:styleLbl name="parChTrans2D4">
+    <dgm:fillClrLst meth="repeat">
+      <a:schemeClr val="accent5"/>
+    </dgm:fillClrLst>
+    <dgm:linClrLst meth="repeat">
+      <a:schemeClr val="accent5"/>
+    </dgm:linClrLst>
+    <dgm:effectClrLst/>
+    <dgm:txLinClrLst/>
+    <dgm:txFillClrLst meth="repeat">
+      <a:schemeClr val="lt1"/>
+    </dgm:txFillClrLst>
+    <dgm:txEffectClrLst/>
+  </dgm:styleLbl>
+  <dgm:styleLbl name="parChTrans1D1">
+    <dgm:fillClrLst meth="repeat">
+      <a:schemeClr val="accent5"/>
+    </dgm:fillClrLst>
+    <dgm:linClrLst meth="repeat">
+      <a:schemeClr val="accent5">
+        <a:shade val="60000"/>
+      </a:schemeClr>
+    </dgm:linClrLst>
+    <dgm:effectClrLst/>
+    <dgm:txLinClrLst/>
+    <dgm:txFillClrLst meth="repeat">
+      <a:schemeClr val="tx1"/>
+    </dgm:txFillClrLst>
+    <dgm:txEffectClrLst/>
+  </dgm:styleLbl>
+  <dgm:styleLbl name="parChTrans1D2">
+    <dgm:fillClrLst meth="repeat">
+      <a:schemeClr val="accent5"/>
+    </dgm:fillClrLst>
+    <dgm:linClrLst meth="repeat">
+      <a:schemeClr val="accent5">
+        <a:shade val="60000"/>
+      </a:schemeClr>
+    </dgm:linClrLst>
+    <dgm:effectClrLst/>
+    <dgm:txLinClrLst/>
+    <dgm:txFillClrLst meth="repeat">
+      <a:schemeClr val="tx1"/>
+    </dgm:txFillClrLst>
+    <dgm:txEffectClrLst/>
+  </dgm:styleLbl>
+  <dgm:styleLbl name="parChTrans1D3">
+    <dgm:fillClrLst meth="repeat">
+      <a:schemeClr val="accent5"/>
+    </dgm:fillClrLst>
+    <dgm:linClrLst meth="repeat">
+      <a:schemeClr val="accent5">
+        <a:shade val="80000"/>
+      </a:schemeClr>
+    </dgm:linClrLst>
+    <dgm:effectClrLst/>
+    <dgm:txLinClrLst/>
+    <dgm:txFillClrLst meth="repeat">
+      <a:schemeClr val="tx1"/>
+    </dgm:txFillClrLst>
+    <dgm:txEffectClrLst/>
+  </dgm:styleLbl>
+  <dgm:styleLbl name="parChTrans1D4">
+    <dgm:fillClrLst meth="repeat">
+      <a:schemeClr val="accent5"/>
+    </dgm:fillClrLst>
+    <dgm:linClrLst meth="repeat">
+      <a:schemeClr val="accent5">
+        <a:shade val="80000"/>
+      </a:schemeClr>
+    </dgm:linClrLst>
+    <dgm:effectClrLst/>
+    <dgm:txLinClrLst/>
+    <dgm:txFillClrLst meth="repeat">
+      <a:schemeClr val="tx1"/>
+    </dgm:txFillClrLst>
+    <dgm:txEffectClrLst/>
+  </dgm:styleLbl>
+  <dgm:styleLbl name="fgAcc1">
+    <dgm:fillClrLst meth="repeat">
+      <a:schemeClr val="accent5">
+        <a:alpha val="90000"/>
+        <a:tint val="40000"/>
+      </a:schemeClr>
+    </dgm:fillClrLst>
+    <dgm:linClrLst meth="repeat">
+      <a:schemeClr val="accent5"/>
+    </dgm:linClrLst>
+    <dgm:effectClrLst/>
+    <dgm:txLinClrLst/>
+    <dgm:txFillClrLst meth="repeat">
+      <a:schemeClr val="dk1"/>
+    </dgm:txFillClrLst>
+    <dgm:txEffectClrLst/>
+  </dgm:styleLbl>
+  <dgm:styleLbl name="conFgAcc1">
+    <dgm:fillClrLst meth="repeat">
+      <a:schemeClr val="accent5">
+        <a:alpha val="90000"/>
+        <a:tint val="40000"/>
+      </a:schemeClr>
+    </dgm:fillClrLst>
+    <dgm:linClrLst meth="repeat">
+      <a:schemeClr val="accent5"/>
+    </dgm:linClrLst>
+    <dgm:effectClrLst/>
+    <dgm:txLinClrLst/>
+    <dgm:txFillClrLst meth="repeat">
+      <a:schemeClr val="dk1"/>
+    </dgm:txFillClrLst>
+    <dgm:txEffectClrLst/>
+  </dgm:styleLbl>
+  <dgm:styleLbl name="alignAcc1">
+    <dgm:fillClrLst meth="repeat">
+      <a:schemeClr val="accent5">
+        <a:alpha val="90000"/>
+        <a:tint val="40000"/>
+      </a:schemeClr>
+    </dgm:fillClrLst>
+    <dgm:linClrLst meth="repeat">
+      <a:schemeClr val="accent5"/>
+    </dgm:linClrLst>
+    <dgm:effectClrLst/>
+    <dgm:txLinClrLst/>
+    <dgm:txFillClrLst meth="repeat">
+      <a:schemeClr val="dk1"/>
+    </dgm:txFillClrLst>
+    <dgm:txEffectClrLst/>
+  </dgm:styleLbl>
+  <dgm:styleLbl name="trAlignAcc1">
+    <dgm:fillClrLst meth="repeat">
+      <a:schemeClr val="accent5">
+        <a:alpha val="40000"/>
+        <a:tint val="40000"/>
+      </a:schemeClr>
+    </dgm:fillClrLst>
+    <dgm:linClrLst meth="repeat">
+      <a:schemeClr val="accent5"/>
+    </dgm:linClrLst>
+    <dgm:effectClrLst/>
+    <dgm:txLinClrLst/>
+    <dgm:txFillClrLst meth="repeat">
+      <a:schemeClr val="dk1"/>
+    </dgm:txFillClrLst>
+    <dgm:txEffectClrLst/>
+  </dgm:styleLbl>
+  <dgm:styleLbl name="bgAcc1">
+    <dgm:fillClrLst meth="repeat">
+      <a:schemeClr val="accent5">
+        <a:alpha val="90000"/>
+        <a:tint val="40000"/>
+      </a:schemeClr>
+    </dgm:fillClrLst>
+    <dgm:linClrLst meth="repeat">
+      <a:schemeClr val="accent5"/>
+    </dgm:linClrLst>
+    <dgm:effectClrLst/>
+    <dgm:txLinClrLst/>
+    <dgm:txFillClrLst meth="repeat">
+      <a:schemeClr val="dk1"/>
+    </dgm:txFillClrLst>
+    <dgm:txEffectClrLst/>
+  </dgm:styleLbl>
+  <dgm:styleLbl name="solidFgAcc1">
+    <dgm:fillClrLst meth="repeat">
+      <a:schemeClr val="lt1"/>
+    </dgm:fillClrLst>
+    <dgm:linClrLst meth="repeat">
+      <a:schemeClr val="accent5"/>
+    </dgm:linClrLst>
+    <dgm:effectClrLst/>
+    <dgm:txLinClrLst/>
+    <dgm:txFillClrLst meth="repeat">
+      <a:schemeClr val="dk1"/>
+    </dgm:txFillClrLst>
+    <dgm:txEffectClrLst/>
+  </dgm:styleLbl>
+  <dgm:styleLbl name="solidAlignAcc1">
+    <dgm:fillClrLst meth="repeat">
+      <a:schemeClr val="lt1"/>
+    </dgm:fillClrLst>
+    <dgm:linClrLst meth="repeat">
+      <a:schemeClr val="accent5"/>
+    </dgm:linClrLst>
+    <dgm:effectClrLst/>
+    <dgm:txLinClrLst/>
+    <dgm:txFillClrLst meth="repeat">
+      <a:schemeClr val="dk1"/>
+    </dgm:txFillClrLst>
+    <dgm:txEffectClrLst/>
+  </dgm:styleLbl>
+  <dgm:styleLbl name="solidBgAcc1">
+    <dgm:fillClrLst meth="repeat">
+      <a:schemeClr val="lt1"/>
+    </dgm:fillClrLst>
+    <dgm:linClrLst meth="repeat">
+      <a:schemeClr val="accent5"/>
+    </dgm:linClrLst>
+    <dgm:effectClrLst/>
+    <dgm:txLinClrLst/>
+    <dgm:txFillClrLst meth="repeat">
+      <a:schemeClr val="dk1"/>
+    </dgm:txFillClrLst>
+    <dgm:txEffectClrLst/>
+  </dgm:styleLbl>
+  <dgm:styleLbl name="fgAccFollowNode1">
+    <dgm:fillClrLst meth="repeat">
+      <a:schemeClr val="lt1">
+        <a:alpha val="90000"/>
+        <a:tint val="40000"/>
+      </a:schemeClr>
+    </dgm:fillClrLst>
+    <dgm:linClrLst meth="repeat">
+      <a:schemeClr val="accent5">
+        <a:alpha val="90000"/>
+      </a:schemeClr>
+    </dgm:linClrLst>
+    <dgm:effectClrLst/>
+    <dgm:txLinClrLst/>
+    <dgm:txFillClrLst meth="repeat">
+      <a:schemeClr val="dk1"/>
+    </dgm:txFillClrLst>
+    <dgm:txEffectClrLst/>
+  </dgm:styleLbl>
+  <dgm:styleLbl name="alignAccFollowNode1">
+    <dgm:fillClrLst meth="repeat">
+      <a:schemeClr val="lt1">
+        <a:alpha val="90000"/>
+        <a:tint val="40000"/>
+      </a:schemeClr>
+    </dgm:fillClrLst>
+    <dgm:linClrLst meth="repeat">
+      <a:schemeClr val="accent5">
+        <a:alpha val="90000"/>
+      </a:schemeClr>
+    </dgm:linClrLst>
+    <dgm:effectClrLst/>
+    <dgm:txLinClrLst/>
+    <dgm:txFillClrLst meth="repeat">
+      <a:schemeClr val="dk1"/>
+    </dgm:txFillClrLst>
+    <dgm:txEffectClrLst/>
+  </dgm:styleLbl>
+  <dgm:styleLbl name="bgAccFollowNode1">
+    <dgm:fillClrLst meth="repeat">
+      <a:schemeClr val="lt1">
+        <a:alpha val="90000"/>
+        <a:tint val="40000"/>
+      </a:schemeClr>
+    </dgm:fillClrLst>
+    <dgm:linClrLst meth="repeat">
+      <a:schemeClr val="accent5">
+        <a:alpha val="90000"/>
+      </a:schemeClr>
+    </dgm:linClrLst>
+    <dgm:effectClrLst/>
+    <dgm:txLinClrLst/>
+    <dgm:txFillClrLst meth="repeat">
+      <a:schemeClr val="dk1"/>
+    </dgm:txFillClrLst>
+    <dgm:txEffectClrLst/>
+  </dgm:styleLbl>
+  <dgm:styleLbl name="fgAcc0">
+    <dgm:fillClrLst meth="repeat">
+      <a:schemeClr val="accent5">
+        <a:alpha val="90000"/>
+        <a:tint val="40000"/>
+      </a:schemeClr>
+    </dgm:fillClrLst>
+    <dgm:linClrLst meth="repeat">
+      <a:schemeClr val="accent5"/>
+    </dgm:linClrLst>
+    <dgm:effectClrLst/>
+    <dgm:txLinClrLst/>
+    <dgm:txFillClrLst meth="repeat">
+      <a:schemeClr val="dk1"/>
+    </dgm:txFillClrLst>
+    <dgm:txEffectClrLst/>
+  </dgm:styleLbl>
+  <dgm:styleLbl name="fgAcc2">
+    <dgm:fillClrLst meth="repeat">
+      <a:schemeClr val="accent5">
+        <a:alpha val="90000"/>
+        <a:tint val="40000"/>
+      </a:schemeClr>
+    </dgm:fillClrLst>
+    <dgm:linClrLst meth="repeat">
+      <a:schemeClr val="accent5"/>
+    </dgm:linClrLst>
+    <dgm:effectClrLst/>
+    <dgm:txLinClrLst/>
+    <dgm:txFillClrLst meth="repeat">
+      <a:schemeClr val="dk1"/>
+    </dgm:txFillClrLst>
+    <dgm:txEffectClrLst/>
+  </dgm:styleLbl>
+  <dgm:styleLbl name="fgAcc3">
+    <dgm:fillClrLst meth="repeat">
+      <a:schemeClr val="accent5">
+        <a:alpha val="90000"/>
+        <a:tint val="40000"/>
+      </a:schemeClr>
+    </dgm:fillClrLst>
+    <dgm:linClrLst meth="repeat">
+      <a:schemeClr val="accent5"/>
+    </dgm:linClrLst>
+    <dgm:effectClrLst/>
+    <dgm:txLinClrLst/>
+    <dgm:txFillClrLst meth="repeat">
+      <a:schemeClr val="dk1"/>
+    </dgm:txFillClrLst>
+    <dgm:txEffectClrLst/>
+  </dgm:styleLbl>
+  <dgm:styleLbl name="fgAcc4">
+    <dgm:fillClrLst meth="repeat">
+      <a:schemeClr val="accent5">
+        <a:alpha val="90000"/>
+        <a:tint val="40000"/>
+      </a:schemeClr>
+    </dgm:fillClrLst>
+    <dgm:linClrLst meth="repeat">
+      <a:schemeClr val="accent5"/>
+    </dgm:linClrLst>
+    <dgm:effectClrLst/>
+    <dgm:txLinClrLst/>
+    <dgm:txFillClrLst meth="repeat">
+      <a:schemeClr val="dk1"/>
+    </dgm:txFillClrLst>
+    <dgm:txEffectClrLst/>
+  </dgm:styleLbl>
+  <dgm:styleLbl name="bgShp">
+    <dgm:fillClrLst meth="repeat">
+      <a:schemeClr val="accent5">
+        <a:tint val="40000"/>
+      </a:schemeClr>
+    </dgm:fillClrLst>
+    <dgm:linClrLst meth="repeat">
+      <a:schemeClr val="accent5"/>
+    </dgm:linClrLst>
+    <dgm:effectClrLst/>
+    <dgm:txLinClrLst/>
+    <dgm:txFillClrLst meth="repeat">
+      <a:schemeClr val="dk1"/>
+    </dgm:txFillClrLst>
+    <dgm:txEffectClrLst/>
+  </dgm:styleLbl>
+  <dgm:styleLbl name="dkBgShp">
+    <dgm:fillClrLst meth="repeat">
+      <a:schemeClr val="accent5">
+        <a:shade val="80000"/>
+      </a:schemeClr>
+    </dgm:fillClrLst>
+    <dgm:linClrLst meth="repeat">
+      <a:schemeClr val="accent5"/>
+    </dgm:linClrLst>
+    <dgm:effectClrLst/>
+    <dgm:txLinClrLst/>
+    <dgm:txFillClrLst meth="repeat">
+      <a:schemeClr val="lt1"/>
+    </dgm:txFillClrLst>
+    <dgm:txEffectClrLst/>
+  </dgm:styleLbl>
+  <dgm:styleLbl name="trBgShp">
+    <dgm:fillClrLst meth="repeat">
+      <a:schemeClr val="accent5">
+        <a:tint val="50000"/>
+        <a:alpha val="40000"/>
+      </a:schemeClr>
+    </dgm:fillClrLst>
+    <dgm:linClrLst meth="repeat">
+      <a:schemeClr val="accent5"/>
+    </dgm:linClrLst>
+    <dgm:effectClrLst/>
+    <dgm:txLinClrLst/>
+    <dgm:txFillClrLst meth="repeat">
+      <a:schemeClr val="lt1"/>
+    </dgm:txFillClrLst>
+    <dgm:txEffectClrLst/>
+  </dgm:styleLbl>
+  <dgm:styleLbl name="fgShp">
+    <dgm:fillClrLst meth="repeat">
+      <a:schemeClr val="accent5">
+        <a:tint val="60000"/>
+      </a:schemeClr>
+    </dgm:fillClrLst>
+    <dgm:linClrLst meth="repeat">
+      <a:schemeClr val="lt1"/>
+    </dgm:linClrLst>
+    <dgm:effectClrLst/>
+    <dgm:txLinClrLst/>
+    <dgm:txFillClrLst meth="repeat">
+      <a:schemeClr val="dk1"/>
+    </dgm:txFillClrLst>
+    <dgm:txEffectClrLst/>
+  </dgm:styleLbl>
+  <dgm:styleLbl name="revTx">
+    <dgm:fillClrLst meth="repeat">
+      <a:schemeClr val="lt1">
+        <a:alpha val="0"/>
+      </a:schemeClr>
+    </dgm:fillClrLst>
+    <dgm:linClrLst meth="repeat">
+      <a:schemeClr val="dk1">
+        <a:alpha val="0"/>
+      </a:schemeClr>
+    </dgm:linClrLst>
+    <dgm:effectClrLst/>
+    <dgm:txLinClrLst/>
+    <dgm:txFillClrLst meth="repeat">
+      <a:schemeClr val="tx1"/>
+    </dgm:txFillClrLst>
+    <dgm:txEffectClrLst/>
+  </dgm:styleLbl>
+</dgm:colorsDef>
+</file>
+
 <file path=ppt/diagrams/data1.xml><?xml version="1.0" encoding="utf-8"?>
 <dgm:dataModel xmlns:dgm="http://schemas.openxmlformats.org/drawingml/2006/diagram" xmlns:a="http://schemas.openxmlformats.org/drawingml/2006/main">
   <dgm:ptLst>
@@ -962,7 +1775,7 @@
         </a:p>
       </dgm:t>
     </dgm:pt>
-    <dgm:pt modelId="{6B58C543-51DF-1B4D-89D2-344B0D865A24}">
+    <dgm:pt modelId="{475B4AAE-5C59-2C4B-931E-B2ECB67BEBD2}">
       <dgm:prSet phldrT="[Text]"/>
       <dgm:spPr/>
       <dgm:t>
@@ -974,12 +1787,12 @@
               <a:latin typeface="Helvetica" pitchFamily="2" charset="0"/>
               <a:cs typeface="Arial" panose="020B0604020202020204" pitchFamily="34" charset="0"/>
             </a:rPr>
-            <a:t>Filter coordinates by CORINE in R to improve accuracy</a:t>
+            <a:t>Import coordinates into GEE</a:t>
           </a:r>
         </a:p>
       </dgm:t>
     </dgm:pt>
-    <dgm:pt modelId="{D9A6BDD1-647E-A44B-A62F-03151B781C2B}" type="parTrans" cxnId="{04532C6B-07DC-2747-8127-20E06ECA54C3}">
+    <dgm:pt modelId="{845B3499-F636-D64D-B8BD-F90644397589}" type="parTrans" cxnId="{781CBCA0-1CD0-7B44-B6B6-88FF336E1138}">
       <dgm:prSet/>
       <dgm:spPr/>
       <dgm:t>
@@ -993,7 +1806,7 @@
         </a:p>
       </dgm:t>
     </dgm:pt>
-    <dgm:pt modelId="{ECF3D456-7E17-1145-9189-B98C9502A73E}" type="sibTrans" cxnId="{04532C6B-07DC-2747-8127-20E06ECA54C3}">
+    <dgm:pt modelId="{7DA39A73-DEBF-3443-A128-11065F74BC16}" type="sibTrans" cxnId="{781CBCA0-1CD0-7B44-B6B6-88FF336E1138}">
       <dgm:prSet/>
       <dgm:spPr/>
       <dgm:t>
@@ -1007,8 +1820,8 @@
         </a:p>
       </dgm:t>
     </dgm:pt>
-    <dgm:pt modelId="{475B4AAE-5C59-2C4B-931E-B2ECB67BEBD2}">
-      <dgm:prSet phldrT="[Text]"/>
+    <dgm:pt modelId="{3850E42A-0DF0-3F4C-A53A-2F11FDD3FA4B}">
+      <dgm:prSet/>
       <dgm:spPr/>
       <dgm:t>
         <a:bodyPr/>
@@ -1019,12 +1832,12 @@
               <a:latin typeface="Helvetica" pitchFamily="2" charset="0"/>
               <a:cs typeface="Arial" panose="020B0604020202020204" pitchFamily="34" charset="0"/>
             </a:rPr>
-            <a:t>Import coordinates into GEE</a:t>
+            <a:t>Train with training data</a:t>
           </a:r>
         </a:p>
       </dgm:t>
     </dgm:pt>
-    <dgm:pt modelId="{845B3499-F636-D64D-B8BD-F90644397589}" type="parTrans" cxnId="{781CBCA0-1CD0-7B44-B6B6-88FF336E1138}">
+    <dgm:pt modelId="{7E4D38D8-4AE2-6E49-B333-67E4892B5AF5}" type="parTrans" cxnId="{BDB26DF1-D939-0845-9033-23CAACA5F10A}">
       <dgm:prSet/>
       <dgm:spPr/>
       <dgm:t>
@@ -1038,7 +1851,7 @@
         </a:p>
       </dgm:t>
     </dgm:pt>
-    <dgm:pt modelId="{7DA39A73-DEBF-3443-A128-11065F74BC16}" type="sibTrans" cxnId="{781CBCA0-1CD0-7B44-B6B6-88FF336E1138}">
+    <dgm:pt modelId="{2C42B50D-7D89-3949-A37E-8F8016685EBB}" type="sibTrans" cxnId="{BDB26DF1-D939-0845-9033-23CAACA5F10A}">
       <dgm:prSet/>
       <dgm:spPr/>
       <dgm:t>
@@ -1052,7 +1865,7 @@
         </a:p>
       </dgm:t>
     </dgm:pt>
-    <dgm:pt modelId="{3850E42A-0DF0-3F4C-A53A-2F11FDD3FA4B}">
+    <dgm:pt modelId="{A45C9F6A-98EF-8144-8F8A-99406450B579}">
       <dgm:prSet/>
       <dgm:spPr/>
       <dgm:t>
@@ -1064,12 +1877,26 @@
               <a:latin typeface="Helvetica" pitchFamily="2" charset="0"/>
               <a:cs typeface="Arial" panose="020B0604020202020204" pitchFamily="34" charset="0"/>
             </a:rPr>
-            <a:t>Train with training data</a:t>
+            <a:t>Create Random </a:t>
+          </a:r>
+          <a:r>
+            <a:rPr lang="en-US">
+              <a:latin typeface="Helvetica" pitchFamily="2" charset="0"/>
+              <a:cs typeface="Arial" panose="020B0604020202020204" pitchFamily="34" charset="0"/>
+            </a:rPr>
+            <a:t>Forest supervised </a:t>
+          </a:r>
+          <a:r>
+            <a:rPr lang="en-US" dirty="0">
+              <a:latin typeface="Helvetica" pitchFamily="2" charset="0"/>
+              <a:cs typeface="Arial" panose="020B0604020202020204" pitchFamily="34" charset="0"/>
+            </a:rPr>
+            <a:t>classification</a:t>
           </a:r>
         </a:p>
       </dgm:t>
     </dgm:pt>
-    <dgm:pt modelId="{7E4D38D8-4AE2-6E49-B333-67E4892B5AF5}" type="parTrans" cxnId="{BDB26DF1-D939-0845-9033-23CAACA5F10A}">
+    <dgm:pt modelId="{090EE4E3-64DF-7F46-97E9-8E83C30FA78D}" type="parTrans" cxnId="{2E277961-42FA-EF4B-89A8-F8B5FA98A9CC}">
       <dgm:prSet/>
       <dgm:spPr/>
       <dgm:t>
@@ -1083,7 +1910,7 @@
         </a:p>
       </dgm:t>
     </dgm:pt>
-    <dgm:pt modelId="{2C42B50D-7D89-3949-A37E-8F8016685EBB}" type="sibTrans" cxnId="{BDB26DF1-D939-0845-9033-23CAACA5F10A}">
+    <dgm:pt modelId="{4C7C62F3-ECAE-F84A-9D4E-F666BAF7A405}" type="sibTrans" cxnId="{2E277961-42FA-EF4B-89A8-F8B5FA98A9CC}">
       <dgm:prSet/>
       <dgm:spPr/>
       <dgm:t>
@@ -1097,7 +1924,7 @@
         </a:p>
       </dgm:t>
     </dgm:pt>
-    <dgm:pt modelId="{A45C9F6A-98EF-8144-8F8A-99406450B579}">
+    <dgm:pt modelId="{C52B9DF9-B255-2B42-8D70-58643719092D}">
       <dgm:prSet/>
       <dgm:spPr/>
       <dgm:t>
@@ -1109,26 +1936,12 @@
               <a:latin typeface="Helvetica" pitchFamily="2" charset="0"/>
               <a:cs typeface="Arial" panose="020B0604020202020204" pitchFamily="34" charset="0"/>
             </a:rPr>
-            <a:t>Create Random </a:t>
-          </a:r>
-          <a:r>
-            <a:rPr lang="en-US">
-              <a:latin typeface="Helvetica" pitchFamily="2" charset="0"/>
-              <a:cs typeface="Arial" panose="020B0604020202020204" pitchFamily="34" charset="0"/>
-            </a:rPr>
-            <a:t>Forest supervised </a:t>
-          </a:r>
-          <a:r>
-            <a:rPr lang="en-US" dirty="0">
-              <a:latin typeface="Helvetica" pitchFamily="2" charset="0"/>
-              <a:cs typeface="Arial" panose="020B0604020202020204" pitchFamily="34" charset="0"/>
-            </a:rPr>
-            <a:t>classification</a:t>
+            <a:t>Set bands for prediction</a:t>
           </a:r>
         </a:p>
       </dgm:t>
     </dgm:pt>
-    <dgm:pt modelId="{090EE4E3-64DF-7F46-97E9-8E83C30FA78D}" type="parTrans" cxnId="{2E277961-42FA-EF4B-89A8-F8B5FA98A9CC}">
+    <dgm:pt modelId="{FD79A788-D2E6-E441-9806-5E7F1AA3970B}" type="parTrans" cxnId="{B36C7B75-1A34-5C48-ADC9-C5761B8D4FF3}">
       <dgm:prSet/>
       <dgm:spPr/>
       <dgm:t>
@@ -1142,7 +1955,7 @@
         </a:p>
       </dgm:t>
     </dgm:pt>
-    <dgm:pt modelId="{4C7C62F3-ECAE-F84A-9D4E-F666BAF7A405}" type="sibTrans" cxnId="{2E277961-42FA-EF4B-89A8-F8B5FA98A9CC}">
+    <dgm:pt modelId="{178110FE-731B-E544-A1EC-69AAAA5A5568}" type="sibTrans" cxnId="{B36C7B75-1A34-5C48-ADC9-C5761B8D4FF3}">
       <dgm:prSet/>
       <dgm:spPr/>
       <dgm:t>
@@ -1156,7 +1969,7 @@
         </a:p>
       </dgm:t>
     </dgm:pt>
-    <dgm:pt modelId="{C52B9DF9-B255-2B42-8D70-58643719092D}">
+    <dgm:pt modelId="{D536E680-1B9C-1B44-87DF-54A01A75AF5C}">
       <dgm:prSet/>
       <dgm:spPr/>
       <dgm:t>
@@ -1168,12 +1981,12 @@
               <a:latin typeface="Helvetica" pitchFamily="2" charset="0"/>
               <a:cs typeface="Arial" panose="020B0604020202020204" pitchFamily="34" charset="0"/>
             </a:rPr>
-            <a:t>Set bands for prediction</a:t>
+            <a:t>Classify image with default parameters, cropping to size of Latvia</a:t>
           </a:r>
         </a:p>
       </dgm:t>
     </dgm:pt>
-    <dgm:pt modelId="{FD79A788-D2E6-E441-9806-5E7F1AA3970B}" type="parTrans" cxnId="{B36C7B75-1A34-5C48-ADC9-C5761B8D4FF3}">
+    <dgm:pt modelId="{1B32F705-B859-FC40-96A4-F6A158C98C0D}" type="parTrans" cxnId="{421CB7ED-6423-9741-A259-5E741A423EA8}">
       <dgm:prSet/>
       <dgm:spPr/>
       <dgm:t>
@@ -1187,7 +2000,7 @@
         </a:p>
       </dgm:t>
     </dgm:pt>
-    <dgm:pt modelId="{178110FE-731B-E544-A1EC-69AAAA5A5568}" type="sibTrans" cxnId="{B36C7B75-1A34-5C48-ADC9-C5761B8D4FF3}">
+    <dgm:pt modelId="{6A628C4A-B658-674F-A4A2-3A18F61AA5E0}" type="sibTrans" cxnId="{421CB7ED-6423-9741-A259-5E741A423EA8}">
       <dgm:prSet/>
       <dgm:spPr/>
       <dgm:t>
@@ -1201,7 +2014,7 @@
         </a:p>
       </dgm:t>
     </dgm:pt>
-    <dgm:pt modelId="{D536E680-1B9C-1B44-87DF-54A01A75AF5C}">
+    <dgm:pt modelId="{6B87525D-A66A-0442-A8C4-CA9E23F4DE0B}">
       <dgm:prSet/>
       <dgm:spPr/>
       <dgm:t>
@@ -1209,16 +2022,23 @@
         <a:lstStyle/>
         <a:p>
           <a:r>
+            <a:rPr lang="en-US" dirty="0" err="1">
+              <a:latin typeface="Helvetica" pitchFamily="2" charset="0"/>
+              <a:cs typeface="Arial" panose="020B0604020202020204" pitchFamily="34" charset="0"/>
+            </a:rPr>
+            <a:t>Visualise</a:t>
+          </a:r>
+          <a:r>
             <a:rPr lang="en-US" dirty="0">
               <a:latin typeface="Helvetica" pitchFamily="2" charset="0"/>
               <a:cs typeface="Arial" panose="020B0604020202020204" pitchFamily="34" charset="0"/>
             </a:rPr>
-            <a:t>Classify image with default parameters, cropping size of Latvia</a:t>
+            <a:t> classification</a:t>
           </a:r>
         </a:p>
       </dgm:t>
     </dgm:pt>
-    <dgm:pt modelId="{1B32F705-B859-FC40-96A4-F6A158C98C0D}" type="parTrans" cxnId="{421CB7ED-6423-9741-A259-5E741A423EA8}">
+    <dgm:pt modelId="{A0080F5F-E066-FC40-8549-6477B8992F64}" type="parTrans" cxnId="{7C54B5D8-2F14-F444-B4D0-1619294DEBEA}">
       <dgm:prSet/>
       <dgm:spPr/>
       <dgm:t>
@@ -1232,7 +2052,7 @@
         </a:p>
       </dgm:t>
     </dgm:pt>
-    <dgm:pt modelId="{6A628C4A-B658-674F-A4A2-3A18F61AA5E0}" type="sibTrans" cxnId="{421CB7ED-6423-9741-A259-5E741A423EA8}">
+    <dgm:pt modelId="{A4514501-21BB-E146-9D46-76DEBD3F4014}" type="sibTrans" cxnId="{7C54B5D8-2F14-F444-B4D0-1619294DEBEA}">
       <dgm:prSet/>
       <dgm:spPr/>
       <dgm:t>
@@ -1246,31 +2066,38 @@
         </a:p>
       </dgm:t>
     </dgm:pt>
-    <dgm:pt modelId="{6B87525D-A66A-0442-A8C4-CA9E23F4DE0B}">
-      <dgm:prSet/>
+    <dgm:pt modelId="{6DC9E00A-9AB0-E341-9AB8-9B1C9963C306}">
+      <dgm:prSet phldrT="[Text]"/>
       <dgm:spPr/>
       <dgm:t>
         <a:bodyPr/>
         <a:lstStyle/>
         <a:p>
           <a:r>
+            <a:rPr lang="en-US" dirty="0">
+              <a:latin typeface="Helvetica" pitchFamily="2" charset="0"/>
+              <a:cs typeface="Arial" panose="020B0604020202020204" pitchFamily="34" charset="0"/>
+            </a:rPr>
+            <a:t>Add 80 </a:t>
+          </a:r>
+          <a:r>
             <a:rPr lang="en-US" dirty="0" err="1">
               <a:latin typeface="Helvetica" pitchFamily="2" charset="0"/>
               <a:cs typeface="Arial" panose="020B0604020202020204" pitchFamily="34" charset="0"/>
             </a:rPr>
-            <a:t>Visualise</a:t>
+            <a:t>metre</a:t>
           </a:r>
           <a:r>
             <a:rPr lang="en-US" dirty="0">
               <a:latin typeface="Helvetica" pitchFamily="2" charset="0"/>
               <a:cs typeface="Arial" panose="020B0604020202020204" pitchFamily="34" charset="0"/>
             </a:rPr>
-            <a:t> classification</a:t>
+            <a:t> buffer around points</a:t>
           </a:r>
         </a:p>
       </dgm:t>
     </dgm:pt>
-    <dgm:pt modelId="{A0080F5F-E066-FC40-8549-6477B8992F64}" type="parTrans" cxnId="{7C54B5D8-2F14-F444-B4D0-1619294DEBEA}">
+    <dgm:pt modelId="{893B13DB-2582-EB4B-A14E-A2AA090DEB91}" type="parTrans" cxnId="{DB645F84-F3C0-A54A-9A04-464C1023A45F}">
       <dgm:prSet/>
       <dgm:spPr/>
       <dgm:t>
@@ -1284,7 +2111,7 @@
         </a:p>
       </dgm:t>
     </dgm:pt>
-    <dgm:pt modelId="{A4514501-21BB-E146-9D46-76DEBD3F4014}" type="sibTrans" cxnId="{7C54B5D8-2F14-F444-B4D0-1619294DEBEA}">
+    <dgm:pt modelId="{1A2F6911-70F0-BA4C-9853-914802B4468D}" type="sibTrans" cxnId="{DB645F84-F3C0-A54A-9A04-464C1023A45F}">
       <dgm:prSet/>
       <dgm:spPr/>
       <dgm:t>
@@ -1298,8 +2125,8 @@
         </a:p>
       </dgm:t>
     </dgm:pt>
-    <dgm:pt modelId="{6DC9E00A-9AB0-E341-9AB8-9B1C9963C306}">
-      <dgm:prSet phldrT="[Text]"/>
+    <dgm:pt modelId="{811180D8-E2CD-F442-8670-8FE079C5ACF2}">
+      <dgm:prSet/>
       <dgm:spPr/>
       <dgm:t>
         <a:bodyPr/>
@@ -1310,12 +2137,12 @@
               <a:latin typeface="Helvetica" pitchFamily="2" charset="0"/>
               <a:cs typeface="Arial" panose="020B0604020202020204" pitchFamily="34" charset="0"/>
             </a:rPr>
-            <a:t>Add buffer around points</a:t>
+            <a:t>Set base imagery (Landsat 5) and cloud correct</a:t>
           </a:r>
         </a:p>
       </dgm:t>
     </dgm:pt>
-    <dgm:pt modelId="{893B13DB-2582-EB4B-A14E-A2AA090DEB91}" type="parTrans" cxnId="{DB645F84-F3C0-A54A-9A04-464C1023A45F}">
+    <dgm:pt modelId="{D86AFF65-C464-DA48-9D0C-72006405A99F}" type="parTrans" cxnId="{B6957522-A10E-0B4E-B305-E71B924E40B6}">
       <dgm:prSet/>
       <dgm:spPr/>
       <dgm:t>
@@ -1329,7 +2156,7 @@
         </a:p>
       </dgm:t>
     </dgm:pt>
-    <dgm:pt modelId="{1A2F6911-70F0-BA4C-9853-914802B4468D}" type="sibTrans" cxnId="{DB645F84-F3C0-A54A-9A04-464C1023A45F}">
+    <dgm:pt modelId="{F4BEF1E9-FAE5-BE4E-8735-68AAEAC705FF}" type="sibTrans" cxnId="{B6957522-A10E-0B4E-B305-E71B924E40B6}">
       <dgm:prSet/>
       <dgm:spPr/>
       <dgm:t>
@@ -1343,7 +2170,7 @@
         </a:p>
       </dgm:t>
     </dgm:pt>
-    <dgm:pt modelId="{811180D8-E2CD-F442-8670-8FE079C5ACF2}">
+    <dgm:pt modelId="{5B1EAB7A-1458-7544-B74A-ACFBEB4F7A40}">
       <dgm:prSet/>
       <dgm:spPr/>
       <dgm:t>
@@ -1355,12 +2182,12 @@
               <a:latin typeface="Helvetica" pitchFamily="2" charset="0"/>
               <a:cs typeface="Arial" panose="020B0604020202020204" pitchFamily="34" charset="0"/>
             </a:rPr>
-            <a:t>Set base imagery (Landsat 5/7) and cloud correct</a:t>
+            <a:t>Export TIF </a:t>
           </a:r>
         </a:p>
       </dgm:t>
     </dgm:pt>
-    <dgm:pt modelId="{D86AFF65-C464-DA48-9D0C-72006405A99F}" type="parTrans" cxnId="{B6957522-A10E-0B4E-B305-E71B924E40B6}">
+    <dgm:pt modelId="{054260FB-CC87-E648-B55A-FBAB09824084}" type="parTrans" cxnId="{69A88160-36C6-FD49-A1EA-8CA266DDCEC1}">
       <dgm:prSet/>
       <dgm:spPr/>
       <dgm:t>
@@ -1374,7 +2201,7 @@
         </a:p>
       </dgm:t>
     </dgm:pt>
-    <dgm:pt modelId="{F4BEF1E9-FAE5-BE4E-8735-68AAEAC705FF}" type="sibTrans" cxnId="{B6957522-A10E-0B4E-B305-E71B924E40B6}">
+    <dgm:pt modelId="{D8E060BA-385A-EF47-9092-9DDEBDC9F737}" type="sibTrans" cxnId="{69A88160-36C6-FD49-A1EA-8CA266DDCEC1}">
       <dgm:prSet/>
       <dgm:spPr/>
       <dgm:t>
@@ -1388,7 +2215,7 @@
         </a:p>
       </dgm:t>
     </dgm:pt>
-    <dgm:pt modelId="{5B1EAB7A-1458-7544-B74A-ACFBEB4F7A40}">
+    <dgm:pt modelId="{3D5BD63F-486B-F54F-A958-CB5F18935AFF}">
       <dgm:prSet/>
       <dgm:spPr/>
       <dgm:t>
@@ -1400,12 +2227,12 @@
               <a:latin typeface="Helvetica" pitchFamily="2" charset="0"/>
               <a:cs typeface="Arial" panose="020B0604020202020204" pitchFamily="34" charset="0"/>
             </a:rPr>
-            <a:t>Export area, pixel values and maps for each study year</a:t>
+            <a:t>Assess classification accuracy and error</a:t>
           </a:r>
         </a:p>
       </dgm:t>
     </dgm:pt>
-    <dgm:pt modelId="{054260FB-CC87-E648-B55A-FBAB09824084}" type="parTrans" cxnId="{69A88160-36C6-FD49-A1EA-8CA266DDCEC1}">
+    <dgm:pt modelId="{F8341A95-E6E3-AD4E-9B01-48CBD5A8CA4E}" type="parTrans" cxnId="{B7DA6F87-5FE7-E948-8320-4C067DBDC5F4}">
       <dgm:prSet/>
       <dgm:spPr/>
       <dgm:t>
@@ -1419,7 +2246,7 @@
         </a:p>
       </dgm:t>
     </dgm:pt>
-    <dgm:pt modelId="{D8E060BA-385A-EF47-9092-9DDEBDC9F737}" type="sibTrans" cxnId="{69A88160-36C6-FD49-A1EA-8CA266DDCEC1}">
+    <dgm:pt modelId="{ED17B92B-2893-3542-8BC7-A02B9748F046}" type="sibTrans" cxnId="{B7DA6F87-5FE7-E948-8320-4C067DBDC5F4}">
       <dgm:prSet/>
       <dgm:spPr/>
       <dgm:t>
@@ -1433,7 +2260,7 @@
         </a:p>
       </dgm:t>
     </dgm:pt>
-    <dgm:pt modelId="{3D5BD63F-486B-F54F-A958-CB5F18935AFF}">
+    <dgm:pt modelId="{1835D066-5953-184E-9EFD-D2C89FB7BC14}">
       <dgm:prSet/>
       <dgm:spPr/>
       <dgm:t>
@@ -1441,16 +2268,23 @@
         <a:lstStyle/>
         <a:p>
           <a:r>
+            <a:rPr lang="en-US" dirty="0" err="1">
+              <a:latin typeface="Helvetica" pitchFamily="2" charset="0"/>
+              <a:cs typeface="Arial" panose="020B0604020202020204" pitchFamily="34" charset="0"/>
+            </a:rPr>
+            <a:t>Resubstitution</a:t>
+          </a:r>
+          <a:r>
             <a:rPr lang="en-US" dirty="0">
               <a:latin typeface="Helvetica" pitchFamily="2" charset="0"/>
               <a:cs typeface="Arial" panose="020B0604020202020204" pitchFamily="34" charset="0"/>
             </a:rPr>
-            <a:t>Assess classification accuracy and error</a:t>
+            <a:t> accuracy and error</a:t>
           </a:r>
         </a:p>
       </dgm:t>
     </dgm:pt>
-    <dgm:pt modelId="{F8341A95-E6E3-AD4E-9B01-48CBD5A8CA4E}" type="parTrans" cxnId="{B7DA6F87-5FE7-E948-8320-4C067DBDC5F4}">
+    <dgm:pt modelId="{411EA9BC-EE85-924A-80EC-BFDB84A5DC45}" type="parTrans" cxnId="{B9D8EBDD-1ECF-5E4C-8AEC-9AFF809F7F19}">
       <dgm:prSet/>
       <dgm:spPr/>
       <dgm:t>
@@ -1464,7 +2298,7 @@
         </a:p>
       </dgm:t>
     </dgm:pt>
-    <dgm:pt modelId="{ED17B92B-2893-3542-8BC7-A02B9748F046}" type="sibTrans" cxnId="{B7DA6F87-5FE7-E948-8320-4C067DBDC5F4}">
+    <dgm:pt modelId="{E52EA233-3DF7-B147-9770-382D2FD6B981}" type="sibTrans" cxnId="{B9D8EBDD-1ECF-5E4C-8AEC-9AFF809F7F19}">
       <dgm:prSet/>
       <dgm:spPr/>
       <dgm:t>
@@ -1478,7 +2312,7 @@
         </a:p>
       </dgm:t>
     </dgm:pt>
-    <dgm:pt modelId="{1835D066-5953-184E-9EFD-D2C89FB7BC14}">
+    <dgm:pt modelId="{6E6B2896-A1F9-7247-A6A8-6CBBE4A3B604}">
       <dgm:prSet/>
       <dgm:spPr/>
       <dgm:t>
@@ -1486,23 +2320,16 @@
         <a:lstStyle/>
         <a:p>
           <a:r>
-            <a:rPr lang="en-US" dirty="0" err="1">
-              <a:latin typeface="Helvetica" pitchFamily="2" charset="0"/>
-              <a:cs typeface="Arial" panose="020B0604020202020204" pitchFamily="34" charset="0"/>
-            </a:rPr>
-            <a:t>Resubstitution</a:t>
-          </a:r>
-          <a:r>
             <a:rPr lang="en-US" dirty="0">
               <a:latin typeface="Helvetica" pitchFamily="2" charset="0"/>
               <a:cs typeface="Arial" panose="020B0604020202020204" pitchFamily="34" charset="0"/>
             </a:rPr>
-            <a:t> accuracy and error</a:t>
+            <a:t>Validation accuracy and error </a:t>
           </a:r>
         </a:p>
       </dgm:t>
     </dgm:pt>
-    <dgm:pt modelId="{411EA9BC-EE85-924A-80EC-BFDB84A5DC45}" type="parTrans" cxnId="{B9D8EBDD-1ECF-5E4C-8AEC-9AFF809F7F19}">
+    <dgm:pt modelId="{FBA5BAF7-6029-8C4E-8966-2FA8E39FDD17}" type="parTrans" cxnId="{2C072ED0-FDB7-E948-9A2B-4311711028DF}">
       <dgm:prSet/>
       <dgm:spPr/>
       <dgm:t>
@@ -1516,7 +2343,7 @@
         </a:p>
       </dgm:t>
     </dgm:pt>
-    <dgm:pt modelId="{E52EA233-3DF7-B147-9770-382D2FD6B981}" type="sibTrans" cxnId="{B9D8EBDD-1ECF-5E4C-8AEC-9AFF809F7F19}">
+    <dgm:pt modelId="{E7C515FF-7708-BB45-A30C-649AC4806653}" type="sibTrans" cxnId="{2C072ED0-FDB7-E948-9A2B-4311711028DF}">
       <dgm:prSet/>
       <dgm:spPr/>
       <dgm:t>
@@ -1530,7 +2357,7 @@
         </a:p>
       </dgm:t>
     </dgm:pt>
-    <dgm:pt modelId="{6E6B2896-A1F9-7247-A6A8-6CBBE4A3B604}">
+    <dgm:pt modelId="{B326563A-6969-6945-AF91-A48EBD5979FC}">
       <dgm:prSet/>
       <dgm:spPr/>
       <dgm:t>
@@ -1542,12 +2369,12 @@
               <a:latin typeface="Helvetica" pitchFamily="2" charset="0"/>
               <a:cs typeface="Arial" panose="020B0604020202020204" pitchFamily="34" charset="0"/>
             </a:rPr>
-            <a:t>Validation accuracy and error </a:t>
+            <a:t>Conduct statistical analyses in R</a:t>
           </a:r>
         </a:p>
       </dgm:t>
     </dgm:pt>
-    <dgm:pt modelId="{FBA5BAF7-6029-8C4E-8966-2FA8E39FDD17}" type="parTrans" cxnId="{2C072ED0-FDB7-E948-9A2B-4311711028DF}">
+    <dgm:pt modelId="{0BA6AF2D-F5A2-7F4D-9B97-BB101D5D061A}" type="parTrans" cxnId="{3A843B07-4517-444A-998A-1008AB094892}">
       <dgm:prSet/>
       <dgm:spPr/>
       <dgm:t>
@@ -1561,7 +2388,7 @@
         </a:p>
       </dgm:t>
     </dgm:pt>
-    <dgm:pt modelId="{E7C515FF-7708-BB45-A30C-649AC4806653}" type="sibTrans" cxnId="{2C072ED0-FDB7-E948-9A2B-4311711028DF}">
+    <dgm:pt modelId="{6598B13D-91F6-A34C-932D-CE8ABAA1680C}" type="sibTrans" cxnId="{3A843B07-4517-444A-998A-1008AB094892}">
       <dgm:prSet/>
       <dgm:spPr/>
       <dgm:t>
@@ -1575,7 +2402,7 @@
         </a:p>
       </dgm:t>
     </dgm:pt>
-    <dgm:pt modelId="{B326563A-6969-6945-AF91-A48EBD5979FC}">
+    <dgm:pt modelId="{175B00B5-205F-124C-9816-DFB7EBB9ECE0}">
       <dgm:prSet/>
       <dgm:spPr/>
       <dgm:t>
@@ -1587,12 +2414,12 @@
               <a:latin typeface="Helvetica" pitchFamily="2" charset="0"/>
               <a:cs typeface="Arial" panose="020B0604020202020204" pitchFamily="34" charset="0"/>
             </a:rPr>
-            <a:t>Conduct statistical analyses in R</a:t>
+            <a:t>Linear mixed-effects models</a:t>
           </a:r>
         </a:p>
       </dgm:t>
     </dgm:pt>
-    <dgm:pt modelId="{0BA6AF2D-F5A2-7F4D-9B97-BB101D5D061A}" type="parTrans" cxnId="{3A843B07-4517-444A-998A-1008AB094892}">
+    <dgm:pt modelId="{57867809-C9F5-F649-B0A1-46A2A3D49C06}" type="parTrans" cxnId="{5771E4B9-FFD5-0F4F-ADB1-AF1577D65B31}">
       <dgm:prSet/>
       <dgm:spPr/>
       <dgm:t>
@@ -1606,7 +2433,7 @@
         </a:p>
       </dgm:t>
     </dgm:pt>
-    <dgm:pt modelId="{6598B13D-91F6-A34C-932D-CE8ABAA1680C}" type="sibTrans" cxnId="{3A843B07-4517-444A-998A-1008AB094892}">
+    <dgm:pt modelId="{DE24EFC5-81C9-DD4E-92C1-21E96BFC8239}" type="sibTrans" cxnId="{5771E4B9-FFD5-0F4F-ADB1-AF1577D65B31}">
       <dgm:prSet/>
       <dgm:spPr/>
       <dgm:t>
@@ -1620,51 +2447,6 @@
         </a:p>
       </dgm:t>
     </dgm:pt>
-    <dgm:pt modelId="{175B00B5-205F-124C-9816-DFB7EBB9ECE0}">
-      <dgm:prSet/>
-      <dgm:spPr/>
-      <dgm:t>
-        <a:bodyPr/>
-        <a:lstStyle/>
-        <a:p>
-          <a:r>
-            <a:rPr lang="en-US" dirty="0">
-              <a:latin typeface="Helvetica" pitchFamily="2" charset="0"/>
-              <a:cs typeface="Arial" panose="020B0604020202020204" pitchFamily="34" charset="0"/>
-            </a:rPr>
-            <a:t>Linear mixed-effects models</a:t>
-          </a:r>
-        </a:p>
-      </dgm:t>
-    </dgm:pt>
-    <dgm:pt modelId="{57867809-C9F5-F649-B0A1-46A2A3D49C06}" type="parTrans" cxnId="{5771E4B9-FFD5-0F4F-ADB1-AF1577D65B31}">
-      <dgm:prSet/>
-      <dgm:spPr/>
-      <dgm:t>
-        <a:bodyPr/>
-        <a:lstStyle/>
-        <a:p>
-          <a:endParaRPr lang="en-US">
-            <a:latin typeface="Helvetica" pitchFamily="2" charset="0"/>
-            <a:cs typeface="Arial" panose="020B0604020202020204" pitchFamily="34" charset="0"/>
-          </a:endParaRPr>
-        </a:p>
-      </dgm:t>
-    </dgm:pt>
-    <dgm:pt modelId="{DE24EFC5-81C9-DD4E-92C1-21E96BFC8239}" type="sibTrans" cxnId="{5771E4B9-FFD5-0F4F-ADB1-AF1577D65B31}">
-      <dgm:prSet/>
-      <dgm:spPr/>
-      <dgm:t>
-        <a:bodyPr/>
-        <a:lstStyle/>
-        <a:p>
-          <a:endParaRPr lang="en-US">
-            <a:latin typeface="Helvetica" pitchFamily="2" charset="0"/>
-            <a:cs typeface="Arial" panose="020B0604020202020204" pitchFamily="34" charset="0"/>
-          </a:endParaRPr>
-        </a:p>
-      </dgm:t>
-    </dgm:pt>
     <dgm:pt modelId="{A4AC347C-73B6-1149-9FA8-154E44A07D82}" type="pres">
       <dgm:prSet presAssocID="{99A497A5-E188-924D-B9D8-94868F5B2D59}" presName="diagram" presStyleCnt="0">
         <dgm:presLayoutVars>
@@ -1698,189 +2480,177 @@
       <dgm:spPr/>
     </dgm:pt>
     <dgm:pt modelId="{4F372736-BB0D-4544-85DC-8D6EEC582B17}" type="pres">
-      <dgm:prSet presAssocID="{986D6148-EF82-DA4D-8365-DFE159976462}" presName="Name13" presStyleLbl="parChTrans1D2" presStyleIdx="0" presStyleCnt="13"/>
+      <dgm:prSet presAssocID="{986D6148-EF82-DA4D-8365-DFE159976462}" presName="Name13" presStyleLbl="parChTrans1D2" presStyleIdx="0" presStyleCnt="12"/>
       <dgm:spPr/>
     </dgm:pt>
     <dgm:pt modelId="{4D645AA8-FB0A-E542-9DE0-CE5776237691}" type="pres">
-      <dgm:prSet presAssocID="{6A0534DB-7CEA-0F4E-91A1-E8847D9A8684}" presName="childText" presStyleLbl="bgAcc1" presStyleIdx="0" presStyleCnt="13">
+      <dgm:prSet presAssocID="{6A0534DB-7CEA-0F4E-91A1-E8847D9A8684}" presName="childText" presStyleLbl="bgAcc1" presStyleIdx="0" presStyleCnt="12">
         <dgm:presLayoutVars>
           <dgm:bulletEnabled val="1"/>
         </dgm:presLayoutVars>
       </dgm:prSet>
       <dgm:spPr/>
     </dgm:pt>
-    <dgm:pt modelId="{22A83F82-A43E-9945-8FAB-05014EBCC6CC}" type="pres">
-      <dgm:prSet presAssocID="{D9A6BDD1-647E-A44B-A62F-03151B781C2B}" presName="Name13" presStyleLbl="parChTrans1D2" presStyleIdx="1" presStyleCnt="13"/>
-      <dgm:spPr/>
-    </dgm:pt>
-    <dgm:pt modelId="{583806AD-723F-954C-8D4C-ABC60012ED91}" type="pres">
-      <dgm:prSet presAssocID="{6B58C543-51DF-1B4D-89D2-344B0D865A24}" presName="childText" presStyleLbl="bgAcc1" presStyleIdx="1" presStyleCnt="13">
+    <dgm:pt modelId="{B0065D2A-0D4E-2847-9EB1-BB33C475DA32}" type="pres">
+      <dgm:prSet presAssocID="{845B3499-F636-D64D-B8BD-F90644397589}" presName="Name13" presStyleLbl="parChTrans1D2" presStyleIdx="1" presStyleCnt="12"/>
+      <dgm:spPr/>
+    </dgm:pt>
+    <dgm:pt modelId="{5142F75F-A34A-564A-A8C3-C8CB4737F912}" type="pres">
+      <dgm:prSet presAssocID="{475B4AAE-5C59-2C4B-931E-B2ECB67BEBD2}" presName="childText" presStyleLbl="bgAcc1" presStyleIdx="1" presStyleCnt="12">
         <dgm:presLayoutVars>
           <dgm:bulletEnabled val="1"/>
         </dgm:presLayoutVars>
       </dgm:prSet>
       <dgm:spPr/>
     </dgm:pt>
-    <dgm:pt modelId="{B0065D2A-0D4E-2847-9EB1-BB33C475DA32}" type="pres">
-      <dgm:prSet presAssocID="{845B3499-F636-D64D-B8BD-F90644397589}" presName="Name13" presStyleLbl="parChTrans1D2" presStyleIdx="2" presStyleCnt="13"/>
-      <dgm:spPr/>
-    </dgm:pt>
-    <dgm:pt modelId="{5142F75F-A34A-564A-A8C3-C8CB4737F912}" type="pres">
-      <dgm:prSet presAssocID="{475B4AAE-5C59-2C4B-931E-B2ECB67BEBD2}" presName="childText" presStyleLbl="bgAcc1" presStyleIdx="2" presStyleCnt="13">
+    <dgm:pt modelId="{2BF9196C-607D-C240-B607-E0F54E873E7A}" type="pres">
+      <dgm:prSet presAssocID="{893B13DB-2582-EB4B-A14E-A2AA090DEB91}" presName="Name13" presStyleLbl="parChTrans1D2" presStyleIdx="2" presStyleCnt="12"/>
+      <dgm:spPr/>
+    </dgm:pt>
+    <dgm:pt modelId="{B944283A-87E2-2548-A6E9-44663D6E683F}" type="pres">
+      <dgm:prSet presAssocID="{6DC9E00A-9AB0-E341-9AB8-9B1C9963C306}" presName="childText" presStyleLbl="bgAcc1" presStyleIdx="2" presStyleCnt="12">
         <dgm:presLayoutVars>
           <dgm:bulletEnabled val="1"/>
         </dgm:presLayoutVars>
       </dgm:prSet>
       <dgm:spPr/>
     </dgm:pt>
-    <dgm:pt modelId="{2BF9196C-607D-C240-B607-E0F54E873E7A}" type="pres">
-      <dgm:prSet presAssocID="{893B13DB-2582-EB4B-A14E-A2AA090DEB91}" presName="Name13" presStyleLbl="parChTrans1D2" presStyleIdx="3" presStyleCnt="13"/>
-      <dgm:spPr/>
-    </dgm:pt>
-    <dgm:pt modelId="{B944283A-87E2-2548-A6E9-44663D6E683F}" type="pres">
-      <dgm:prSet presAssocID="{6DC9E00A-9AB0-E341-9AB8-9B1C9963C306}" presName="childText" presStyleLbl="bgAcc1" presStyleIdx="3" presStyleCnt="13">
+    <dgm:pt modelId="{FD960190-5F3E-264F-AEA9-F1A9C43A98AF}" type="pres">
+      <dgm:prSet presAssocID="{A45C9F6A-98EF-8144-8F8A-99406450B579}" presName="root" presStyleCnt="0"/>
+      <dgm:spPr/>
+    </dgm:pt>
+    <dgm:pt modelId="{9E3EAB05-130A-0C40-A45F-284FF064BEBD}" type="pres">
+      <dgm:prSet presAssocID="{A45C9F6A-98EF-8144-8F8A-99406450B579}" presName="rootComposite" presStyleCnt="0"/>
+      <dgm:spPr/>
+    </dgm:pt>
+    <dgm:pt modelId="{6DBAB38D-44C9-6149-B2D5-FEE3D80A24DC}" type="pres">
+      <dgm:prSet presAssocID="{A45C9F6A-98EF-8144-8F8A-99406450B579}" presName="rootText" presStyleLbl="node1" presStyleIdx="1" presStyleCnt="4"/>
+      <dgm:spPr/>
+    </dgm:pt>
+    <dgm:pt modelId="{F7E93E99-0B05-EB4D-82BF-7CCFE25DD4B9}" type="pres">
+      <dgm:prSet presAssocID="{A45C9F6A-98EF-8144-8F8A-99406450B579}" presName="rootConnector" presStyleLbl="node1" presStyleIdx="1" presStyleCnt="4"/>
+      <dgm:spPr/>
+    </dgm:pt>
+    <dgm:pt modelId="{72D4CB12-2EA2-EC4C-A73B-A53C0D68E2AE}" type="pres">
+      <dgm:prSet presAssocID="{A45C9F6A-98EF-8144-8F8A-99406450B579}" presName="childShape" presStyleCnt="0"/>
+      <dgm:spPr/>
+    </dgm:pt>
+    <dgm:pt modelId="{5497EC49-C11D-6F44-9402-4BCC2AB73E9B}" type="pres">
+      <dgm:prSet presAssocID="{FD79A788-D2E6-E441-9806-5E7F1AA3970B}" presName="Name13" presStyleLbl="parChTrans1D2" presStyleIdx="3" presStyleCnt="12"/>
+      <dgm:spPr/>
+    </dgm:pt>
+    <dgm:pt modelId="{058AFC01-C914-2C4A-A715-123D52C00D3E}" type="pres">
+      <dgm:prSet presAssocID="{C52B9DF9-B255-2B42-8D70-58643719092D}" presName="childText" presStyleLbl="bgAcc1" presStyleIdx="3" presStyleCnt="12">
         <dgm:presLayoutVars>
           <dgm:bulletEnabled val="1"/>
         </dgm:presLayoutVars>
       </dgm:prSet>
       <dgm:spPr/>
     </dgm:pt>
-    <dgm:pt modelId="{FD960190-5F3E-264F-AEA9-F1A9C43A98AF}" type="pres">
-      <dgm:prSet presAssocID="{A45C9F6A-98EF-8144-8F8A-99406450B579}" presName="root" presStyleCnt="0"/>
-      <dgm:spPr/>
-    </dgm:pt>
-    <dgm:pt modelId="{9E3EAB05-130A-0C40-A45F-284FF064BEBD}" type="pres">
-      <dgm:prSet presAssocID="{A45C9F6A-98EF-8144-8F8A-99406450B579}" presName="rootComposite" presStyleCnt="0"/>
-      <dgm:spPr/>
-    </dgm:pt>
-    <dgm:pt modelId="{6DBAB38D-44C9-6149-B2D5-FEE3D80A24DC}" type="pres">
-      <dgm:prSet presAssocID="{A45C9F6A-98EF-8144-8F8A-99406450B579}" presName="rootText" presStyleLbl="node1" presStyleIdx="1" presStyleCnt="4"/>
-      <dgm:spPr/>
-    </dgm:pt>
-    <dgm:pt modelId="{F7E93E99-0B05-EB4D-82BF-7CCFE25DD4B9}" type="pres">
-      <dgm:prSet presAssocID="{A45C9F6A-98EF-8144-8F8A-99406450B579}" presName="rootConnector" presStyleLbl="node1" presStyleIdx="1" presStyleCnt="4"/>
-      <dgm:spPr/>
-    </dgm:pt>
-    <dgm:pt modelId="{72D4CB12-2EA2-EC4C-A73B-A53C0D68E2AE}" type="pres">
-      <dgm:prSet presAssocID="{A45C9F6A-98EF-8144-8F8A-99406450B579}" presName="childShape" presStyleCnt="0"/>
-      <dgm:spPr/>
-    </dgm:pt>
-    <dgm:pt modelId="{5497EC49-C11D-6F44-9402-4BCC2AB73E9B}" type="pres">
-      <dgm:prSet presAssocID="{FD79A788-D2E6-E441-9806-5E7F1AA3970B}" presName="Name13" presStyleLbl="parChTrans1D2" presStyleIdx="4" presStyleCnt="13"/>
-      <dgm:spPr/>
-    </dgm:pt>
-    <dgm:pt modelId="{058AFC01-C914-2C4A-A715-123D52C00D3E}" type="pres">
-      <dgm:prSet presAssocID="{C52B9DF9-B255-2B42-8D70-58643719092D}" presName="childText" presStyleLbl="bgAcc1" presStyleIdx="4" presStyleCnt="13">
+    <dgm:pt modelId="{BD9E9994-0352-E649-BCCD-A0251FA7FB81}" type="pres">
+      <dgm:prSet presAssocID="{D86AFF65-C464-DA48-9D0C-72006405A99F}" presName="Name13" presStyleLbl="parChTrans1D2" presStyleIdx="4" presStyleCnt="12"/>
+      <dgm:spPr/>
+    </dgm:pt>
+    <dgm:pt modelId="{96B3070C-44A0-DA49-ACBE-6FFD7C8B8645}" type="pres">
+      <dgm:prSet presAssocID="{811180D8-E2CD-F442-8670-8FE079C5ACF2}" presName="childText" presStyleLbl="bgAcc1" presStyleIdx="4" presStyleCnt="12">
         <dgm:presLayoutVars>
           <dgm:bulletEnabled val="1"/>
         </dgm:presLayoutVars>
       </dgm:prSet>
       <dgm:spPr/>
     </dgm:pt>
-    <dgm:pt modelId="{BD9E9994-0352-E649-BCCD-A0251FA7FB81}" type="pres">
-      <dgm:prSet presAssocID="{D86AFF65-C464-DA48-9D0C-72006405A99F}" presName="Name13" presStyleLbl="parChTrans1D2" presStyleIdx="5" presStyleCnt="13"/>
-      <dgm:spPr/>
-    </dgm:pt>
-    <dgm:pt modelId="{96B3070C-44A0-DA49-ACBE-6FFD7C8B8645}" type="pres">
-      <dgm:prSet presAssocID="{811180D8-E2CD-F442-8670-8FE079C5ACF2}" presName="childText" presStyleLbl="bgAcc1" presStyleIdx="5" presStyleCnt="13">
+    <dgm:pt modelId="{5C443DD3-3407-F74D-B2DF-8DBD2DF14AC3}" type="pres">
+      <dgm:prSet presAssocID="{7E4D38D8-4AE2-6E49-B333-67E4892B5AF5}" presName="Name13" presStyleLbl="parChTrans1D2" presStyleIdx="5" presStyleCnt="12"/>
+      <dgm:spPr/>
+    </dgm:pt>
+    <dgm:pt modelId="{8D2F09E5-BCD5-FE4F-9767-CD56D9D4E6FE}" type="pres">
+      <dgm:prSet presAssocID="{3850E42A-0DF0-3F4C-A53A-2F11FDD3FA4B}" presName="childText" presStyleLbl="bgAcc1" presStyleIdx="5" presStyleCnt="12">
         <dgm:presLayoutVars>
           <dgm:bulletEnabled val="1"/>
         </dgm:presLayoutVars>
       </dgm:prSet>
       <dgm:spPr/>
     </dgm:pt>
-    <dgm:pt modelId="{5C443DD3-3407-F74D-B2DF-8DBD2DF14AC3}" type="pres">
-      <dgm:prSet presAssocID="{7E4D38D8-4AE2-6E49-B333-67E4892B5AF5}" presName="Name13" presStyleLbl="parChTrans1D2" presStyleIdx="6" presStyleCnt="13"/>
-      <dgm:spPr/>
-    </dgm:pt>
-    <dgm:pt modelId="{8D2F09E5-BCD5-FE4F-9767-CD56D9D4E6FE}" type="pres">
-      <dgm:prSet presAssocID="{3850E42A-0DF0-3F4C-A53A-2F11FDD3FA4B}" presName="childText" presStyleLbl="bgAcc1" presStyleIdx="6" presStyleCnt="13">
+    <dgm:pt modelId="{CDF6613C-16D2-B243-9B87-02B9236A8A65}" type="pres">
+      <dgm:prSet presAssocID="{1B32F705-B859-FC40-96A4-F6A158C98C0D}" presName="Name13" presStyleLbl="parChTrans1D2" presStyleIdx="6" presStyleCnt="12"/>
+      <dgm:spPr/>
+    </dgm:pt>
+    <dgm:pt modelId="{5707F0CC-C10C-584C-B9A6-637D5EF5F08B}" type="pres">
+      <dgm:prSet presAssocID="{D536E680-1B9C-1B44-87DF-54A01A75AF5C}" presName="childText" presStyleLbl="bgAcc1" presStyleIdx="6" presStyleCnt="12">
         <dgm:presLayoutVars>
           <dgm:bulletEnabled val="1"/>
         </dgm:presLayoutVars>
       </dgm:prSet>
       <dgm:spPr/>
     </dgm:pt>
-    <dgm:pt modelId="{CDF6613C-16D2-B243-9B87-02B9236A8A65}" type="pres">
-      <dgm:prSet presAssocID="{1B32F705-B859-FC40-96A4-F6A158C98C0D}" presName="Name13" presStyleLbl="parChTrans1D2" presStyleIdx="7" presStyleCnt="13"/>
-      <dgm:spPr/>
-    </dgm:pt>
-    <dgm:pt modelId="{5707F0CC-C10C-584C-B9A6-637D5EF5F08B}" type="pres">
-      <dgm:prSet presAssocID="{D536E680-1B9C-1B44-87DF-54A01A75AF5C}" presName="childText" presStyleLbl="bgAcc1" presStyleIdx="7" presStyleCnt="13">
+    <dgm:pt modelId="{61D2EEC1-7BB7-1645-BE0C-1281E8ED80D0}" type="pres">
+      <dgm:prSet presAssocID="{A0080F5F-E066-FC40-8549-6477B8992F64}" presName="Name13" presStyleLbl="parChTrans1D2" presStyleIdx="7" presStyleCnt="12"/>
+      <dgm:spPr/>
+    </dgm:pt>
+    <dgm:pt modelId="{72FE761C-043B-F743-8450-A9F0EB4A34F2}" type="pres">
+      <dgm:prSet presAssocID="{6B87525D-A66A-0442-A8C4-CA9E23F4DE0B}" presName="childText" presStyleLbl="bgAcc1" presStyleIdx="7" presStyleCnt="12">
         <dgm:presLayoutVars>
           <dgm:bulletEnabled val="1"/>
         </dgm:presLayoutVars>
       </dgm:prSet>
       <dgm:spPr/>
     </dgm:pt>
-    <dgm:pt modelId="{61D2EEC1-7BB7-1645-BE0C-1281E8ED80D0}" type="pres">
-      <dgm:prSet presAssocID="{A0080F5F-E066-FC40-8549-6477B8992F64}" presName="Name13" presStyleLbl="parChTrans1D2" presStyleIdx="8" presStyleCnt="13"/>
-      <dgm:spPr/>
-    </dgm:pt>
-    <dgm:pt modelId="{72FE761C-043B-F743-8450-A9F0EB4A34F2}" type="pres">
-      <dgm:prSet presAssocID="{6B87525D-A66A-0442-A8C4-CA9E23F4DE0B}" presName="childText" presStyleLbl="bgAcc1" presStyleIdx="8" presStyleCnt="13">
+    <dgm:pt modelId="{6A48EA59-9F4C-6745-B0B7-4A5AB1182EF1}" type="pres">
+      <dgm:prSet presAssocID="{054260FB-CC87-E648-B55A-FBAB09824084}" presName="Name13" presStyleLbl="parChTrans1D2" presStyleIdx="8" presStyleCnt="12"/>
+      <dgm:spPr/>
+    </dgm:pt>
+    <dgm:pt modelId="{91B49D38-B233-E54A-9844-3C14FF837260}" type="pres">
+      <dgm:prSet presAssocID="{5B1EAB7A-1458-7544-B74A-ACFBEB4F7A40}" presName="childText" presStyleLbl="bgAcc1" presStyleIdx="8" presStyleCnt="12">
         <dgm:presLayoutVars>
           <dgm:bulletEnabled val="1"/>
         </dgm:presLayoutVars>
       </dgm:prSet>
       <dgm:spPr/>
     </dgm:pt>
-    <dgm:pt modelId="{6A48EA59-9F4C-6745-B0B7-4A5AB1182EF1}" type="pres">
-      <dgm:prSet presAssocID="{054260FB-CC87-E648-B55A-FBAB09824084}" presName="Name13" presStyleLbl="parChTrans1D2" presStyleIdx="9" presStyleCnt="13"/>
-      <dgm:spPr/>
-    </dgm:pt>
-    <dgm:pt modelId="{91B49D38-B233-E54A-9844-3C14FF837260}" type="pres">
-      <dgm:prSet presAssocID="{5B1EAB7A-1458-7544-B74A-ACFBEB4F7A40}" presName="childText" presStyleLbl="bgAcc1" presStyleIdx="9" presStyleCnt="13">
+    <dgm:pt modelId="{99DE07AE-4D25-F34C-BC08-E3C2E55EA317}" type="pres">
+      <dgm:prSet presAssocID="{3D5BD63F-486B-F54F-A958-CB5F18935AFF}" presName="root" presStyleCnt="0"/>
+      <dgm:spPr/>
+    </dgm:pt>
+    <dgm:pt modelId="{4543CB57-2D5A-EE47-9573-0424115830F7}" type="pres">
+      <dgm:prSet presAssocID="{3D5BD63F-486B-F54F-A958-CB5F18935AFF}" presName="rootComposite" presStyleCnt="0"/>
+      <dgm:spPr/>
+    </dgm:pt>
+    <dgm:pt modelId="{FA4C3743-3467-FC44-B7FE-287DEAA1124D}" type="pres">
+      <dgm:prSet presAssocID="{3D5BD63F-486B-F54F-A958-CB5F18935AFF}" presName="rootText" presStyleLbl="node1" presStyleIdx="2" presStyleCnt="4"/>
+      <dgm:spPr/>
+    </dgm:pt>
+    <dgm:pt modelId="{DC192240-8548-AB42-AED3-144132AAAD05}" type="pres">
+      <dgm:prSet presAssocID="{3D5BD63F-486B-F54F-A958-CB5F18935AFF}" presName="rootConnector" presStyleLbl="node1" presStyleIdx="2" presStyleCnt="4"/>
+      <dgm:spPr/>
+    </dgm:pt>
+    <dgm:pt modelId="{6726272E-461C-D249-8EFA-289581D78C42}" type="pres">
+      <dgm:prSet presAssocID="{3D5BD63F-486B-F54F-A958-CB5F18935AFF}" presName="childShape" presStyleCnt="0"/>
+      <dgm:spPr/>
+    </dgm:pt>
+    <dgm:pt modelId="{BD7E7287-F168-C044-8FDB-7C9362666596}" type="pres">
+      <dgm:prSet presAssocID="{411EA9BC-EE85-924A-80EC-BFDB84A5DC45}" presName="Name13" presStyleLbl="parChTrans1D2" presStyleIdx="9" presStyleCnt="12"/>
+      <dgm:spPr/>
+    </dgm:pt>
+    <dgm:pt modelId="{A6507E81-B4BF-EE46-9ABC-616C00915F1E}" type="pres">
+      <dgm:prSet presAssocID="{1835D066-5953-184E-9EFD-D2C89FB7BC14}" presName="childText" presStyleLbl="bgAcc1" presStyleIdx="9" presStyleCnt="12">
         <dgm:presLayoutVars>
           <dgm:bulletEnabled val="1"/>
         </dgm:presLayoutVars>
       </dgm:prSet>
       <dgm:spPr/>
     </dgm:pt>
-    <dgm:pt modelId="{99DE07AE-4D25-F34C-BC08-E3C2E55EA317}" type="pres">
-      <dgm:prSet presAssocID="{3D5BD63F-486B-F54F-A958-CB5F18935AFF}" presName="root" presStyleCnt="0"/>
-      <dgm:spPr/>
-    </dgm:pt>
-    <dgm:pt modelId="{4543CB57-2D5A-EE47-9573-0424115830F7}" type="pres">
-      <dgm:prSet presAssocID="{3D5BD63F-486B-F54F-A958-CB5F18935AFF}" presName="rootComposite" presStyleCnt="0"/>
-      <dgm:spPr/>
-    </dgm:pt>
-    <dgm:pt modelId="{FA4C3743-3467-FC44-B7FE-287DEAA1124D}" type="pres">
-      <dgm:prSet presAssocID="{3D5BD63F-486B-F54F-A958-CB5F18935AFF}" presName="rootText" presStyleLbl="node1" presStyleIdx="2" presStyleCnt="4"/>
-      <dgm:spPr/>
-    </dgm:pt>
-    <dgm:pt modelId="{DC192240-8548-AB42-AED3-144132AAAD05}" type="pres">
-      <dgm:prSet presAssocID="{3D5BD63F-486B-F54F-A958-CB5F18935AFF}" presName="rootConnector" presStyleLbl="node1" presStyleIdx="2" presStyleCnt="4"/>
-      <dgm:spPr/>
-    </dgm:pt>
-    <dgm:pt modelId="{6726272E-461C-D249-8EFA-289581D78C42}" type="pres">
-      <dgm:prSet presAssocID="{3D5BD63F-486B-F54F-A958-CB5F18935AFF}" presName="childShape" presStyleCnt="0"/>
-      <dgm:spPr/>
-    </dgm:pt>
-    <dgm:pt modelId="{BD7E7287-F168-C044-8FDB-7C9362666596}" type="pres">
-      <dgm:prSet presAssocID="{411EA9BC-EE85-924A-80EC-BFDB84A5DC45}" presName="Name13" presStyleLbl="parChTrans1D2" presStyleIdx="10" presStyleCnt="13"/>
-      <dgm:spPr/>
-    </dgm:pt>
-    <dgm:pt modelId="{A6507E81-B4BF-EE46-9ABC-616C00915F1E}" type="pres">
-      <dgm:prSet presAssocID="{1835D066-5953-184E-9EFD-D2C89FB7BC14}" presName="childText" presStyleLbl="bgAcc1" presStyleIdx="10" presStyleCnt="13">
+    <dgm:pt modelId="{B1D037E0-2392-374F-98D5-B4CDDF00940A}" type="pres">
+      <dgm:prSet presAssocID="{FBA5BAF7-6029-8C4E-8966-2FA8E39FDD17}" presName="Name13" presStyleLbl="parChTrans1D2" presStyleIdx="10" presStyleCnt="12"/>
+      <dgm:spPr/>
+    </dgm:pt>
+    <dgm:pt modelId="{9944C035-FD52-8C4A-A98B-7EFBD3D7356C}" type="pres">
+      <dgm:prSet presAssocID="{6E6B2896-A1F9-7247-A6A8-6CBBE4A3B604}" presName="childText" presStyleLbl="bgAcc1" presStyleIdx="10" presStyleCnt="12">
         <dgm:presLayoutVars>
           <dgm:bulletEnabled val="1"/>
         </dgm:presLayoutVars>
       </dgm:prSet>
       <dgm:spPr/>
     </dgm:pt>
-    <dgm:pt modelId="{B1D037E0-2392-374F-98D5-B4CDDF00940A}" type="pres">
-      <dgm:prSet presAssocID="{FBA5BAF7-6029-8C4E-8966-2FA8E39FDD17}" presName="Name13" presStyleLbl="parChTrans1D2" presStyleIdx="11" presStyleCnt="13"/>
-      <dgm:spPr/>
-    </dgm:pt>
-    <dgm:pt modelId="{9944C035-FD52-8C4A-A98B-7EFBD3D7356C}" type="pres">
-      <dgm:prSet presAssocID="{6E6B2896-A1F9-7247-A6A8-6CBBE4A3B604}" presName="childText" presStyleLbl="bgAcc1" presStyleIdx="11" presStyleCnt="13">
-        <dgm:presLayoutVars>
-          <dgm:bulletEnabled val="1"/>
-        </dgm:presLayoutVars>
-      </dgm:prSet>
-      <dgm:spPr/>
-    </dgm:pt>
     <dgm:pt modelId="{14187234-FEAA-564F-A6AF-D4AB644514F9}" type="pres">
       <dgm:prSet presAssocID="{B326563A-6969-6945-AF91-A48EBD5979FC}" presName="root" presStyleCnt="0"/>
       <dgm:spPr/>
@@ -1902,11 +2672,11 @@
       <dgm:spPr/>
     </dgm:pt>
     <dgm:pt modelId="{F154EDEC-091F-A44F-8169-5653E1049665}" type="pres">
-      <dgm:prSet presAssocID="{57867809-C9F5-F649-B0A1-46A2A3D49C06}" presName="Name13" presStyleLbl="parChTrans1D2" presStyleIdx="12" presStyleCnt="13"/>
+      <dgm:prSet presAssocID="{57867809-C9F5-F649-B0A1-46A2A3D49C06}" presName="Name13" presStyleLbl="parChTrans1D2" presStyleIdx="11" presStyleCnt="12"/>
       <dgm:spPr/>
     </dgm:pt>
     <dgm:pt modelId="{A7F6D20D-C212-3A44-A7CA-C30BD97733AB}" type="pres">
-      <dgm:prSet presAssocID="{175B00B5-205F-124C-9816-DFB7EBB9ECE0}" presName="childText" presStyleLbl="bgAcc1" presStyleIdx="12" presStyleCnt="13">
+      <dgm:prSet presAssocID="{175B00B5-205F-124C-9816-DFB7EBB9ECE0}" presName="childText" presStyleLbl="bgAcc1" presStyleIdx="11" presStyleCnt="12">
         <dgm:presLayoutVars>
           <dgm:bulletEnabled val="1"/>
         </dgm:presLayoutVars>
@@ -1927,29 +2697,26 @@
     <dgm:cxn modelId="{B7EC443D-E01A-0D44-B935-97E0E1E911A4}" type="presOf" srcId="{175B00B5-205F-124C-9816-DFB7EBB9ECE0}" destId="{A7F6D20D-C212-3A44-A7CA-C30BD97733AB}" srcOrd="0" destOrd="0" presId="urn:microsoft.com/office/officeart/2005/8/layout/hierarchy3"/>
     <dgm:cxn modelId="{4EE6FB3D-A3C7-7C46-B408-F261246CBFBE}" type="presOf" srcId="{6DC9E00A-9AB0-E341-9AB8-9B1C9963C306}" destId="{B944283A-87E2-2548-A6E9-44663D6E683F}" srcOrd="0" destOrd="0" presId="urn:microsoft.com/office/officeart/2005/8/layout/hierarchy3"/>
     <dgm:cxn modelId="{E659B54C-627F-824F-8D25-32976BA8A269}" type="presOf" srcId="{893B13DB-2582-EB4B-A14E-A2AA090DEB91}" destId="{2BF9196C-607D-C240-B607-E0F54E873E7A}" srcOrd="0" destOrd="0" presId="urn:microsoft.com/office/officeart/2005/8/layout/hierarchy3"/>
-    <dgm:cxn modelId="{444A7C4F-C826-C241-9710-2145CCDDAB89}" type="presOf" srcId="{D9A6BDD1-647E-A44B-A62F-03151B781C2B}" destId="{22A83F82-A43E-9945-8FAB-05014EBCC6CC}" srcOrd="0" destOrd="0" presId="urn:microsoft.com/office/officeart/2005/8/layout/hierarchy3"/>
     <dgm:cxn modelId="{C1F0BF54-B2BA-B04A-B97D-D3B94A77F96C}" type="presOf" srcId="{A45C9F6A-98EF-8144-8F8A-99406450B579}" destId="{6DBAB38D-44C9-6149-B2D5-FEE3D80A24DC}" srcOrd="0" destOrd="0" presId="urn:microsoft.com/office/officeart/2005/8/layout/hierarchy3"/>
-    <dgm:cxn modelId="{6A24F757-AAFE-674B-9510-21441C479C59}" type="presOf" srcId="{6B58C543-51DF-1B4D-89D2-344B0D865A24}" destId="{583806AD-723F-954C-8D4C-ABC60012ED91}" srcOrd="0" destOrd="0" presId="urn:microsoft.com/office/officeart/2005/8/layout/hierarchy3"/>
     <dgm:cxn modelId="{45810B5D-5BB6-154F-A1E4-1897BBC7C700}" type="presOf" srcId="{3D5BD63F-486B-F54F-A958-CB5F18935AFF}" destId="{DC192240-8548-AB42-AED3-144132AAAD05}" srcOrd="1" destOrd="0" presId="urn:microsoft.com/office/officeart/2005/8/layout/hierarchy3"/>
     <dgm:cxn modelId="{69A88160-36C6-FD49-A1EA-8CA266DDCEC1}" srcId="{A45C9F6A-98EF-8144-8F8A-99406450B579}" destId="{5B1EAB7A-1458-7544-B74A-ACFBEB4F7A40}" srcOrd="5" destOrd="0" parTransId="{054260FB-CC87-E648-B55A-FBAB09824084}" sibTransId="{D8E060BA-385A-EF47-9092-9DDEBDC9F737}"/>
     <dgm:cxn modelId="{2E277961-42FA-EF4B-89A8-F8B5FA98A9CC}" srcId="{99A497A5-E188-924D-B9D8-94868F5B2D59}" destId="{A45C9F6A-98EF-8144-8F8A-99406450B579}" srcOrd="1" destOrd="0" parTransId="{090EE4E3-64DF-7F46-97E9-8E83C30FA78D}" sibTransId="{4C7C62F3-ECAE-F84A-9D4E-F666BAF7A405}"/>
     <dgm:cxn modelId="{55D65A66-8AAD-0449-974C-763894DD08DF}" type="presOf" srcId="{475B4AAE-5C59-2C4B-931E-B2ECB67BEBD2}" destId="{5142F75F-A34A-564A-A8C3-C8CB4737F912}" srcOrd="0" destOrd="0" presId="urn:microsoft.com/office/officeart/2005/8/layout/hierarchy3"/>
     <dgm:cxn modelId="{E983A967-6FC3-2746-A558-62AB8364F4EC}" type="presOf" srcId="{FD79A788-D2E6-E441-9806-5E7F1AA3970B}" destId="{5497EC49-C11D-6F44-9402-4BCC2AB73E9B}" srcOrd="0" destOrd="0" presId="urn:microsoft.com/office/officeart/2005/8/layout/hierarchy3"/>
     <dgm:cxn modelId="{45C7956A-BD09-724C-B628-50EF560E52EB}" type="presOf" srcId="{3850E42A-0DF0-3F4C-A53A-2F11FDD3FA4B}" destId="{8D2F09E5-BCD5-FE4F-9767-CD56D9D4E6FE}" srcOrd="0" destOrd="0" presId="urn:microsoft.com/office/officeart/2005/8/layout/hierarchy3"/>
-    <dgm:cxn modelId="{04532C6B-07DC-2747-8127-20E06ECA54C3}" srcId="{D44743F3-9522-0349-9295-6E24B0A8950A}" destId="{6B58C543-51DF-1B4D-89D2-344B0D865A24}" srcOrd="1" destOrd="0" parTransId="{D9A6BDD1-647E-A44B-A62F-03151B781C2B}" sibTransId="{ECF3D456-7E17-1145-9189-B98C9502A73E}"/>
     <dgm:cxn modelId="{D568686D-259F-6B4E-81F5-7B0D05D80EDF}" type="presOf" srcId="{6E6B2896-A1F9-7247-A6A8-6CBBE4A3B604}" destId="{9944C035-FD52-8C4A-A98B-7EFBD3D7356C}" srcOrd="0" destOrd="0" presId="urn:microsoft.com/office/officeart/2005/8/layout/hierarchy3"/>
     <dgm:cxn modelId="{A9545270-F7BA-194A-8E5D-C537F1B2E7A2}" type="presOf" srcId="{1835D066-5953-184E-9EFD-D2C89FB7BC14}" destId="{A6507E81-B4BF-EE46-9ABC-616C00915F1E}" srcOrd="0" destOrd="0" presId="urn:microsoft.com/office/officeart/2005/8/layout/hierarchy3"/>
     <dgm:cxn modelId="{54BA3C72-630E-8847-ADC4-74B3A3ED7802}" type="presOf" srcId="{5B1EAB7A-1458-7544-B74A-ACFBEB4F7A40}" destId="{91B49D38-B233-E54A-9844-3C14FF837260}" srcOrd="0" destOrd="0" presId="urn:microsoft.com/office/officeart/2005/8/layout/hierarchy3"/>
     <dgm:cxn modelId="{4B223F75-8970-1747-B7C7-BA06D66C1FD7}" srcId="{D44743F3-9522-0349-9295-6E24B0A8950A}" destId="{6A0534DB-7CEA-0F4E-91A1-E8847D9A8684}" srcOrd="0" destOrd="0" parTransId="{986D6148-EF82-DA4D-8365-DFE159976462}" sibTransId="{93A26D00-B56A-3647-921D-B34001D293E9}"/>
     <dgm:cxn modelId="{B36C7B75-1A34-5C48-ADC9-C5761B8D4FF3}" srcId="{A45C9F6A-98EF-8144-8F8A-99406450B579}" destId="{C52B9DF9-B255-2B42-8D70-58643719092D}" srcOrd="0" destOrd="0" parTransId="{FD79A788-D2E6-E441-9806-5E7F1AA3970B}" sibTransId="{178110FE-731B-E544-A1EC-69AAAA5A5568}"/>
     <dgm:cxn modelId="{D7F50E7E-3459-434F-AAED-B0C379A40413}" type="presOf" srcId="{1B32F705-B859-FC40-96A4-F6A158C98C0D}" destId="{CDF6613C-16D2-B243-9B87-02B9236A8A65}" srcOrd="0" destOrd="0" presId="urn:microsoft.com/office/officeart/2005/8/layout/hierarchy3"/>
-    <dgm:cxn modelId="{DB645F84-F3C0-A54A-9A04-464C1023A45F}" srcId="{D44743F3-9522-0349-9295-6E24B0A8950A}" destId="{6DC9E00A-9AB0-E341-9AB8-9B1C9963C306}" srcOrd="3" destOrd="0" parTransId="{893B13DB-2582-EB4B-A14E-A2AA090DEB91}" sibTransId="{1A2F6911-70F0-BA4C-9853-914802B4468D}"/>
+    <dgm:cxn modelId="{DB645F84-F3C0-A54A-9A04-464C1023A45F}" srcId="{D44743F3-9522-0349-9295-6E24B0A8950A}" destId="{6DC9E00A-9AB0-E341-9AB8-9B1C9963C306}" srcOrd="2" destOrd="0" parTransId="{893B13DB-2582-EB4B-A14E-A2AA090DEB91}" sibTransId="{1A2F6911-70F0-BA4C-9853-914802B4468D}"/>
     <dgm:cxn modelId="{D2726184-98B2-BC46-B2E5-6E1A89CA0650}" srcId="{99A497A5-E188-924D-B9D8-94868F5B2D59}" destId="{D44743F3-9522-0349-9295-6E24B0A8950A}" srcOrd="0" destOrd="0" parTransId="{A94A403F-9F46-5743-8AB3-394700F10653}" sibTransId="{68776B3E-5B2F-6647-8FE0-9BCC2FB1EA8E}"/>
     <dgm:cxn modelId="{B7DA6F87-5FE7-E948-8320-4C067DBDC5F4}" srcId="{99A497A5-E188-924D-B9D8-94868F5B2D59}" destId="{3D5BD63F-486B-F54F-A958-CB5F18935AFF}" srcOrd="2" destOrd="0" parTransId="{F8341A95-E6E3-AD4E-9B01-48CBD5A8CA4E}" sibTransId="{ED17B92B-2893-3542-8BC7-A02B9748F046}"/>
     <dgm:cxn modelId="{BC0C9087-62D1-D941-9006-21849A564185}" type="presOf" srcId="{D44743F3-9522-0349-9295-6E24B0A8950A}" destId="{5FC561D5-BDF1-7C4A-8266-C84CC5C6F3E2}" srcOrd="1" destOrd="0" presId="urn:microsoft.com/office/officeart/2005/8/layout/hierarchy3"/>
     <dgm:cxn modelId="{EEF0CC93-46F0-9246-9CE6-75C5F8D8480C}" type="presOf" srcId="{A0080F5F-E066-FC40-8549-6477B8992F64}" destId="{61D2EEC1-7BB7-1645-BE0C-1281E8ED80D0}" srcOrd="0" destOrd="0" presId="urn:microsoft.com/office/officeart/2005/8/layout/hierarchy3"/>
     <dgm:cxn modelId="{E9AB1D9C-ECAD-6940-A524-C96CFF49FAE2}" type="presOf" srcId="{D44743F3-9522-0349-9295-6E24B0A8950A}" destId="{88116E33-DA76-6543-B968-A455A8244370}" srcOrd="0" destOrd="0" presId="urn:microsoft.com/office/officeart/2005/8/layout/hierarchy3"/>
-    <dgm:cxn modelId="{781CBCA0-1CD0-7B44-B6B6-88FF336E1138}" srcId="{D44743F3-9522-0349-9295-6E24B0A8950A}" destId="{475B4AAE-5C59-2C4B-931E-B2ECB67BEBD2}" srcOrd="2" destOrd="0" parTransId="{845B3499-F636-D64D-B8BD-F90644397589}" sibTransId="{7DA39A73-DEBF-3443-A128-11065F74BC16}"/>
+    <dgm:cxn modelId="{781CBCA0-1CD0-7B44-B6B6-88FF336E1138}" srcId="{D44743F3-9522-0349-9295-6E24B0A8950A}" destId="{475B4AAE-5C59-2C4B-931E-B2ECB67BEBD2}" srcOrd="1" destOrd="0" parTransId="{845B3499-F636-D64D-B8BD-F90644397589}" sibTransId="{7DA39A73-DEBF-3443-A128-11065F74BC16}"/>
     <dgm:cxn modelId="{5771E4B9-FFD5-0F4F-ADB1-AF1577D65B31}" srcId="{B326563A-6969-6945-AF91-A48EBD5979FC}" destId="{175B00B5-205F-124C-9816-DFB7EBB9ECE0}" srcOrd="0" destOrd="0" parTransId="{57867809-C9F5-F649-B0A1-46A2A3D49C06}" sibTransId="{DE24EFC5-81C9-DD4E-92C1-21E96BFC8239}"/>
     <dgm:cxn modelId="{0B3F9CBF-7322-2C49-94E7-1E68F072B8F8}" type="presOf" srcId="{6A0534DB-7CEA-0F4E-91A1-E8847D9A8684}" destId="{4D645AA8-FB0A-E542-9DE0-CE5776237691}" srcOrd="0" destOrd="0" presId="urn:microsoft.com/office/officeart/2005/8/layout/hierarchy3"/>
     <dgm:cxn modelId="{A4C6C5C2-0132-EA4D-86E9-7F5E90A92AFA}" type="presOf" srcId="{3D5BD63F-486B-F54F-A958-CB5F18935AFF}" destId="{FA4C3743-3467-FC44-B7FE-287DEAA1124D}" srcOrd="0" destOrd="0" presId="urn:microsoft.com/office/officeart/2005/8/layout/hierarchy3"/>
@@ -1974,12 +2741,10 @@
     <dgm:cxn modelId="{8C358615-B65A-2943-B5E3-A1CD6E601A0D}" type="presParOf" srcId="{EFED8467-C20A-AF46-9E22-14BA46B99274}" destId="{2DBA6FF5-81AC-1A42-B446-493688CB555E}" srcOrd="1" destOrd="0" presId="urn:microsoft.com/office/officeart/2005/8/layout/hierarchy3"/>
     <dgm:cxn modelId="{5506258B-3D13-E84F-8442-BDB65FBF6B50}" type="presParOf" srcId="{2DBA6FF5-81AC-1A42-B446-493688CB555E}" destId="{4F372736-BB0D-4544-85DC-8D6EEC582B17}" srcOrd="0" destOrd="0" presId="urn:microsoft.com/office/officeart/2005/8/layout/hierarchy3"/>
     <dgm:cxn modelId="{6D71FE8A-FDEB-884A-A76E-61DE90D6089A}" type="presParOf" srcId="{2DBA6FF5-81AC-1A42-B446-493688CB555E}" destId="{4D645AA8-FB0A-E542-9DE0-CE5776237691}" srcOrd="1" destOrd="0" presId="urn:microsoft.com/office/officeart/2005/8/layout/hierarchy3"/>
-    <dgm:cxn modelId="{6F8CF455-A903-ED49-902F-B519634A8CE0}" type="presParOf" srcId="{2DBA6FF5-81AC-1A42-B446-493688CB555E}" destId="{22A83F82-A43E-9945-8FAB-05014EBCC6CC}" srcOrd="2" destOrd="0" presId="urn:microsoft.com/office/officeart/2005/8/layout/hierarchy3"/>
-    <dgm:cxn modelId="{9861C1C3-9DFF-D747-A956-CE8712CC015B}" type="presParOf" srcId="{2DBA6FF5-81AC-1A42-B446-493688CB555E}" destId="{583806AD-723F-954C-8D4C-ABC60012ED91}" srcOrd="3" destOrd="0" presId="urn:microsoft.com/office/officeart/2005/8/layout/hierarchy3"/>
-    <dgm:cxn modelId="{BE335FE1-C880-D544-BAF1-A54725833B98}" type="presParOf" srcId="{2DBA6FF5-81AC-1A42-B446-493688CB555E}" destId="{B0065D2A-0D4E-2847-9EB1-BB33C475DA32}" srcOrd="4" destOrd="0" presId="urn:microsoft.com/office/officeart/2005/8/layout/hierarchy3"/>
-    <dgm:cxn modelId="{5748A887-ED75-DA4F-8C85-94A4422849B8}" type="presParOf" srcId="{2DBA6FF5-81AC-1A42-B446-493688CB555E}" destId="{5142F75F-A34A-564A-A8C3-C8CB4737F912}" srcOrd="5" destOrd="0" presId="urn:microsoft.com/office/officeart/2005/8/layout/hierarchy3"/>
-    <dgm:cxn modelId="{FDAA17E9-4E52-7446-A2A2-059FB8192EC8}" type="presParOf" srcId="{2DBA6FF5-81AC-1A42-B446-493688CB555E}" destId="{2BF9196C-607D-C240-B607-E0F54E873E7A}" srcOrd="6" destOrd="0" presId="urn:microsoft.com/office/officeart/2005/8/layout/hierarchy3"/>
-    <dgm:cxn modelId="{50EF11B4-6A8C-DA42-9509-38928DDDDF1C}" type="presParOf" srcId="{2DBA6FF5-81AC-1A42-B446-493688CB555E}" destId="{B944283A-87E2-2548-A6E9-44663D6E683F}" srcOrd="7" destOrd="0" presId="urn:microsoft.com/office/officeart/2005/8/layout/hierarchy3"/>
+    <dgm:cxn modelId="{BE335FE1-C880-D544-BAF1-A54725833B98}" type="presParOf" srcId="{2DBA6FF5-81AC-1A42-B446-493688CB555E}" destId="{B0065D2A-0D4E-2847-9EB1-BB33C475DA32}" srcOrd="2" destOrd="0" presId="urn:microsoft.com/office/officeart/2005/8/layout/hierarchy3"/>
+    <dgm:cxn modelId="{5748A887-ED75-DA4F-8C85-94A4422849B8}" type="presParOf" srcId="{2DBA6FF5-81AC-1A42-B446-493688CB555E}" destId="{5142F75F-A34A-564A-A8C3-C8CB4737F912}" srcOrd="3" destOrd="0" presId="urn:microsoft.com/office/officeart/2005/8/layout/hierarchy3"/>
+    <dgm:cxn modelId="{FDAA17E9-4E52-7446-A2A2-059FB8192EC8}" type="presParOf" srcId="{2DBA6FF5-81AC-1A42-B446-493688CB555E}" destId="{2BF9196C-607D-C240-B607-E0F54E873E7A}" srcOrd="4" destOrd="0" presId="urn:microsoft.com/office/officeart/2005/8/layout/hierarchy3"/>
+    <dgm:cxn modelId="{50EF11B4-6A8C-DA42-9509-38928DDDDF1C}" type="presParOf" srcId="{2DBA6FF5-81AC-1A42-B446-493688CB555E}" destId="{B944283A-87E2-2548-A6E9-44663D6E683F}" srcOrd="5" destOrd="0" presId="urn:microsoft.com/office/officeart/2005/8/layout/hierarchy3"/>
     <dgm:cxn modelId="{3CE41FAA-B650-2048-B4D3-AB8975325EF7}" type="presParOf" srcId="{A4AC347C-73B6-1149-9FA8-154E44A07D82}" destId="{FD960190-5F3E-264F-AEA9-F1A9C43A98AF}" srcOrd="1" destOrd="0" presId="urn:microsoft.com/office/officeart/2005/8/layout/hierarchy3"/>
     <dgm:cxn modelId="{D86C4D97-2853-8044-A96C-986B425239E4}" type="presParOf" srcId="{FD960190-5F3E-264F-AEA9-F1A9C43A98AF}" destId="{9E3EAB05-130A-0C40-A45F-284FF064BEBD}" srcOrd="0" destOrd="0" presId="urn:microsoft.com/office/officeart/2005/8/layout/hierarchy3"/>
     <dgm:cxn modelId="{F44A6559-6DAD-5C4B-AB44-12DC7CF10C59}" type="presParOf" srcId="{9E3EAB05-130A-0C40-A45F-284FF064BEBD}" destId="{6DBAB38D-44C9-6149-B2D5-FEE3D80A24DC}" srcOrd="0" destOrd="0" presId="urn:microsoft.com/office/officeart/2005/8/layout/hierarchy3"/>
@@ -2022,6 +2787,956 @@
       <a:noFill/>
     </a:ln>
   </dgm:whole>
+  <dgm:extLst>
+    <a:ext uri="http://schemas.microsoft.com/office/drawing/2008/diagram">
+      <dsp:dataModelExt xmlns:dsp="http://schemas.microsoft.com/office/drawing/2008/diagram" relId="rId6" minVer="http://schemas.openxmlformats.org/drawingml/2006/diagram"/>
+    </a:ext>
+  </dgm:extLst>
+</dgm:dataModel>
+</file>
+
+<file path=ppt/diagrams/data2.xml><?xml version="1.0" encoding="utf-8"?>
+<dgm:dataModel xmlns:dgm="http://schemas.openxmlformats.org/drawingml/2006/diagram" xmlns:a="http://schemas.openxmlformats.org/drawingml/2006/main">
+  <dgm:ptLst>
+    <dgm:pt modelId="{3F0FE301-46C8-2E47-BEAB-683DD4A541DB}" type="doc">
+      <dgm:prSet loTypeId="urn:microsoft.com/office/officeart/2005/8/layout/lProcess2" loCatId="" qsTypeId="urn:microsoft.com/office/officeart/2005/8/quickstyle/simple1" qsCatId="simple" csTypeId="urn:microsoft.com/office/officeart/2005/8/colors/accent5_1" csCatId="accent5" phldr="1"/>
+      <dgm:spPr/>
+      <dgm:t>
+        <a:bodyPr/>
+        <a:lstStyle/>
+        <a:p>
+          <a:endParaRPr lang="en-US"/>
+        </a:p>
+      </dgm:t>
+    </dgm:pt>
+    <dgm:pt modelId="{5DB38CC5-04B9-654D-949D-8CC6A573F9A6}">
+      <dgm:prSet phldrT="[Text]" custT="1"/>
+      <dgm:spPr/>
+      <dgm:t>
+        <a:bodyPr/>
+        <a:lstStyle/>
+        <a:p>
+          <a:r>
+            <a:rPr lang="en-US" sz="1800" b="1" dirty="0">
+              <a:latin typeface="Arial" panose="020B0604020202020204" pitchFamily="34" charset="0"/>
+              <a:cs typeface="Arial" panose="020B0604020202020204" pitchFamily="34" charset="0"/>
+            </a:rPr>
+            <a:t>Question 1</a:t>
+          </a:r>
+        </a:p>
+        <a:p>
+          <a:r>
+            <a:rPr lang="en-US" sz="1600" dirty="0">
+              <a:latin typeface="Arial" panose="020B0604020202020204" pitchFamily="34" charset="0"/>
+              <a:cs typeface="Arial" panose="020B0604020202020204" pitchFamily="34" charset="0"/>
+            </a:rPr>
+            <a:t>mod1 </a:t>
+          </a:r>
+          <a:r>
+            <a:rPr lang="en-US" sz="1600" dirty="0">
+              <a:latin typeface="Arial" panose="020B0604020202020204" pitchFamily="34" charset="0"/>
+              <a:cs typeface="Arial" panose="020B0604020202020204" pitchFamily="34" charset="0"/>
+              <a:sym typeface="Wingdings" pitchFamily="2" charset="2"/>
+            </a:rPr>
+            <a:t> </a:t>
+          </a:r>
+          <a:r>
+            <a:rPr lang="en-US" sz="1600" dirty="0" err="1">
+              <a:latin typeface="Arial" panose="020B0604020202020204" pitchFamily="34" charset="0"/>
+              <a:cs typeface="Arial" panose="020B0604020202020204" pitchFamily="34" charset="0"/>
+              <a:sym typeface="Wingdings" pitchFamily="2" charset="2"/>
+            </a:rPr>
+            <a:t>lmer</a:t>
+          </a:r>
+          <a:r>
+            <a:rPr lang="en-US" sz="1600" dirty="0">
+              <a:latin typeface="Arial" panose="020B0604020202020204" pitchFamily="34" charset="0"/>
+              <a:cs typeface="Arial" panose="020B0604020202020204" pitchFamily="34" charset="0"/>
+              <a:sym typeface="Wingdings" pitchFamily="2" charset="2"/>
+            </a:rPr>
+            <a:t>(area ~ year + (1| year) + (1|cell)) </a:t>
+          </a:r>
+          <a:endParaRPr lang="en-US" sz="1600" dirty="0">
+            <a:latin typeface="Arial" panose="020B0604020202020204" pitchFamily="34" charset="0"/>
+            <a:cs typeface="Arial" panose="020B0604020202020204" pitchFamily="34" charset="0"/>
+          </a:endParaRPr>
+        </a:p>
+      </dgm:t>
+    </dgm:pt>
+    <dgm:pt modelId="{6A4F7A97-5519-1D42-872A-7DD99DCA0F8B}" type="parTrans" cxnId="{59CD324B-CCA7-ED4B-BEB6-8DF1CBBC5F9D}">
+      <dgm:prSet/>
+      <dgm:spPr/>
+      <dgm:t>
+        <a:bodyPr/>
+        <a:lstStyle/>
+        <a:p>
+          <a:endParaRPr lang="en-US"/>
+        </a:p>
+      </dgm:t>
+    </dgm:pt>
+    <dgm:pt modelId="{CD82021E-E976-2940-A31C-596CB09ADA86}" type="sibTrans" cxnId="{59CD324B-CCA7-ED4B-BEB6-8DF1CBBC5F9D}">
+      <dgm:prSet/>
+      <dgm:spPr/>
+      <dgm:t>
+        <a:bodyPr/>
+        <a:lstStyle/>
+        <a:p>
+          <a:endParaRPr lang="en-US"/>
+        </a:p>
+      </dgm:t>
+    </dgm:pt>
+    <dgm:pt modelId="{FB9D2FFB-8DC4-994A-8912-F57F124A804B}">
+      <dgm:prSet phldrT="[Text]" custT="1"/>
+      <dgm:spPr/>
+      <dgm:t>
+        <a:bodyPr anchor="t" anchorCtr="0"/>
+        <a:lstStyle/>
+        <a:p>
+          <a:pPr algn="ctr">
+            <a:buNone/>
+          </a:pPr>
+          <a:r>
+            <a:rPr lang="en-US" sz="1400" b="1" dirty="0">
+              <a:latin typeface="Arial" panose="020B0604020202020204" pitchFamily="34" charset="0"/>
+              <a:cs typeface="Arial" panose="020B0604020202020204" pitchFamily="34" charset="0"/>
+            </a:rPr>
+            <a:t>Fixed effect: </a:t>
+          </a:r>
+          <a:r>
+            <a:rPr lang="en-US" sz="1400" b="0" dirty="0">
+              <a:latin typeface="Arial" panose="020B0604020202020204" pitchFamily="34" charset="0"/>
+              <a:cs typeface="Arial" panose="020B0604020202020204" pitchFamily="34" charset="0"/>
+            </a:rPr>
+            <a:t>Year (study year)</a:t>
+          </a:r>
+        </a:p>
+        <a:p>
+          <a:pPr algn="ctr">
+            <a:buNone/>
+          </a:pPr>
+          <a:r>
+            <a:rPr lang="en-US" sz="1400" b="1" dirty="0">
+              <a:latin typeface="Arial" panose="020B0604020202020204" pitchFamily="34" charset="0"/>
+              <a:cs typeface="Arial" panose="020B0604020202020204" pitchFamily="34" charset="0"/>
+            </a:rPr>
+            <a:t>Response: </a:t>
+          </a:r>
+          <a:r>
+            <a:rPr lang="en-US" sz="1400" b="0" dirty="0">
+              <a:latin typeface="Arial" panose="020B0604020202020204" pitchFamily="34" charset="0"/>
+              <a:cs typeface="Arial" panose="020B0604020202020204" pitchFamily="34" charset="0"/>
+            </a:rPr>
+            <a:t>Area</a:t>
+          </a:r>
+          <a:r>
+            <a:rPr lang="en-US" sz="1400" b="1" dirty="0">
+              <a:latin typeface="Arial" panose="020B0604020202020204" pitchFamily="34" charset="0"/>
+              <a:cs typeface="Arial" panose="020B0604020202020204" pitchFamily="34" charset="0"/>
+            </a:rPr>
+            <a:t> </a:t>
+          </a:r>
+          <a:r>
+            <a:rPr lang="en-US" sz="1400" b="0" dirty="0">
+              <a:latin typeface="Arial" panose="020B0604020202020204" pitchFamily="34" charset="0"/>
+              <a:cs typeface="Arial" panose="020B0604020202020204" pitchFamily="34" charset="0"/>
+            </a:rPr>
+            <a:t>(m</a:t>
+          </a:r>
+          <a:r>
+            <a:rPr lang="en-US" sz="1400" b="0" baseline="30000" dirty="0">
+              <a:latin typeface="Arial" panose="020B0604020202020204" pitchFamily="34" charset="0"/>
+              <a:cs typeface="Arial" panose="020B0604020202020204" pitchFamily="34" charset="0"/>
+            </a:rPr>
+            <a:t>2</a:t>
+          </a:r>
+          <a:r>
+            <a:rPr lang="en-US" sz="1400" b="0" baseline="0" dirty="0">
+              <a:latin typeface="Arial" panose="020B0604020202020204" pitchFamily="34" charset="0"/>
+              <a:cs typeface="Arial" panose="020B0604020202020204" pitchFamily="34" charset="0"/>
+            </a:rPr>
+            <a:t>) of each land-use </a:t>
+          </a:r>
+          <a:r>
+            <a:rPr lang="en-US" sz="1400" b="1" baseline="0" dirty="0">
+              <a:solidFill>
+                <a:schemeClr val="accent1">
+                  <a:lumMod val="75000"/>
+                </a:schemeClr>
+              </a:solidFill>
+              <a:latin typeface="Arial" panose="020B0604020202020204" pitchFamily="34" charset="0"/>
+              <a:cs typeface="Arial" panose="020B0604020202020204" pitchFamily="34" charset="0"/>
+            </a:rPr>
+            <a:t>type</a:t>
+          </a:r>
+          <a:r>
+            <a:rPr lang="en-US" sz="1400" b="0" baseline="0" dirty="0">
+              <a:latin typeface="Arial" panose="020B0604020202020204" pitchFamily="34" charset="0"/>
+              <a:cs typeface="Arial" panose="020B0604020202020204" pitchFamily="34" charset="0"/>
+            </a:rPr>
+            <a:t> </a:t>
+          </a:r>
+        </a:p>
+        <a:p>
+          <a:pPr algn="ctr">
+            <a:buFont typeface="+mj-lt"/>
+            <a:buAutoNum type="arabicPeriod"/>
+          </a:pPr>
+          <a:r>
+            <a:rPr lang="en-US" sz="1400" b="1" dirty="0">
+              <a:latin typeface="Arial" panose="020B0604020202020204" pitchFamily="34" charset="0"/>
+              <a:cs typeface="Arial" panose="020B0604020202020204" pitchFamily="34" charset="0"/>
+            </a:rPr>
+            <a:t>Random effects</a:t>
+          </a:r>
+          <a:r>
+            <a:rPr lang="en-US" sz="1400" b="0" dirty="0">
+              <a:latin typeface="Arial" panose="020B0604020202020204" pitchFamily="34" charset="0"/>
+              <a:cs typeface="Arial" panose="020B0604020202020204" pitchFamily="34" charset="0"/>
+            </a:rPr>
+            <a:t>: Year (study year) and cell (ID) to account for spatial and temporal autocorrelation</a:t>
+          </a:r>
+          <a:endParaRPr lang="en-US" sz="1400" b="1" dirty="0">
+            <a:latin typeface="Arial" panose="020B0604020202020204" pitchFamily="34" charset="0"/>
+            <a:cs typeface="Arial" panose="020B0604020202020204" pitchFamily="34" charset="0"/>
+          </a:endParaRPr>
+        </a:p>
+      </dgm:t>
+    </dgm:pt>
+    <dgm:pt modelId="{0719A7C0-5724-4545-9D6A-3829E15B0E43}" type="parTrans" cxnId="{91CAE072-FFF0-AD4F-94B6-0E42CF124AC2}">
+      <dgm:prSet/>
+      <dgm:spPr/>
+      <dgm:t>
+        <a:bodyPr/>
+        <a:lstStyle/>
+        <a:p>
+          <a:endParaRPr lang="en-US"/>
+        </a:p>
+      </dgm:t>
+    </dgm:pt>
+    <dgm:pt modelId="{0375E0E4-31E6-D144-B580-27BEE4CCD898}" type="sibTrans" cxnId="{91CAE072-FFF0-AD4F-94B6-0E42CF124AC2}">
+      <dgm:prSet/>
+      <dgm:spPr/>
+      <dgm:t>
+        <a:bodyPr/>
+        <a:lstStyle/>
+        <a:p>
+          <a:endParaRPr lang="en-US"/>
+        </a:p>
+      </dgm:t>
+    </dgm:pt>
+    <dgm:pt modelId="{6DD92CF8-7AC1-1048-8844-5CDFBC939C2D}">
+      <dgm:prSet phldrT="[Text]" custT="1"/>
+      <dgm:spPr/>
+      <dgm:t>
+        <a:bodyPr anchor="ctr" anchorCtr="0"/>
+        <a:lstStyle/>
+        <a:p>
+          <a:pPr algn="ctr"/>
+          <a:r>
+            <a:rPr lang="en-US" sz="1400" b="1" dirty="0">
+              <a:latin typeface="Arial" panose="020B0604020202020204" pitchFamily="34" charset="0"/>
+              <a:cs typeface="Arial" panose="020B0604020202020204" pitchFamily="34" charset="0"/>
+            </a:rPr>
+            <a:t>Effect sizes </a:t>
+          </a:r>
+          <a:r>
+            <a:rPr lang="en-US" sz="1400" b="0" dirty="0">
+              <a:latin typeface="Arial" panose="020B0604020202020204" pitchFamily="34" charset="0"/>
+              <a:cs typeface="Arial" panose="020B0604020202020204" pitchFamily="34" charset="0"/>
+            </a:rPr>
+            <a:t>of each tested metric. </a:t>
+          </a:r>
+        </a:p>
+      </dgm:t>
+    </dgm:pt>
+    <dgm:pt modelId="{70D5E6D4-AC55-4549-99A8-1E958057BA17}" type="parTrans" cxnId="{ECA0A711-6FDF-7B47-9046-2D0E53C28AEF}">
+      <dgm:prSet/>
+      <dgm:spPr/>
+      <dgm:t>
+        <a:bodyPr/>
+        <a:lstStyle/>
+        <a:p>
+          <a:endParaRPr lang="en-US"/>
+        </a:p>
+      </dgm:t>
+    </dgm:pt>
+    <dgm:pt modelId="{4277E726-4BB1-8642-9B44-1FF8E717780A}" type="sibTrans" cxnId="{ECA0A711-6FDF-7B47-9046-2D0E53C28AEF}">
+      <dgm:prSet/>
+      <dgm:spPr/>
+      <dgm:t>
+        <a:bodyPr/>
+        <a:lstStyle/>
+        <a:p>
+          <a:endParaRPr lang="en-US"/>
+        </a:p>
+      </dgm:t>
+    </dgm:pt>
+    <dgm:pt modelId="{D838E118-BC40-1340-9FFC-D6843513D26C}">
+      <dgm:prSet phldrT="[Text]" custT="1"/>
+      <dgm:spPr/>
+      <dgm:t>
+        <a:bodyPr/>
+        <a:lstStyle/>
+        <a:p>
+          <a:r>
+            <a:rPr lang="en-US" sz="1800" b="1" dirty="0">
+              <a:latin typeface="Arial" panose="020B0604020202020204" pitchFamily="34" charset="0"/>
+              <a:cs typeface="Arial" panose="020B0604020202020204" pitchFamily="34" charset="0"/>
+            </a:rPr>
+            <a:t>Question 2</a:t>
+          </a:r>
+        </a:p>
+        <a:p>
+          <a:r>
+            <a:rPr lang="en-US" sz="1600" dirty="0">
+              <a:latin typeface="Arial" panose="020B0604020202020204" pitchFamily="34" charset="0"/>
+              <a:cs typeface="Arial" panose="020B0604020202020204" pitchFamily="34" charset="0"/>
+            </a:rPr>
+            <a:t>mod2 </a:t>
+          </a:r>
+          <a:r>
+            <a:rPr lang="en-US" sz="1600" dirty="0">
+              <a:latin typeface="Arial" panose="020B0604020202020204" pitchFamily="34" charset="0"/>
+              <a:cs typeface="Arial" panose="020B0604020202020204" pitchFamily="34" charset="0"/>
+              <a:sym typeface="Wingdings" pitchFamily="2" charset="2"/>
+            </a:rPr>
+            <a:t> </a:t>
+          </a:r>
+          <a:r>
+            <a:rPr lang="en-US" sz="1600" dirty="0" err="1">
+              <a:latin typeface="Arial" panose="020B0604020202020204" pitchFamily="34" charset="0"/>
+              <a:cs typeface="Arial" panose="020B0604020202020204" pitchFamily="34" charset="0"/>
+              <a:sym typeface="Wingdings" pitchFamily="2" charset="2"/>
+            </a:rPr>
+            <a:t>lmer</a:t>
+          </a:r>
+          <a:r>
+            <a:rPr lang="en-US" sz="1600" dirty="0">
+              <a:latin typeface="Arial" panose="020B0604020202020204" pitchFamily="34" charset="0"/>
+              <a:cs typeface="Arial" panose="020B0604020202020204" pitchFamily="34" charset="0"/>
+              <a:sym typeface="Wingdings" pitchFamily="2" charset="2"/>
+            </a:rPr>
+            <a:t>(area ~ year + (1| year) + (1|cell)) </a:t>
+          </a:r>
+          <a:endParaRPr lang="en-US" sz="1600" dirty="0"/>
+        </a:p>
+      </dgm:t>
+    </dgm:pt>
+    <dgm:pt modelId="{ACA5A03D-6AC4-A146-9F25-33D8F1C176F5}" type="parTrans" cxnId="{E85B0813-3CA8-4243-92D7-099DB736EA24}">
+      <dgm:prSet/>
+      <dgm:spPr/>
+      <dgm:t>
+        <a:bodyPr/>
+        <a:lstStyle/>
+        <a:p>
+          <a:endParaRPr lang="en-US"/>
+        </a:p>
+      </dgm:t>
+    </dgm:pt>
+    <dgm:pt modelId="{79A923C9-166D-6F42-B937-9E68FC5560B9}" type="sibTrans" cxnId="{E85B0813-3CA8-4243-92D7-099DB736EA24}">
+      <dgm:prSet/>
+      <dgm:spPr/>
+      <dgm:t>
+        <a:bodyPr/>
+        <a:lstStyle/>
+        <a:p>
+          <a:endParaRPr lang="en-US"/>
+        </a:p>
+      </dgm:t>
+    </dgm:pt>
+    <dgm:pt modelId="{D0B37B0B-7928-554C-99CE-B64CEDDE43E5}">
+      <dgm:prSet phldrT="[Text]" custT="1"/>
+      <dgm:spPr/>
+      <dgm:t>
+        <a:bodyPr/>
+        <a:lstStyle/>
+        <a:p>
+          <a:r>
+            <a:rPr lang="en-US" sz="1400" b="1" dirty="0">
+              <a:latin typeface="Arial" panose="020B0604020202020204" pitchFamily="34" charset="0"/>
+              <a:cs typeface="Arial" panose="020B0604020202020204" pitchFamily="34" charset="0"/>
+            </a:rPr>
+            <a:t>Fixed effect: </a:t>
+          </a:r>
+          <a:r>
+            <a:rPr lang="en-US" sz="1400" b="0" dirty="0">
+              <a:latin typeface="Arial" panose="020B0604020202020204" pitchFamily="34" charset="0"/>
+              <a:cs typeface="Arial" panose="020B0604020202020204" pitchFamily="34" charset="0"/>
+            </a:rPr>
+            <a:t>Year (study year)</a:t>
+          </a:r>
+        </a:p>
+        <a:p>
+          <a:r>
+            <a:rPr lang="en-US" sz="1400" b="1" dirty="0">
+              <a:latin typeface="Arial" panose="020B0604020202020204" pitchFamily="34" charset="0"/>
+              <a:cs typeface="Arial" panose="020B0604020202020204" pitchFamily="34" charset="0"/>
+            </a:rPr>
+            <a:t>Response: </a:t>
+          </a:r>
+          <a:r>
+            <a:rPr lang="en-US" sz="1400" b="0" dirty="0">
+              <a:latin typeface="Arial" panose="020B0604020202020204" pitchFamily="34" charset="0"/>
+              <a:cs typeface="Arial" panose="020B0604020202020204" pitchFamily="34" charset="0"/>
+            </a:rPr>
+            <a:t>Area</a:t>
+          </a:r>
+          <a:r>
+            <a:rPr lang="en-US" sz="1400" b="1" dirty="0">
+              <a:latin typeface="Arial" panose="020B0604020202020204" pitchFamily="34" charset="0"/>
+              <a:cs typeface="Arial" panose="020B0604020202020204" pitchFamily="34" charset="0"/>
+            </a:rPr>
+            <a:t> </a:t>
+          </a:r>
+          <a:r>
+            <a:rPr lang="en-US" sz="1400" b="0" dirty="0">
+              <a:latin typeface="Arial" panose="020B0604020202020204" pitchFamily="34" charset="0"/>
+              <a:cs typeface="Arial" panose="020B0604020202020204" pitchFamily="34" charset="0"/>
+            </a:rPr>
+            <a:t>(m</a:t>
+          </a:r>
+          <a:r>
+            <a:rPr lang="en-US" sz="1400" b="0" baseline="30000" dirty="0">
+              <a:latin typeface="Arial" panose="020B0604020202020204" pitchFamily="34" charset="0"/>
+              <a:cs typeface="Arial" panose="020B0604020202020204" pitchFamily="34" charset="0"/>
+            </a:rPr>
+            <a:t>2</a:t>
+          </a:r>
+          <a:r>
+            <a:rPr lang="en-US" sz="1400" b="0" baseline="0" dirty="0">
+              <a:latin typeface="Arial" panose="020B0604020202020204" pitchFamily="34" charset="0"/>
+              <a:cs typeface="Arial" panose="020B0604020202020204" pitchFamily="34" charset="0"/>
+            </a:rPr>
+            <a:t>) of each land-use </a:t>
+          </a:r>
+          <a:r>
+            <a:rPr lang="en-US" sz="1400" b="1" baseline="0" dirty="0">
+              <a:solidFill>
+                <a:schemeClr val="accent1">
+                  <a:lumMod val="75000"/>
+                </a:schemeClr>
+              </a:solidFill>
+              <a:latin typeface="Arial" panose="020B0604020202020204" pitchFamily="34" charset="0"/>
+              <a:cs typeface="Arial" panose="020B0604020202020204" pitchFamily="34" charset="0"/>
+            </a:rPr>
+            <a:t>transition</a:t>
+          </a:r>
+          <a:r>
+            <a:rPr lang="en-US" sz="1400" b="0" baseline="0" dirty="0">
+              <a:latin typeface="Arial" panose="020B0604020202020204" pitchFamily="34" charset="0"/>
+              <a:cs typeface="Arial" panose="020B0604020202020204" pitchFamily="34" charset="0"/>
+            </a:rPr>
+            <a:t> </a:t>
+          </a:r>
+        </a:p>
+        <a:p>
+          <a:r>
+            <a:rPr lang="en-US" sz="1400" b="1" dirty="0">
+              <a:latin typeface="Arial" panose="020B0604020202020204" pitchFamily="34" charset="0"/>
+              <a:cs typeface="Arial" panose="020B0604020202020204" pitchFamily="34" charset="0"/>
+            </a:rPr>
+            <a:t>Random effects</a:t>
+          </a:r>
+          <a:r>
+            <a:rPr lang="en-US" sz="1400" b="0" dirty="0">
+              <a:latin typeface="Arial" panose="020B0604020202020204" pitchFamily="34" charset="0"/>
+              <a:cs typeface="Arial" panose="020B0604020202020204" pitchFamily="34" charset="0"/>
+            </a:rPr>
+            <a:t>: Year (study year) and cell (ID) to account for spatial and temporal autocorrelation</a:t>
+          </a:r>
+          <a:endParaRPr lang="en-US" sz="1400" dirty="0"/>
+        </a:p>
+      </dgm:t>
+    </dgm:pt>
+    <dgm:pt modelId="{628C50A0-C74C-164D-B6F0-3BBF6A70F195}" type="parTrans" cxnId="{0C7B65B0-C9DA-B940-AF07-4A9D8BF1F826}">
+      <dgm:prSet/>
+      <dgm:spPr/>
+      <dgm:t>
+        <a:bodyPr/>
+        <a:lstStyle/>
+        <a:p>
+          <a:endParaRPr lang="en-US"/>
+        </a:p>
+      </dgm:t>
+    </dgm:pt>
+    <dgm:pt modelId="{50E67148-9017-8243-A484-EADB9FB680B8}" type="sibTrans" cxnId="{0C7B65B0-C9DA-B940-AF07-4A9D8BF1F826}">
+      <dgm:prSet/>
+      <dgm:spPr/>
+      <dgm:t>
+        <a:bodyPr/>
+        <a:lstStyle/>
+        <a:p>
+          <a:endParaRPr lang="en-US"/>
+        </a:p>
+      </dgm:t>
+    </dgm:pt>
+    <dgm:pt modelId="{23B2F7C9-876A-6549-B530-BDB2BE9B7839}">
+      <dgm:prSet phldrT="[Text]" custT="1"/>
+      <dgm:spPr/>
+      <dgm:t>
+        <a:bodyPr/>
+        <a:lstStyle/>
+        <a:p>
+          <a:r>
+            <a:rPr lang="en-US" sz="1400" b="1" dirty="0">
+              <a:latin typeface="Arial" panose="020B0604020202020204" pitchFamily="34" charset="0"/>
+              <a:cs typeface="Arial" panose="020B0604020202020204" pitchFamily="34" charset="0"/>
+            </a:rPr>
+            <a:t>Effect sizes </a:t>
+          </a:r>
+          <a:r>
+            <a:rPr lang="en-US" sz="1400" b="0" dirty="0">
+              <a:latin typeface="Arial" panose="020B0604020202020204" pitchFamily="34" charset="0"/>
+              <a:cs typeface="Arial" panose="020B0604020202020204" pitchFamily="34" charset="0"/>
+            </a:rPr>
+            <a:t>of each tested metric. </a:t>
+          </a:r>
+          <a:endParaRPr lang="en-US" sz="1400" dirty="0"/>
+        </a:p>
+      </dgm:t>
+    </dgm:pt>
+    <dgm:pt modelId="{5724D0E0-A12B-2C4F-BE5E-11976BDC213A}" type="parTrans" cxnId="{3DDB31CB-5B5F-4343-8099-0F44B4292DA5}">
+      <dgm:prSet/>
+      <dgm:spPr/>
+      <dgm:t>
+        <a:bodyPr/>
+        <a:lstStyle/>
+        <a:p>
+          <a:endParaRPr lang="en-US"/>
+        </a:p>
+      </dgm:t>
+    </dgm:pt>
+    <dgm:pt modelId="{55034F92-0FB1-5243-8CE3-39F864D6556C}" type="sibTrans" cxnId="{3DDB31CB-5B5F-4343-8099-0F44B4292DA5}">
+      <dgm:prSet/>
+      <dgm:spPr/>
+      <dgm:t>
+        <a:bodyPr/>
+        <a:lstStyle/>
+        <a:p>
+          <a:endParaRPr lang="en-US"/>
+        </a:p>
+      </dgm:t>
+    </dgm:pt>
+    <dgm:pt modelId="{433EA925-CBDD-704C-A836-B017BA5B5A6E}">
+      <dgm:prSet phldrT="[Text]" custT="1"/>
+      <dgm:spPr/>
+      <dgm:t>
+        <a:bodyPr/>
+        <a:lstStyle/>
+        <a:p>
+          <a:r>
+            <a:rPr lang="en-US" sz="1800" b="1" dirty="0">
+              <a:latin typeface="Arial" panose="020B0604020202020204" pitchFamily="34" charset="0"/>
+              <a:cs typeface="Arial" panose="020B0604020202020204" pitchFamily="34" charset="0"/>
+            </a:rPr>
+            <a:t>Question 3</a:t>
+          </a:r>
+        </a:p>
+        <a:p>
+          <a:r>
+            <a:rPr lang="en-US" sz="1600" dirty="0">
+              <a:latin typeface="Arial" panose="020B0604020202020204" pitchFamily="34" charset="0"/>
+              <a:cs typeface="Arial" panose="020B0604020202020204" pitchFamily="34" charset="0"/>
+            </a:rPr>
+            <a:t>mod3 </a:t>
+          </a:r>
+          <a:r>
+            <a:rPr lang="en-US" sz="1600" dirty="0">
+              <a:latin typeface="Arial" panose="020B0604020202020204" pitchFamily="34" charset="0"/>
+              <a:cs typeface="Arial" panose="020B0604020202020204" pitchFamily="34" charset="0"/>
+              <a:sym typeface="Wingdings" pitchFamily="2" charset="2"/>
+            </a:rPr>
+            <a:t> </a:t>
+          </a:r>
+          <a:r>
+            <a:rPr lang="en-US" sz="1600" dirty="0" err="1">
+              <a:latin typeface="Arial" panose="020B0604020202020204" pitchFamily="34" charset="0"/>
+              <a:cs typeface="Arial" panose="020B0604020202020204" pitchFamily="34" charset="0"/>
+              <a:sym typeface="Wingdings" pitchFamily="2" charset="2"/>
+            </a:rPr>
+            <a:t>lm</a:t>
+          </a:r>
+          <a:r>
+            <a:rPr lang="en-US" sz="1600" dirty="0">
+              <a:latin typeface="Arial" panose="020B0604020202020204" pitchFamily="34" charset="0"/>
+              <a:cs typeface="Arial" panose="020B0604020202020204" pitchFamily="34" charset="0"/>
+              <a:sym typeface="Wingdings" pitchFamily="2" charset="2"/>
+            </a:rPr>
+            <a:t>(</a:t>
+          </a:r>
+          <a:r>
+            <a:rPr lang="en-US" sz="1600" dirty="0" err="1">
+              <a:latin typeface="Arial" panose="020B0604020202020204" pitchFamily="34" charset="0"/>
+              <a:cs typeface="Arial" panose="020B0604020202020204" pitchFamily="34" charset="0"/>
+              <a:sym typeface="Wingdings" pitchFamily="2" charset="2"/>
+            </a:rPr>
+            <a:t>years_since</a:t>
+          </a:r>
+          <a:r>
+            <a:rPr lang="en-US" sz="1600" dirty="0">
+              <a:latin typeface="Arial" panose="020B0604020202020204" pitchFamily="34" charset="0"/>
+              <a:cs typeface="Arial" panose="020B0604020202020204" pitchFamily="34" charset="0"/>
+              <a:sym typeface="Wingdings" pitchFamily="2" charset="2"/>
+            </a:rPr>
+            <a:t> ~ </a:t>
+          </a:r>
+          <a:r>
+            <a:rPr lang="en-US" sz="1600">
+              <a:latin typeface="Arial" panose="020B0604020202020204" pitchFamily="34" charset="0"/>
+              <a:cs typeface="Arial" panose="020B0604020202020204" pitchFamily="34" charset="0"/>
+              <a:sym typeface="Wingdings" pitchFamily="2" charset="2"/>
+            </a:rPr>
+            <a:t>1)*</a:t>
+          </a:r>
+          <a:endParaRPr lang="en-US" sz="1600" dirty="0"/>
+        </a:p>
+      </dgm:t>
+    </dgm:pt>
+    <dgm:pt modelId="{E5C07B25-0C10-C543-BCF8-9C8B1109241D}" type="parTrans" cxnId="{FC3E9217-8A2A-5D4C-92F4-58C47C654127}">
+      <dgm:prSet/>
+      <dgm:spPr/>
+      <dgm:t>
+        <a:bodyPr/>
+        <a:lstStyle/>
+        <a:p>
+          <a:endParaRPr lang="en-US"/>
+        </a:p>
+      </dgm:t>
+    </dgm:pt>
+    <dgm:pt modelId="{8A84F97A-2D65-CB4F-AE59-800CA487A7F6}" type="sibTrans" cxnId="{FC3E9217-8A2A-5D4C-92F4-58C47C654127}">
+      <dgm:prSet/>
+      <dgm:spPr/>
+      <dgm:t>
+        <a:bodyPr/>
+        <a:lstStyle/>
+        <a:p>
+          <a:endParaRPr lang="en-US"/>
+        </a:p>
+      </dgm:t>
+    </dgm:pt>
+    <dgm:pt modelId="{F13282A0-1868-DD43-8170-9D9888BFF9FD}">
+      <dgm:prSet phldrT="[Text]" custT="1"/>
+      <dgm:spPr/>
+      <dgm:t>
+        <a:bodyPr/>
+        <a:lstStyle/>
+        <a:p>
+          <a:r>
+            <a:rPr lang="en-US" sz="1400" b="1" dirty="0">
+              <a:latin typeface="Arial" panose="020B0604020202020204" pitchFamily="34" charset="0"/>
+              <a:cs typeface="Arial" panose="020B0604020202020204" pitchFamily="34" charset="0"/>
+            </a:rPr>
+            <a:t>Fixed effect: </a:t>
+          </a:r>
+          <a:r>
+            <a:rPr lang="en-US" sz="1400" b="0" dirty="0">
+              <a:latin typeface="Arial" panose="020B0604020202020204" pitchFamily="34" charset="0"/>
+              <a:cs typeface="Arial" panose="020B0604020202020204" pitchFamily="34" charset="0"/>
+            </a:rPr>
+            <a:t>1 – testing null model</a:t>
+          </a:r>
+        </a:p>
+        <a:p>
+          <a:r>
+            <a:rPr lang="en-US" sz="1400" b="1" dirty="0">
+              <a:latin typeface="Arial" panose="020B0604020202020204" pitchFamily="34" charset="0"/>
+              <a:cs typeface="Arial" panose="020B0604020202020204" pitchFamily="34" charset="0"/>
+            </a:rPr>
+            <a:t>Response: </a:t>
+          </a:r>
+          <a:r>
+            <a:rPr lang="en-US" sz="1400" b="0" dirty="0">
+              <a:latin typeface="Arial" panose="020B0604020202020204" pitchFamily="34" charset="0"/>
+              <a:cs typeface="Arial" panose="020B0604020202020204" pitchFamily="34" charset="0"/>
+            </a:rPr>
+            <a:t>Number of years since SPE event where highest quantity of land-use change occurs</a:t>
+          </a:r>
+        </a:p>
+        <a:p>
+          <a:r>
+            <a:rPr lang="en-US" sz="1400" b="0" dirty="0">
+              <a:latin typeface="Arial" panose="020B0604020202020204" pitchFamily="34" charset="0"/>
+              <a:cs typeface="Arial" panose="020B0604020202020204" pitchFamily="34" charset="0"/>
+            </a:rPr>
+            <a:t>*Completed for total land-use change and each land-use transition</a:t>
+          </a:r>
+          <a:endParaRPr lang="en-US" sz="1400" b="1" dirty="0">
+            <a:latin typeface="Arial" panose="020B0604020202020204" pitchFamily="34" charset="0"/>
+            <a:cs typeface="Arial" panose="020B0604020202020204" pitchFamily="34" charset="0"/>
+          </a:endParaRPr>
+        </a:p>
+      </dgm:t>
+    </dgm:pt>
+    <dgm:pt modelId="{DF08772D-3F35-774B-A128-20A80DA12454}" type="parTrans" cxnId="{5F3E45AE-1796-A74B-A516-D86D6AA0ACE4}">
+      <dgm:prSet/>
+      <dgm:spPr/>
+      <dgm:t>
+        <a:bodyPr/>
+        <a:lstStyle/>
+        <a:p>
+          <a:endParaRPr lang="en-US"/>
+        </a:p>
+      </dgm:t>
+    </dgm:pt>
+    <dgm:pt modelId="{88D3355F-2DBD-BB44-BA61-42D5C79CCD5F}" type="sibTrans" cxnId="{5F3E45AE-1796-A74B-A516-D86D6AA0ACE4}">
+      <dgm:prSet/>
+      <dgm:spPr/>
+      <dgm:t>
+        <a:bodyPr/>
+        <a:lstStyle/>
+        <a:p>
+          <a:endParaRPr lang="en-US"/>
+        </a:p>
+      </dgm:t>
+    </dgm:pt>
+    <dgm:pt modelId="{0921D624-0DEC-7F41-8D70-D61CE7B7A0BD}">
+      <dgm:prSet phldrT="[Text]" custT="1"/>
+      <dgm:spPr/>
+      <dgm:t>
+        <a:bodyPr/>
+        <a:lstStyle/>
+        <a:p>
+          <a:r>
+            <a:rPr lang="en-US" sz="1400" b="1" i="1" dirty="0">
+              <a:latin typeface="Arial" panose="020B0604020202020204" pitchFamily="34" charset="0"/>
+              <a:cs typeface="Arial" panose="020B0604020202020204" pitchFamily="34" charset="0"/>
+            </a:rPr>
+            <a:t>P</a:t>
+          </a:r>
+          <a:r>
+            <a:rPr lang="en-US" sz="1400" b="1" i="0" dirty="0">
+              <a:latin typeface="Arial" panose="020B0604020202020204" pitchFamily="34" charset="0"/>
+              <a:cs typeface="Arial" panose="020B0604020202020204" pitchFamily="34" charset="0"/>
+            </a:rPr>
+            <a:t>-value</a:t>
+          </a:r>
+          <a:r>
+            <a:rPr lang="en-US" sz="1400" b="0" i="0" dirty="0">
+              <a:latin typeface="Arial" panose="020B0604020202020204" pitchFamily="34" charset="0"/>
+              <a:cs typeface="Arial" panose="020B0604020202020204" pitchFamily="34" charset="0"/>
+            </a:rPr>
+            <a:t> indicating if the null model, stating that that there is no time lag, can be accepted.</a:t>
+          </a:r>
+          <a:endParaRPr lang="en-US" sz="1400" b="1" i="1" dirty="0">
+            <a:latin typeface="Arial" panose="020B0604020202020204" pitchFamily="34" charset="0"/>
+            <a:cs typeface="Arial" panose="020B0604020202020204" pitchFamily="34" charset="0"/>
+          </a:endParaRPr>
+        </a:p>
+      </dgm:t>
+    </dgm:pt>
+    <dgm:pt modelId="{3DF0396C-3986-F943-8B48-5E9420066454}" type="parTrans" cxnId="{48C7FC6A-27EB-5144-96AD-036BBE6E33D5}">
+      <dgm:prSet/>
+      <dgm:spPr/>
+      <dgm:t>
+        <a:bodyPr/>
+        <a:lstStyle/>
+        <a:p>
+          <a:endParaRPr lang="en-US"/>
+        </a:p>
+      </dgm:t>
+    </dgm:pt>
+    <dgm:pt modelId="{5BC30920-ECB8-414B-A398-B4AF4CBC49A8}" type="sibTrans" cxnId="{48C7FC6A-27EB-5144-96AD-036BBE6E33D5}">
+      <dgm:prSet/>
+      <dgm:spPr/>
+      <dgm:t>
+        <a:bodyPr/>
+        <a:lstStyle/>
+        <a:p>
+          <a:endParaRPr lang="en-US"/>
+        </a:p>
+      </dgm:t>
+    </dgm:pt>
+    <dgm:pt modelId="{BBD32040-000B-154D-B860-64400322ED67}" type="pres">
+      <dgm:prSet presAssocID="{3F0FE301-46C8-2E47-BEAB-683DD4A541DB}" presName="theList" presStyleCnt="0">
+        <dgm:presLayoutVars>
+          <dgm:dir/>
+          <dgm:animLvl val="lvl"/>
+          <dgm:resizeHandles val="exact"/>
+        </dgm:presLayoutVars>
+      </dgm:prSet>
+      <dgm:spPr/>
+    </dgm:pt>
+    <dgm:pt modelId="{270082CC-BB33-F24F-823F-57F3377E9E3F}" type="pres">
+      <dgm:prSet presAssocID="{5DB38CC5-04B9-654D-949D-8CC6A573F9A6}" presName="compNode" presStyleCnt="0"/>
+      <dgm:spPr/>
+    </dgm:pt>
+    <dgm:pt modelId="{3A32CA97-E246-1A44-9616-FB96C0ABD8ED}" type="pres">
+      <dgm:prSet presAssocID="{5DB38CC5-04B9-654D-949D-8CC6A573F9A6}" presName="aNode" presStyleLbl="bgShp" presStyleIdx="0" presStyleCnt="3" custLinFactNeighborX="-38" custLinFactNeighborY="27869"/>
+      <dgm:spPr/>
+    </dgm:pt>
+    <dgm:pt modelId="{E871CCC6-A4EA-8D47-8147-4C256592CEFF}" type="pres">
+      <dgm:prSet presAssocID="{5DB38CC5-04B9-654D-949D-8CC6A573F9A6}" presName="textNode" presStyleLbl="bgShp" presStyleIdx="0" presStyleCnt="3"/>
+      <dgm:spPr/>
+    </dgm:pt>
+    <dgm:pt modelId="{496D9EFF-F463-2D43-AE34-4E29BC52FCB8}" type="pres">
+      <dgm:prSet presAssocID="{5DB38CC5-04B9-654D-949D-8CC6A573F9A6}" presName="compChildNode" presStyleCnt="0"/>
+      <dgm:spPr/>
+    </dgm:pt>
+    <dgm:pt modelId="{ED9812B4-0FE8-9940-80A5-619070455D22}" type="pres">
+      <dgm:prSet presAssocID="{5DB38CC5-04B9-654D-949D-8CC6A573F9A6}" presName="theInnerList" presStyleCnt="0"/>
+      <dgm:spPr/>
+    </dgm:pt>
+    <dgm:pt modelId="{066CB936-AF78-404F-B40D-33B0A2C1C2EA}" type="pres">
+      <dgm:prSet presAssocID="{FB9D2FFB-8DC4-994A-8912-F57F124A804B}" presName="childNode" presStyleLbl="node1" presStyleIdx="0" presStyleCnt="6" custScaleY="100514" custLinFactNeighborX="-38" custLinFactNeighborY="18106">
+        <dgm:presLayoutVars>
+          <dgm:bulletEnabled val="1"/>
+        </dgm:presLayoutVars>
+      </dgm:prSet>
+      <dgm:spPr/>
+    </dgm:pt>
+    <dgm:pt modelId="{1BB96EB0-232D-6D40-AD48-FDEB54BB34DC}" type="pres">
+      <dgm:prSet presAssocID="{FB9D2FFB-8DC4-994A-8912-F57F124A804B}" presName="aSpace2" presStyleCnt="0"/>
+      <dgm:spPr/>
+    </dgm:pt>
+    <dgm:pt modelId="{68F75405-0375-FA40-950A-CCAC4B10AD36}" type="pres">
+      <dgm:prSet presAssocID="{6DD92CF8-7AC1-1048-8844-5CDFBC939C2D}" presName="childNode" presStyleLbl="node1" presStyleIdx="1" presStyleCnt="6" custScaleY="49523">
+        <dgm:presLayoutVars>
+          <dgm:bulletEnabled val="1"/>
+        </dgm:presLayoutVars>
+      </dgm:prSet>
+      <dgm:spPr/>
+    </dgm:pt>
+    <dgm:pt modelId="{4C008951-D3A6-6740-8C5A-6B5B3D79ECDB}" type="pres">
+      <dgm:prSet presAssocID="{5DB38CC5-04B9-654D-949D-8CC6A573F9A6}" presName="aSpace" presStyleCnt="0"/>
+      <dgm:spPr/>
+    </dgm:pt>
+    <dgm:pt modelId="{DEC49B31-A20C-D64A-918C-FAE803F5F8A5}" type="pres">
+      <dgm:prSet presAssocID="{D838E118-BC40-1340-9FFC-D6843513D26C}" presName="compNode" presStyleCnt="0"/>
+      <dgm:spPr/>
+    </dgm:pt>
+    <dgm:pt modelId="{57B73594-B4BC-6442-9BA5-F64BCEC77E5A}" type="pres">
+      <dgm:prSet presAssocID="{D838E118-BC40-1340-9FFC-D6843513D26C}" presName="aNode" presStyleLbl="bgShp" presStyleIdx="1" presStyleCnt="3"/>
+      <dgm:spPr/>
+    </dgm:pt>
+    <dgm:pt modelId="{91977333-1261-E54F-A0CD-E13CAE639E32}" type="pres">
+      <dgm:prSet presAssocID="{D838E118-BC40-1340-9FFC-D6843513D26C}" presName="textNode" presStyleLbl="bgShp" presStyleIdx="1" presStyleCnt="3"/>
+      <dgm:spPr/>
+    </dgm:pt>
+    <dgm:pt modelId="{5B92C2EC-A124-DC4E-AA71-3D0AA9A577C3}" type="pres">
+      <dgm:prSet presAssocID="{D838E118-BC40-1340-9FFC-D6843513D26C}" presName="compChildNode" presStyleCnt="0"/>
+      <dgm:spPr/>
+    </dgm:pt>
+    <dgm:pt modelId="{11A88706-1637-734A-8A0E-9C1ACD584491}" type="pres">
+      <dgm:prSet presAssocID="{D838E118-BC40-1340-9FFC-D6843513D26C}" presName="theInnerList" presStyleCnt="0"/>
+      <dgm:spPr/>
+    </dgm:pt>
+    <dgm:pt modelId="{A37E25F7-96C1-C34F-972B-AD36B2159306}" type="pres">
+      <dgm:prSet presAssocID="{D0B37B0B-7928-554C-99CE-B64CEDDE43E5}" presName="childNode" presStyleLbl="node1" presStyleIdx="2" presStyleCnt="6" custScaleY="146201" custLinFactNeighborY="-6063">
+        <dgm:presLayoutVars>
+          <dgm:bulletEnabled val="1"/>
+        </dgm:presLayoutVars>
+      </dgm:prSet>
+      <dgm:spPr/>
+    </dgm:pt>
+    <dgm:pt modelId="{9125687D-0759-A14B-B7BD-D2817C28B5F7}" type="pres">
+      <dgm:prSet presAssocID="{D0B37B0B-7928-554C-99CE-B64CEDDE43E5}" presName="aSpace2" presStyleCnt="0"/>
+      <dgm:spPr/>
+    </dgm:pt>
+    <dgm:pt modelId="{B3A73337-276B-0243-B95F-112EFA3B73B3}" type="pres">
+      <dgm:prSet presAssocID="{23B2F7C9-876A-6549-B530-BDB2BE9B7839}" presName="childNode" presStyleLbl="node1" presStyleIdx="3" presStyleCnt="6" custScaleY="72978" custLinFactNeighborY="4544">
+        <dgm:presLayoutVars>
+          <dgm:bulletEnabled val="1"/>
+        </dgm:presLayoutVars>
+      </dgm:prSet>
+      <dgm:spPr/>
+    </dgm:pt>
+    <dgm:pt modelId="{977E1F37-C515-8F4D-AB22-33A2A4C79BD9}" type="pres">
+      <dgm:prSet presAssocID="{D838E118-BC40-1340-9FFC-D6843513D26C}" presName="aSpace" presStyleCnt="0"/>
+      <dgm:spPr/>
+    </dgm:pt>
+    <dgm:pt modelId="{FB44E1E7-6F73-3341-B245-11798A6DEB5A}" type="pres">
+      <dgm:prSet presAssocID="{433EA925-CBDD-704C-A836-B017BA5B5A6E}" presName="compNode" presStyleCnt="0"/>
+      <dgm:spPr/>
+    </dgm:pt>
+    <dgm:pt modelId="{3E4F1E95-AA13-4148-A810-3C32EC28DC22}" type="pres">
+      <dgm:prSet presAssocID="{433EA925-CBDD-704C-A836-B017BA5B5A6E}" presName="aNode" presStyleLbl="bgShp" presStyleIdx="2" presStyleCnt="3"/>
+      <dgm:spPr/>
+    </dgm:pt>
+    <dgm:pt modelId="{575B4B2B-75A6-D048-B88E-969FEC0EB3DF}" type="pres">
+      <dgm:prSet presAssocID="{433EA925-CBDD-704C-A836-B017BA5B5A6E}" presName="textNode" presStyleLbl="bgShp" presStyleIdx="2" presStyleCnt="3"/>
+      <dgm:spPr/>
+    </dgm:pt>
+    <dgm:pt modelId="{5007C2F5-26C8-1042-95A4-38837485C84D}" type="pres">
+      <dgm:prSet presAssocID="{433EA925-CBDD-704C-A836-B017BA5B5A6E}" presName="compChildNode" presStyleCnt="0"/>
+      <dgm:spPr/>
+    </dgm:pt>
+    <dgm:pt modelId="{FEA3A34B-5345-8046-A7E6-90BF00E85BDF}" type="pres">
+      <dgm:prSet presAssocID="{433EA925-CBDD-704C-A836-B017BA5B5A6E}" presName="theInnerList" presStyleCnt="0"/>
+      <dgm:spPr/>
+    </dgm:pt>
+    <dgm:pt modelId="{EF1A1E9C-6819-834E-B4A4-D02D71368B94}" type="pres">
+      <dgm:prSet presAssocID="{F13282A0-1868-DD43-8170-9D9888BFF9FD}" presName="childNode" presStyleLbl="node1" presStyleIdx="4" presStyleCnt="6" custScaleY="193411">
+        <dgm:presLayoutVars>
+          <dgm:bulletEnabled val="1"/>
+        </dgm:presLayoutVars>
+      </dgm:prSet>
+      <dgm:spPr/>
+    </dgm:pt>
+    <dgm:pt modelId="{EACFCFC4-FEEA-0246-A77F-589088E8C6BB}" type="pres">
+      <dgm:prSet presAssocID="{F13282A0-1868-DD43-8170-9D9888BFF9FD}" presName="aSpace2" presStyleCnt="0"/>
+      <dgm:spPr/>
+    </dgm:pt>
+    <dgm:pt modelId="{34715EC8-EB7F-B14E-87CB-83ED6E14A76E}" type="pres">
+      <dgm:prSet presAssocID="{0921D624-0DEC-7F41-8D70-D61CE7B7A0BD}" presName="childNode" presStyleLbl="node1" presStyleIdx="5" presStyleCnt="6">
+        <dgm:presLayoutVars>
+          <dgm:bulletEnabled val="1"/>
+        </dgm:presLayoutVars>
+      </dgm:prSet>
+      <dgm:spPr/>
+    </dgm:pt>
+  </dgm:ptLst>
+  <dgm:cxnLst>
+    <dgm:cxn modelId="{ECA0A711-6FDF-7B47-9046-2D0E53C28AEF}" srcId="{5DB38CC5-04B9-654D-949D-8CC6A573F9A6}" destId="{6DD92CF8-7AC1-1048-8844-5CDFBC939C2D}" srcOrd="1" destOrd="0" parTransId="{70D5E6D4-AC55-4549-99A8-1E958057BA17}" sibTransId="{4277E726-4BB1-8642-9B44-1FF8E717780A}"/>
+    <dgm:cxn modelId="{E85B0813-3CA8-4243-92D7-099DB736EA24}" srcId="{3F0FE301-46C8-2E47-BEAB-683DD4A541DB}" destId="{D838E118-BC40-1340-9FFC-D6843513D26C}" srcOrd="1" destOrd="0" parTransId="{ACA5A03D-6AC4-A146-9F25-33D8F1C176F5}" sibTransId="{79A923C9-166D-6F42-B937-9E68FC5560B9}"/>
+    <dgm:cxn modelId="{BC23F315-EC33-0A47-AD94-380E2B087912}" type="presOf" srcId="{F13282A0-1868-DD43-8170-9D9888BFF9FD}" destId="{EF1A1E9C-6819-834E-B4A4-D02D71368B94}" srcOrd="0" destOrd="0" presId="urn:microsoft.com/office/officeart/2005/8/layout/lProcess2"/>
+    <dgm:cxn modelId="{FC3E9217-8A2A-5D4C-92F4-58C47C654127}" srcId="{3F0FE301-46C8-2E47-BEAB-683DD4A541DB}" destId="{433EA925-CBDD-704C-A836-B017BA5B5A6E}" srcOrd="2" destOrd="0" parTransId="{E5C07B25-0C10-C543-BCF8-9C8B1109241D}" sibTransId="{8A84F97A-2D65-CB4F-AE59-800CA487A7F6}"/>
+    <dgm:cxn modelId="{FC258822-230F-2E4F-8FB0-E6BE10CDD29E}" type="presOf" srcId="{23B2F7C9-876A-6549-B530-BDB2BE9B7839}" destId="{B3A73337-276B-0243-B95F-112EFA3B73B3}" srcOrd="0" destOrd="0" presId="urn:microsoft.com/office/officeart/2005/8/layout/lProcess2"/>
+    <dgm:cxn modelId="{3B72423D-D68F-4440-8377-11A5B56EC545}" type="presOf" srcId="{5DB38CC5-04B9-654D-949D-8CC6A573F9A6}" destId="{3A32CA97-E246-1A44-9616-FB96C0ABD8ED}" srcOrd="0" destOrd="0" presId="urn:microsoft.com/office/officeart/2005/8/layout/lProcess2"/>
+    <dgm:cxn modelId="{59CD324B-CCA7-ED4B-BEB6-8DF1CBBC5F9D}" srcId="{3F0FE301-46C8-2E47-BEAB-683DD4A541DB}" destId="{5DB38CC5-04B9-654D-949D-8CC6A573F9A6}" srcOrd="0" destOrd="0" parTransId="{6A4F7A97-5519-1D42-872A-7DD99DCA0F8B}" sibTransId="{CD82021E-E976-2940-A31C-596CB09ADA86}"/>
+    <dgm:cxn modelId="{F2F1284E-766B-9D41-97D1-D17C6B05FB39}" type="presOf" srcId="{433EA925-CBDD-704C-A836-B017BA5B5A6E}" destId="{575B4B2B-75A6-D048-B88E-969FEC0EB3DF}" srcOrd="1" destOrd="0" presId="urn:microsoft.com/office/officeart/2005/8/layout/lProcess2"/>
+    <dgm:cxn modelId="{3561D564-4CC2-5D41-9C6D-5A25A99CEF11}" type="presOf" srcId="{FB9D2FFB-8DC4-994A-8912-F57F124A804B}" destId="{066CB936-AF78-404F-B40D-33B0A2C1C2EA}" srcOrd="0" destOrd="0" presId="urn:microsoft.com/office/officeart/2005/8/layout/lProcess2"/>
+    <dgm:cxn modelId="{48C7FC6A-27EB-5144-96AD-036BBE6E33D5}" srcId="{433EA925-CBDD-704C-A836-B017BA5B5A6E}" destId="{0921D624-0DEC-7F41-8D70-D61CE7B7A0BD}" srcOrd="1" destOrd="0" parTransId="{3DF0396C-3986-F943-8B48-5E9420066454}" sibTransId="{5BC30920-ECB8-414B-A398-B4AF4CBC49A8}"/>
+    <dgm:cxn modelId="{91CAE072-FFF0-AD4F-94B6-0E42CF124AC2}" srcId="{5DB38CC5-04B9-654D-949D-8CC6A573F9A6}" destId="{FB9D2FFB-8DC4-994A-8912-F57F124A804B}" srcOrd="0" destOrd="0" parTransId="{0719A7C0-5724-4545-9D6A-3829E15B0E43}" sibTransId="{0375E0E4-31E6-D144-B580-27BEE4CCD898}"/>
+    <dgm:cxn modelId="{DACA517B-DDF0-F04B-AC85-8CE458692D0C}" type="presOf" srcId="{D838E118-BC40-1340-9FFC-D6843513D26C}" destId="{91977333-1261-E54F-A0CD-E13CAE639E32}" srcOrd="1" destOrd="0" presId="urn:microsoft.com/office/officeart/2005/8/layout/lProcess2"/>
+    <dgm:cxn modelId="{E5905A8F-5F3F-574F-82A2-F18E0514A40E}" type="presOf" srcId="{D838E118-BC40-1340-9FFC-D6843513D26C}" destId="{57B73594-B4BC-6442-9BA5-F64BCEC77E5A}" srcOrd="0" destOrd="0" presId="urn:microsoft.com/office/officeart/2005/8/layout/lProcess2"/>
+    <dgm:cxn modelId="{FA4AF490-DF4F-904F-8FF4-5CC1D23EDDB8}" type="presOf" srcId="{3F0FE301-46C8-2E47-BEAB-683DD4A541DB}" destId="{BBD32040-000B-154D-B860-64400322ED67}" srcOrd="0" destOrd="0" presId="urn:microsoft.com/office/officeart/2005/8/layout/lProcess2"/>
+    <dgm:cxn modelId="{CB2E6C99-E9D6-A54D-9E21-207D695EACCF}" type="presOf" srcId="{433EA925-CBDD-704C-A836-B017BA5B5A6E}" destId="{3E4F1E95-AA13-4148-A810-3C32EC28DC22}" srcOrd="0" destOrd="0" presId="urn:microsoft.com/office/officeart/2005/8/layout/lProcess2"/>
+    <dgm:cxn modelId="{5F3E45AE-1796-A74B-A516-D86D6AA0ACE4}" srcId="{433EA925-CBDD-704C-A836-B017BA5B5A6E}" destId="{F13282A0-1868-DD43-8170-9D9888BFF9FD}" srcOrd="0" destOrd="0" parTransId="{DF08772D-3F35-774B-A128-20A80DA12454}" sibTransId="{88D3355F-2DBD-BB44-BA61-42D5C79CCD5F}"/>
+    <dgm:cxn modelId="{0C7B65B0-C9DA-B940-AF07-4A9D8BF1F826}" srcId="{D838E118-BC40-1340-9FFC-D6843513D26C}" destId="{D0B37B0B-7928-554C-99CE-B64CEDDE43E5}" srcOrd="0" destOrd="0" parTransId="{628C50A0-C74C-164D-B6F0-3BBF6A70F195}" sibTransId="{50E67148-9017-8243-A484-EADB9FB680B8}"/>
+    <dgm:cxn modelId="{3DDB31CB-5B5F-4343-8099-0F44B4292DA5}" srcId="{D838E118-BC40-1340-9FFC-D6843513D26C}" destId="{23B2F7C9-876A-6549-B530-BDB2BE9B7839}" srcOrd="1" destOrd="0" parTransId="{5724D0E0-A12B-2C4F-BE5E-11976BDC213A}" sibTransId="{55034F92-0FB1-5243-8CE3-39F864D6556C}"/>
+    <dgm:cxn modelId="{26D890D4-715E-0042-B63D-726A317CC14F}" type="presOf" srcId="{0921D624-0DEC-7F41-8D70-D61CE7B7A0BD}" destId="{34715EC8-EB7F-B14E-87CB-83ED6E14A76E}" srcOrd="0" destOrd="0" presId="urn:microsoft.com/office/officeart/2005/8/layout/lProcess2"/>
+    <dgm:cxn modelId="{04E2ADD4-EFEF-0140-94A1-7D22EB8DA68D}" type="presOf" srcId="{D0B37B0B-7928-554C-99CE-B64CEDDE43E5}" destId="{A37E25F7-96C1-C34F-972B-AD36B2159306}" srcOrd="0" destOrd="0" presId="urn:microsoft.com/office/officeart/2005/8/layout/lProcess2"/>
+    <dgm:cxn modelId="{C583BCE3-FF1E-7E4F-ACBC-E84C5F25D983}" type="presOf" srcId="{5DB38CC5-04B9-654D-949D-8CC6A573F9A6}" destId="{E871CCC6-A4EA-8D47-8147-4C256592CEFF}" srcOrd="1" destOrd="0" presId="urn:microsoft.com/office/officeart/2005/8/layout/lProcess2"/>
+    <dgm:cxn modelId="{37466EF8-4E36-B040-BA22-63B52FCC2B02}" type="presOf" srcId="{6DD92CF8-7AC1-1048-8844-5CDFBC939C2D}" destId="{68F75405-0375-FA40-950A-CCAC4B10AD36}" srcOrd="0" destOrd="0" presId="urn:microsoft.com/office/officeart/2005/8/layout/lProcess2"/>
+    <dgm:cxn modelId="{F611B3F1-76E7-EC46-BA0C-4D065DA238E7}" type="presParOf" srcId="{BBD32040-000B-154D-B860-64400322ED67}" destId="{270082CC-BB33-F24F-823F-57F3377E9E3F}" srcOrd="0" destOrd="0" presId="urn:microsoft.com/office/officeart/2005/8/layout/lProcess2"/>
+    <dgm:cxn modelId="{3D77CCBE-8300-BE44-9260-32888D7C9E49}" type="presParOf" srcId="{270082CC-BB33-F24F-823F-57F3377E9E3F}" destId="{3A32CA97-E246-1A44-9616-FB96C0ABD8ED}" srcOrd="0" destOrd="0" presId="urn:microsoft.com/office/officeart/2005/8/layout/lProcess2"/>
+    <dgm:cxn modelId="{0352ACDC-E0E4-B140-9A38-4013ED6594B3}" type="presParOf" srcId="{270082CC-BB33-F24F-823F-57F3377E9E3F}" destId="{E871CCC6-A4EA-8D47-8147-4C256592CEFF}" srcOrd="1" destOrd="0" presId="urn:microsoft.com/office/officeart/2005/8/layout/lProcess2"/>
+    <dgm:cxn modelId="{B70CCCFB-06FF-144A-9B83-6129330FE8D7}" type="presParOf" srcId="{270082CC-BB33-F24F-823F-57F3377E9E3F}" destId="{496D9EFF-F463-2D43-AE34-4E29BC52FCB8}" srcOrd="2" destOrd="0" presId="urn:microsoft.com/office/officeart/2005/8/layout/lProcess2"/>
+    <dgm:cxn modelId="{934B0FF0-0674-5046-8858-13B4AD688130}" type="presParOf" srcId="{496D9EFF-F463-2D43-AE34-4E29BC52FCB8}" destId="{ED9812B4-0FE8-9940-80A5-619070455D22}" srcOrd="0" destOrd="0" presId="urn:microsoft.com/office/officeart/2005/8/layout/lProcess2"/>
+    <dgm:cxn modelId="{C1DF00FA-7063-4643-99AA-D9F8E83E25E6}" type="presParOf" srcId="{ED9812B4-0FE8-9940-80A5-619070455D22}" destId="{066CB936-AF78-404F-B40D-33B0A2C1C2EA}" srcOrd="0" destOrd="0" presId="urn:microsoft.com/office/officeart/2005/8/layout/lProcess2"/>
+    <dgm:cxn modelId="{F1F27DB8-7210-0948-867E-8390121D6767}" type="presParOf" srcId="{ED9812B4-0FE8-9940-80A5-619070455D22}" destId="{1BB96EB0-232D-6D40-AD48-FDEB54BB34DC}" srcOrd="1" destOrd="0" presId="urn:microsoft.com/office/officeart/2005/8/layout/lProcess2"/>
+    <dgm:cxn modelId="{36C9DFE6-230D-C040-9C98-107D288C4434}" type="presParOf" srcId="{ED9812B4-0FE8-9940-80A5-619070455D22}" destId="{68F75405-0375-FA40-950A-CCAC4B10AD36}" srcOrd="2" destOrd="0" presId="urn:microsoft.com/office/officeart/2005/8/layout/lProcess2"/>
+    <dgm:cxn modelId="{343CD78B-0A18-AA42-8506-A2075FA3E6E7}" type="presParOf" srcId="{BBD32040-000B-154D-B860-64400322ED67}" destId="{4C008951-D3A6-6740-8C5A-6B5B3D79ECDB}" srcOrd="1" destOrd="0" presId="urn:microsoft.com/office/officeart/2005/8/layout/lProcess2"/>
+    <dgm:cxn modelId="{40621E1A-BCF5-2345-8272-87FD6AC9EAB4}" type="presParOf" srcId="{BBD32040-000B-154D-B860-64400322ED67}" destId="{DEC49B31-A20C-D64A-918C-FAE803F5F8A5}" srcOrd="2" destOrd="0" presId="urn:microsoft.com/office/officeart/2005/8/layout/lProcess2"/>
+    <dgm:cxn modelId="{A478E107-A38D-C04A-80DC-219E42FAAE5F}" type="presParOf" srcId="{DEC49B31-A20C-D64A-918C-FAE803F5F8A5}" destId="{57B73594-B4BC-6442-9BA5-F64BCEC77E5A}" srcOrd="0" destOrd="0" presId="urn:microsoft.com/office/officeart/2005/8/layout/lProcess2"/>
+    <dgm:cxn modelId="{A4C7573F-7BE6-694D-BBAA-E5F8D0E090A5}" type="presParOf" srcId="{DEC49B31-A20C-D64A-918C-FAE803F5F8A5}" destId="{91977333-1261-E54F-A0CD-E13CAE639E32}" srcOrd="1" destOrd="0" presId="urn:microsoft.com/office/officeart/2005/8/layout/lProcess2"/>
+    <dgm:cxn modelId="{EC38486B-CE1E-B446-839A-991F23EA9910}" type="presParOf" srcId="{DEC49B31-A20C-D64A-918C-FAE803F5F8A5}" destId="{5B92C2EC-A124-DC4E-AA71-3D0AA9A577C3}" srcOrd="2" destOrd="0" presId="urn:microsoft.com/office/officeart/2005/8/layout/lProcess2"/>
+    <dgm:cxn modelId="{03CD06BE-4B8E-1845-A104-BA0DAEF8B284}" type="presParOf" srcId="{5B92C2EC-A124-DC4E-AA71-3D0AA9A577C3}" destId="{11A88706-1637-734A-8A0E-9C1ACD584491}" srcOrd="0" destOrd="0" presId="urn:microsoft.com/office/officeart/2005/8/layout/lProcess2"/>
+    <dgm:cxn modelId="{27084914-1385-3143-B235-076C084CE14A}" type="presParOf" srcId="{11A88706-1637-734A-8A0E-9C1ACD584491}" destId="{A37E25F7-96C1-C34F-972B-AD36B2159306}" srcOrd="0" destOrd="0" presId="urn:microsoft.com/office/officeart/2005/8/layout/lProcess2"/>
+    <dgm:cxn modelId="{8492CDD3-6257-F645-8BE7-B22C1D713888}" type="presParOf" srcId="{11A88706-1637-734A-8A0E-9C1ACD584491}" destId="{9125687D-0759-A14B-B7BD-D2817C28B5F7}" srcOrd="1" destOrd="0" presId="urn:microsoft.com/office/officeart/2005/8/layout/lProcess2"/>
+    <dgm:cxn modelId="{70CB9B8F-DA02-334F-B25F-815A518D5BF1}" type="presParOf" srcId="{11A88706-1637-734A-8A0E-9C1ACD584491}" destId="{B3A73337-276B-0243-B95F-112EFA3B73B3}" srcOrd="2" destOrd="0" presId="urn:microsoft.com/office/officeart/2005/8/layout/lProcess2"/>
+    <dgm:cxn modelId="{99FF956D-7571-2744-8AF4-F903C96F275D}" type="presParOf" srcId="{BBD32040-000B-154D-B860-64400322ED67}" destId="{977E1F37-C515-8F4D-AB22-33A2A4C79BD9}" srcOrd="3" destOrd="0" presId="urn:microsoft.com/office/officeart/2005/8/layout/lProcess2"/>
+    <dgm:cxn modelId="{04EEE655-0DE1-4C4D-8C9F-547A0A5DC59C}" type="presParOf" srcId="{BBD32040-000B-154D-B860-64400322ED67}" destId="{FB44E1E7-6F73-3341-B245-11798A6DEB5A}" srcOrd="4" destOrd="0" presId="urn:microsoft.com/office/officeart/2005/8/layout/lProcess2"/>
+    <dgm:cxn modelId="{1F073EB6-36FC-C842-BFE7-DDA6777D6C98}" type="presParOf" srcId="{FB44E1E7-6F73-3341-B245-11798A6DEB5A}" destId="{3E4F1E95-AA13-4148-A810-3C32EC28DC22}" srcOrd="0" destOrd="0" presId="urn:microsoft.com/office/officeart/2005/8/layout/lProcess2"/>
+    <dgm:cxn modelId="{D68BD7E1-A4E4-D74B-B1CC-376F864E60B5}" type="presParOf" srcId="{FB44E1E7-6F73-3341-B245-11798A6DEB5A}" destId="{575B4B2B-75A6-D048-B88E-969FEC0EB3DF}" srcOrd="1" destOrd="0" presId="urn:microsoft.com/office/officeart/2005/8/layout/lProcess2"/>
+    <dgm:cxn modelId="{48217749-272A-B44E-85E2-CA305ED96AF7}" type="presParOf" srcId="{FB44E1E7-6F73-3341-B245-11798A6DEB5A}" destId="{5007C2F5-26C8-1042-95A4-38837485C84D}" srcOrd="2" destOrd="0" presId="urn:microsoft.com/office/officeart/2005/8/layout/lProcess2"/>
+    <dgm:cxn modelId="{E205DDD1-E879-7D4C-B59F-8616DD66AB23}" type="presParOf" srcId="{5007C2F5-26C8-1042-95A4-38837485C84D}" destId="{FEA3A34B-5345-8046-A7E6-90BF00E85BDF}" srcOrd="0" destOrd="0" presId="urn:microsoft.com/office/officeart/2005/8/layout/lProcess2"/>
+    <dgm:cxn modelId="{00B43F24-8F94-E946-A945-F0BA0A4CD492}" type="presParOf" srcId="{FEA3A34B-5345-8046-A7E6-90BF00E85BDF}" destId="{EF1A1E9C-6819-834E-B4A4-D02D71368B94}" srcOrd="0" destOrd="0" presId="urn:microsoft.com/office/officeart/2005/8/layout/lProcess2"/>
+    <dgm:cxn modelId="{992525F7-EE52-F544-A93F-605C1E9963BD}" type="presParOf" srcId="{FEA3A34B-5345-8046-A7E6-90BF00E85BDF}" destId="{EACFCFC4-FEEA-0246-A77F-589088E8C6BB}" srcOrd="1" destOrd="0" presId="urn:microsoft.com/office/officeart/2005/8/layout/lProcess2"/>
+    <dgm:cxn modelId="{3E3B4FB2-0394-F441-B6DA-B929EF91D2B0}" type="presParOf" srcId="{FEA3A34B-5345-8046-A7E6-90BF00E85BDF}" destId="{34715EC8-EB7F-B14E-87CB-83ED6E14A76E}" srcOrd="2" destOrd="0" presId="urn:microsoft.com/office/officeart/2005/8/layout/lProcess2"/>
+  </dgm:cxnLst>
+  <dgm:bg/>
+  <dgm:whole/>
   <dgm:extLst>
     <a:ext uri="http://schemas.microsoft.com/office/drawing/2008/diagram">
       <dsp:dataModelExt xmlns:dsp="http://schemas.microsoft.com/office/drawing/2008/diagram" relId="rId6" minVer="http://schemas.openxmlformats.org/drawingml/2006/diagram"/>
@@ -2289,7 +4004,7 @@
         <a:ext cx="981861" cy="599670"/>
       </dsp:txXfrm>
     </dsp:sp>
-    <dsp:sp modelId="{22A83F82-A43E-9945-8FAB-05014EBCC6CC}">
+    <dsp:sp modelId="{B0065D2A-0D4E-2847-9EB1-BB33C475DA32}">
       <dsp:nvSpPr>
         <dsp:cNvPr id="0" name=""/>
         <dsp:cNvSpPr/>
@@ -2348,7 +4063,7 @@
         <a:fontRef idx="minor"/>
       </dsp:style>
     </dsp:sp>
-    <dsp:sp modelId="{583806AD-723F-954C-8D4C-ABC60012ED91}">
+    <dsp:sp modelId="{5142F75F-A34A-564A-A8C3-C8CB4737F912}">
       <dsp:nvSpPr>
         <dsp:cNvPr id="0" name=""/>
         <dsp:cNvSpPr/>
@@ -2421,7 +4136,7 @@
               <a:latin typeface="Helvetica" pitchFamily="2" charset="0"/>
               <a:cs typeface="Arial" panose="020B0604020202020204" pitchFamily="34" charset="0"/>
             </a:rPr>
-            <a:t>Filter coordinates by CORINE in R to improve accuracy</a:t>
+            <a:t>Import coordinates into GEE</a:t>
           </a:r>
         </a:p>
       </dsp:txBody>
@@ -2430,7 +4145,7 @@
         <a:ext cx="981861" cy="599670"/>
       </dsp:txXfrm>
     </dsp:sp>
-    <dsp:sp modelId="{B0065D2A-0D4E-2847-9EB1-BB33C475DA32}">
+    <dsp:sp modelId="{2BF9196C-607D-C240-B607-E0F54E873E7A}">
       <dsp:nvSpPr>
         <dsp:cNvPr id="0" name=""/>
         <dsp:cNvSpPr/>
@@ -2489,7 +4204,7 @@
         <a:fontRef idx="minor"/>
       </dsp:style>
     </dsp:sp>
-    <dsp:sp modelId="{5142F75F-A34A-564A-A8C3-C8CB4737F912}">
+    <dsp:sp modelId="{B944283A-87E2-2548-A6E9-44663D6E683F}">
       <dsp:nvSpPr>
         <dsp:cNvPr id="0" name=""/>
         <dsp:cNvSpPr/>
@@ -2562,153 +4277,26 @@
               <a:latin typeface="Helvetica" pitchFamily="2" charset="0"/>
               <a:cs typeface="Arial" panose="020B0604020202020204" pitchFamily="34" charset="0"/>
             </a:rPr>
-            <a:t>Import coordinates into GEE</a:t>
+            <a:t>Add 80 </a:t>
+          </a:r>
+          <a:r>
+            <a:rPr lang="en-US" sz="1000" kern="1200" dirty="0" err="1">
+              <a:latin typeface="Helvetica" pitchFamily="2" charset="0"/>
+              <a:cs typeface="Arial" panose="020B0604020202020204" pitchFamily="34" charset="0"/>
+            </a:rPr>
+            <a:t>metre</a:t>
+          </a:r>
+          <a:r>
+            <a:rPr lang="en-US" sz="1000" kern="1200" dirty="0">
+              <a:latin typeface="Helvetica" pitchFamily="2" charset="0"/>
+              <a:cs typeface="Arial" panose="020B0604020202020204" pitchFamily="34" charset="0"/>
+            </a:rPr>
+            <a:t> buffer around points</a:t>
           </a:r>
         </a:p>
       </dsp:txBody>
       <dsp:txXfrm>
         <a:off x="1311774" y="2409498"/>
-        <a:ext cx="981861" cy="599670"/>
-      </dsp:txXfrm>
-    </dsp:sp>
-    <dsp:sp modelId="{2BF9196C-607D-C240-B607-E0F54E873E7A}">
-      <dsp:nvSpPr>
-        <dsp:cNvPr id="0" name=""/>
-        <dsp:cNvSpPr/>
-      </dsp:nvSpPr>
-      <dsp:spPr>
-        <a:xfrm>
-          <a:off x="1165721" y="639134"/>
-          <a:ext cx="127396" cy="2866429"/>
-        </a:xfrm>
-        <a:custGeom>
-          <a:avLst/>
-          <a:gdLst/>
-          <a:ahLst/>
-          <a:cxnLst/>
-          <a:rect l="0" t="0" r="0" b="0"/>
-          <a:pathLst>
-            <a:path>
-              <a:moveTo>
-                <a:pt x="0" y="0"/>
-              </a:moveTo>
-              <a:lnTo>
-                <a:pt x="0" y="2866429"/>
-              </a:lnTo>
-              <a:lnTo>
-                <a:pt x="127396" y="2866429"/>
-              </a:lnTo>
-            </a:path>
-          </a:pathLst>
-        </a:custGeom>
-        <a:noFill/>
-        <a:ln w="12700" cap="flat" cmpd="sng" algn="ctr">
-          <a:solidFill>
-            <a:schemeClr val="dk2">
-              <a:shade val="60000"/>
-              <a:hueOff val="0"/>
-              <a:satOff val="0"/>
-              <a:lumOff val="0"/>
-              <a:alphaOff val="0"/>
-            </a:schemeClr>
-          </a:solidFill>
-          <a:prstDash val="solid"/>
-          <a:miter lim="800000"/>
-        </a:ln>
-        <a:effectLst/>
-      </dsp:spPr>
-      <dsp:style>
-        <a:lnRef idx="2">
-          <a:scrgbClr r="0" g="0" b="0"/>
-        </a:lnRef>
-        <a:fillRef idx="0">
-          <a:scrgbClr r="0" g="0" b="0"/>
-        </a:fillRef>
-        <a:effectRef idx="0">
-          <a:scrgbClr r="0" g="0" b="0"/>
-        </a:effectRef>
-        <a:fontRef idx="minor"/>
-      </dsp:style>
-    </dsp:sp>
-    <dsp:sp modelId="{B944283A-87E2-2548-A6E9-44663D6E683F}">
-      <dsp:nvSpPr>
-        <dsp:cNvPr id="0" name=""/>
-        <dsp:cNvSpPr/>
-      </dsp:nvSpPr>
-      <dsp:spPr>
-        <a:xfrm>
-          <a:off x="1293117" y="3187071"/>
-          <a:ext cx="1019175" cy="636984"/>
-        </a:xfrm>
-        <a:prstGeom prst="roundRect">
-          <a:avLst>
-            <a:gd name="adj" fmla="val 10000"/>
-          </a:avLst>
-        </a:prstGeom>
-        <a:solidFill>
-          <a:schemeClr val="lt2">
-            <a:alpha val="90000"/>
-            <a:hueOff val="0"/>
-            <a:satOff val="0"/>
-            <a:lumOff val="0"/>
-            <a:alphaOff val="0"/>
-          </a:schemeClr>
-        </a:solidFill>
-        <a:ln w="6350" cap="flat" cmpd="sng" algn="ctr">
-          <a:solidFill>
-            <a:schemeClr val="dk2">
-              <a:hueOff val="0"/>
-              <a:satOff val="0"/>
-              <a:lumOff val="0"/>
-              <a:alphaOff val="0"/>
-            </a:schemeClr>
-          </a:solidFill>
-          <a:prstDash val="solid"/>
-          <a:miter lim="800000"/>
-        </a:ln>
-        <a:effectLst/>
-      </dsp:spPr>
-      <dsp:style>
-        <a:lnRef idx="1">
-          <a:scrgbClr r="0" g="0" b="0"/>
-        </a:lnRef>
-        <a:fillRef idx="1">
-          <a:scrgbClr r="0" g="0" b="0"/>
-        </a:fillRef>
-        <a:effectRef idx="2">
-          <a:scrgbClr r="0" g="0" b="0"/>
-        </a:effectRef>
-        <a:fontRef idx="minor"/>
-      </dsp:style>
-      <dsp:txBody>
-        <a:bodyPr spcFirstLastPara="0" vert="horz" wrap="square" lIns="19050" tIns="12700" rIns="19050" bIns="12700" numCol="1" spcCol="1270" anchor="ctr" anchorCtr="0">
-          <a:noAutofit/>
-        </a:bodyPr>
-        <a:lstStyle/>
-        <a:p>
-          <a:pPr marL="0" lvl="0" indent="0" algn="ctr" defTabSz="444500">
-            <a:lnSpc>
-              <a:spcPct val="90000"/>
-            </a:lnSpc>
-            <a:spcBef>
-              <a:spcPct val="0"/>
-            </a:spcBef>
-            <a:spcAft>
-              <a:spcPct val="35000"/>
-            </a:spcAft>
-            <a:buNone/>
-          </a:pPr>
-          <a:r>
-            <a:rPr lang="en-US" sz="1000" kern="1200" dirty="0">
-              <a:latin typeface="Helvetica" pitchFamily="2" charset="0"/>
-              <a:cs typeface="Arial" panose="020B0604020202020204" pitchFamily="34" charset="0"/>
-            </a:rPr>
-            <a:t>Add buffer around points</a:t>
-          </a:r>
-        </a:p>
-      </dsp:txBody>
-      <dsp:txXfrm>
-        <a:off x="1311774" y="3205728"/>
         <a:ext cx="981861" cy="599670"/>
       </dsp:txXfrm>
     </dsp:sp>
@@ -3109,7 +4697,7 @@
               <a:latin typeface="Helvetica" pitchFamily="2" charset="0"/>
               <a:cs typeface="Arial" panose="020B0604020202020204" pitchFamily="34" charset="0"/>
             </a:rPr>
-            <a:t>Set base imagery (Landsat 5/7) and cloud correct</a:t>
+            <a:t>Set base imagery (Landsat 5) and cloud correct</a:t>
           </a:r>
         </a:p>
       </dsp:txBody>
@@ -3391,7 +4979,7 @@
               <a:latin typeface="Helvetica" pitchFamily="2" charset="0"/>
               <a:cs typeface="Arial" panose="020B0604020202020204" pitchFamily="34" charset="0"/>
             </a:rPr>
-            <a:t>Classify image with default parameters, cropping size of Latvia</a:t>
+            <a:t>Classify image with default parameters, cropping to size of Latvia</a:t>
           </a:r>
         </a:p>
       </dsp:txBody>
@@ -3680,7 +5268,7 @@
               <a:latin typeface="Helvetica" pitchFamily="2" charset="0"/>
               <a:cs typeface="Arial" panose="020B0604020202020204" pitchFamily="34" charset="0"/>
             </a:rPr>
-            <a:t>Export area, pixel values and maps for each study year</a:t>
+            <a:t>Export TIF </a:t>
           </a:r>
         </a:p>
       </dsp:txBody>
@@ -4337,6 +5925,1225 @@
       <dsp:txXfrm>
         <a:off x="6089157" y="817037"/>
         <a:ext cx="981861" cy="599670"/>
+      </dsp:txXfrm>
+    </dsp:sp>
+  </dsp:spTree>
+</dsp:drawing>
+</file>
+
+<file path=ppt/diagrams/drawing2.xml><?xml version="1.0" encoding="utf-8"?>
+<dsp:drawing xmlns:dgm="http://schemas.openxmlformats.org/drawingml/2006/diagram" xmlns:dsp="http://schemas.microsoft.com/office/drawing/2008/diagram" xmlns:a="http://schemas.openxmlformats.org/drawingml/2006/main">
+  <dsp:spTree>
+    <dsp:nvGrpSpPr>
+      <dsp:cNvPr id="0" name=""/>
+      <dsp:cNvGrpSpPr/>
+    </dsp:nvGrpSpPr>
+    <dsp:grpSpPr/>
+    <dsp:sp modelId="{3A32CA97-E246-1A44-9616-FB96C0ABD8ED}">
+      <dsp:nvSpPr>
+        <dsp:cNvPr id="0" name=""/>
+        <dsp:cNvSpPr/>
+      </dsp:nvSpPr>
+      <dsp:spPr>
+        <a:xfrm>
+          <a:off x="11" y="0"/>
+          <a:ext cx="2579687" cy="5418667"/>
+        </a:xfrm>
+        <a:prstGeom prst="roundRect">
+          <a:avLst>
+            <a:gd name="adj" fmla="val 10000"/>
+          </a:avLst>
+        </a:prstGeom>
+        <a:solidFill>
+          <a:schemeClr val="accent5">
+            <a:tint val="40000"/>
+            <a:hueOff val="0"/>
+            <a:satOff val="0"/>
+            <a:lumOff val="0"/>
+            <a:alphaOff val="0"/>
+          </a:schemeClr>
+        </a:solidFill>
+        <a:ln>
+          <a:noFill/>
+        </a:ln>
+        <a:effectLst/>
+      </dsp:spPr>
+      <dsp:style>
+        <a:lnRef idx="0">
+          <a:scrgbClr r="0" g="0" b="0"/>
+        </a:lnRef>
+        <a:fillRef idx="1">
+          <a:scrgbClr r="0" g="0" b="0"/>
+        </a:fillRef>
+        <a:effectRef idx="0">
+          <a:scrgbClr r="0" g="0" b="0"/>
+        </a:effectRef>
+        <a:fontRef idx="minor"/>
+      </dsp:style>
+      <dsp:txBody>
+        <a:bodyPr spcFirstLastPara="0" vert="horz" wrap="square" lIns="68580" tIns="68580" rIns="68580" bIns="68580" numCol="1" spcCol="1270" anchor="ctr" anchorCtr="0">
+          <a:noAutofit/>
+        </a:bodyPr>
+        <a:lstStyle/>
+        <a:p>
+          <a:pPr marL="0" lvl="0" indent="0" algn="ctr" defTabSz="800100">
+            <a:lnSpc>
+              <a:spcPct val="90000"/>
+            </a:lnSpc>
+            <a:spcBef>
+              <a:spcPct val="0"/>
+            </a:spcBef>
+            <a:spcAft>
+              <a:spcPct val="35000"/>
+            </a:spcAft>
+            <a:buNone/>
+          </a:pPr>
+          <a:r>
+            <a:rPr lang="en-US" sz="1800" b="1" kern="1200" dirty="0">
+              <a:latin typeface="Arial" panose="020B0604020202020204" pitchFamily="34" charset="0"/>
+              <a:cs typeface="Arial" panose="020B0604020202020204" pitchFamily="34" charset="0"/>
+            </a:rPr>
+            <a:t>Question 1</a:t>
+          </a:r>
+        </a:p>
+        <a:p>
+          <a:pPr marL="0" lvl="0" indent="0" algn="ctr" defTabSz="800100">
+            <a:lnSpc>
+              <a:spcPct val="90000"/>
+            </a:lnSpc>
+            <a:spcBef>
+              <a:spcPct val="0"/>
+            </a:spcBef>
+            <a:spcAft>
+              <a:spcPct val="35000"/>
+            </a:spcAft>
+            <a:buNone/>
+          </a:pPr>
+          <a:r>
+            <a:rPr lang="en-US" sz="1600" kern="1200" dirty="0">
+              <a:latin typeface="Arial" panose="020B0604020202020204" pitchFamily="34" charset="0"/>
+              <a:cs typeface="Arial" panose="020B0604020202020204" pitchFamily="34" charset="0"/>
+            </a:rPr>
+            <a:t>mod1 </a:t>
+          </a:r>
+          <a:r>
+            <a:rPr lang="en-US" sz="1600" kern="1200" dirty="0">
+              <a:latin typeface="Arial" panose="020B0604020202020204" pitchFamily="34" charset="0"/>
+              <a:cs typeface="Arial" panose="020B0604020202020204" pitchFamily="34" charset="0"/>
+              <a:sym typeface="Wingdings" pitchFamily="2" charset="2"/>
+            </a:rPr>
+            <a:t> </a:t>
+          </a:r>
+          <a:r>
+            <a:rPr lang="en-US" sz="1600" kern="1200" dirty="0" err="1">
+              <a:latin typeface="Arial" panose="020B0604020202020204" pitchFamily="34" charset="0"/>
+              <a:cs typeface="Arial" panose="020B0604020202020204" pitchFamily="34" charset="0"/>
+              <a:sym typeface="Wingdings" pitchFamily="2" charset="2"/>
+            </a:rPr>
+            <a:t>lmer</a:t>
+          </a:r>
+          <a:r>
+            <a:rPr lang="en-US" sz="1600" kern="1200" dirty="0">
+              <a:latin typeface="Arial" panose="020B0604020202020204" pitchFamily="34" charset="0"/>
+              <a:cs typeface="Arial" panose="020B0604020202020204" pitchFamily="34" charset="0"/>
+              <a:sym typeface="Wingdings" pitchFamily="2" charset="2"/>
+            </a:rPr>
+            <a:t>(area ~ year + (1| year) + (1|cell)) </a:t>
+          </a:r>
+          <a:endParaRPr lang="en-US" sz="1600" kern="1200" dirty="0">
+            <a:latin typeface="Arial" panose="020B0604020202020204" pitchFamily="34" charset="0"/>
+            <a:cs typeface="Arial" panose="020B0604020202020204" pitchFamily="34" charset="0"/>
+          </a:endParaRPr>
+        </a:p>
+      </dsp:txBody>
+      <dsp:txXfrm>
+        <a:off x="11" y="0"/>
+        <a:ext cx="2579687" cy="1625600"/>
+      </dsp:txXfrm>
+    </dsp:sp>
+    <dsp:sp modelId="{066CB936-AF78-404F-B40D-33B0A2C1C2EA}">
+      <dsp:nvSpPr>
+        <dsp:cNvPr id="0" name=""/>
+        <dsp:cNvSpPr/>
+      </dsp:nvSpPr>
+      <dsp:spPr>
+        <a:xfrm>
+          <a:off x="258176" y="1684976"/>
+          <a:ext cx="2063750" cy="2140045"/>
+        </a:xfrm>
+        <a:prstGeom prst="roundRect">
+          <a:avLst>
+            <a:gd name="adj" fmla="val 10000"/>
+          </a:avLst>
+        </a:prstGeom>
+        <a:solidFill>
+          <a:schemeClr val="lt1">
+            <a:hueOff val="0"/>
+            <a:satOff val="0"/>
+            <a:lumOff val="0"/>
+            <a:alphaOff val="0"/>
+          </a:schemeClr>
+        </a:solidFill>
+        <a:ln w="12700" cap="flat" cmpd="sng" algn="ctr">
+          <a:solidFill>
+            <a:schemeClr val="accent5">
+              <a:shade val="80000"/>
+              <a:hueOff val="0"/>
+              <a:satOff val="0"/>
+              <a:lumOff val="0"/>
+              <a:alphaOff val="0"/>
+            </a:schemeClr>
+          </a:solidFill>
+          <a:prstDash val="solid"/>
+          <a:miter lim="800000"/>
+        </a:ln>
+        <a:effectLst/>
+      </dsp:spPr>
+      <dsp:style>
+        <a:lnRef idx="2">
+          <a:scrgbClr r="0" g="0" b="0"/>
+        </a:lnRef>
+        <a:fillRef idx="1">
+          <a:scrgbClr r="0" g="0" b="0"/>
+        </a:fillRef>
+        <a:effectRef idx="0">
+          <a:scrgbClr r="0" g="0" b="0"/>
+        </a:effectRef>
+        <a:fontRef idx="minor">
+          <a:schemeClr val="lt1"/>
+        </a:fontRef>
+      </dsp:style>
+      <dsp:txBody>
+        <a:bodyPr spcFirstLastPara="0" vert="horz" wrap="square" lIns="35560" tIns="26670" rIns="35560" bIns="26670" numCol="1" spcCol="1270" anchor="t" anchorCtr="0">
+          <a:noAutofit/>
+        </a:bodyPr>
+        <a:lstStyle/>
+        <a:p>
+          <a:pPr marL="0" lvl="0" indent="0" algn="ctr" defTabSz="622300">
+            <a:lnSpc>
+              <a:spcPct val="90000"/>
+            </a:lnSpc>
+            <a:spcBef>
+              <a:spcPct val="0"/>
+            </a:spcBef>
+            <a:spcAft>
+              <a:spcPct val="35000"/>
+            </a:spcAft>
+            <a:buNone/>
+          </a:pPr>
+          <a:r>
+            <a:rPr lang="en-US" sz="1400" b="1" kern="1200" dirty="0">
+              <a:latin typeface="Arial" panose="020B0604020202020204" pitchFamily="34" charset="0"/>
+              <a:cs typeface="Arial" panose="020B0604020202020204" pitchFamily="34" charset="0"/>
+            </a:rPr>
+            <a:t>Fixed effect: </a:t>
+          </a:r>
+          <a:r>
+            <a:rPr lang="en-US" sz="1400" b="0" kern="1200" dirty="0">
+              <a:latin typeface="Arial" panose="020B0604020202020204" pitchFamily="34" charset="0"/>
+              <a:cs typeface="Arial" panose="020B0604020202020204" pitchFamily="34" charset="0"/>
+            </a:rPr>
+            <a:t>Year (study year)</a:t>
+          </a:r>
+        </a:p>
+        <a:p>
+          <a:pPr marL="0" lvl="0" indent="0" algn="ctr" defTabSz="622300">
+            <a:lnSpc>
+              <a:spcPct val="90000"/>
+            </a:lnSpc>
+            <a:spcBef>
+              <a:spcPct val="0"/>
+            </a:spcBef>
+            <a:spcAft>
+              <a:spcPct val="35000"/>
+            </a:spcAft>
+            <a:buNone/>
+          </a:pPr>
+          <a:r>
+            <a:rPr lang="en-US" sz="1400" b="1" kern="1200" dirty="0">
+              <a:latin typeface="Arial" panose="020B0604020202020204" pitchFamily="34" charset="0"/>
+              <a:cs typeface="Arial" panose="020B0604020202020204" pitchFamily="34" charset="0"/>
+            </a:rPr>
+            <a:t>Response: </a:t>
+          </a:r>
+          <a:r>
+            <a:rPr lang="en-US" sz="1400" b="0" kern="1200" dirty="0">
+              <a:latin typeface="Arial" panose="020B0604020202020204" pitchFamily="34" charset="0"/>
+              <a:cs typeface="Arial" panose="020B0604020202020204" pitchFamily="34" charset="0"/>
+            </a:rPr>
+            <a:t>Area</a:t>
+          </a:r>
+          <a:r>
+            <a:rPr lang="en-US" sz="1400" b="1" kern="1200" dirty="0">
+              <a:latin typeface="Arial" panose="020B0604020202020204" pitchFamily="34" charset="0"/>
+              <a:cs typeface="Arial" panose="020B0604020202020204" pitchFamily="34" charset="0"/>
+            </a:rPr>
+            <a:t> </a:t>
+          </a:r>
+          <a:r>
+            <a:rPr lang="en-US" sz="1400" b="0" kern="1200" dirty="0">
+              <a:latin typeface="Arial" panose="020B0604020202020204" pitchFamily="34" charset="0"/>
+              <a:cs typeface="Arial" panose="020B0604020202020204" pitchFamily="34" charset="0"/>
+            </a:rPr>
+            <a:t>(m</a:t>
+          </a:r>
+          <a:r>
+            <a:rPr lang="en-US" sz="1400" b="0" kern="1200" baseline="30000" dirty="0">
+              <a:latin typeface="Arial" panose="020B0604020202020204" pitchFamily="34" charset="0"/>
+              <a:cs typeface="Arial" panose="020B0604020202020204" pitchFamily="34" charset="0"/>
+            </a:rPr>
+            <a:t>2</a:t>
+          </a:r>
+          <a:r>
+            <a:rPr lang="en-US" sz="1400" b="0" kern="1200" baseline="0" dirty="0">
+              <a:latin typeface="Arial" panose="020B0604020202020204" pitchFamily="34" charset="0"/>
+              <a:cs typeface="Arial" panose="020B0604020202020204" pitchFamily="34" charset="0"/>
+            </a:rPr>
+            <a:t>) of each land-use </a:t>
+          </a:r>
+          <a:r>
+            <a:rPr lang="en-US" sz="1400" b="1" kern="1200" baseline="0" dirty="0">
+              <a:solidFill>
+                <a:schemeClr val="accent1">
+                  <a:lumMod val="75000"/>
+                </a:schemeClr>
+              </a:solidFill>
+              <a:latin typeface="Arial" panose="020B0604020202020204" pitchFamily="34" charset="0"/>
+              <a:cs typeface="Arial" panose="020B0604020202020204" pitchFamily="34" charset="0"/>
+            </a:rPr>
+            <a:t>type</a:t>
+          </a:r>
+          <a:r>
+            <a:rPr lang="en-US" sz="1400" b="0" kern="1200" baseline="0" dirty="0">
+              <a:latin typeface="Arial" panose="020B0604020202020204" pitchFamily="34" charset="0"/>
+              <a:cs typeface="Arial" panose="020B0604020202020204" pitchFamily="34" charset="0"/>
+            </a:rPr>
+            <a:t> </a:t>
+          </a:r>
+        </a:p>
+        <a:p>
+          <a:pPr marL="0" lvl="0" indent="0" algn="ctr" defTabSz="622300">
+            <a:lnSpc>
+              <a:spcPct val="90000"/>
+            </a:lnSpc>
+            <a:spcBef>
+              <a:spcPct val="0"/>
+            </a:spcBef>
+            <a:spcAft>
+              <a:spcPct val="35000"/>
+            </a:spcAft>
+            <a:buFont typeface="+mj-lt"/>
+            <a:buNone/>
+          </a:pPr>
+          <a:r>
+            <a:rPr lang="en-US" sz="1400" b="1" kern="1200" dirty="0">
+              <a:latin typeface="Arial" panose="020B0604020202020204" pitchFamily="34" charset="0"/>
+              <a:cs typeface="Arial" panose="020B0604020202020204" pitchFamily="34" charset="0"/>
+            </a:rPr>
+            <a:t>Random effects</a:t>
+          </a:r>
+          <a:r>
+            <a:rPr lang="en-US" sz="1400" b="0" kern="1200" dirty="0">
+              <a:latin typeface="Arial" panose="020B0604020202020204" pitchFamily="34" charset="0"/>
+              <a:cs typeface="Arial" panose="020B0604020202020204" pitchFamily="34" charset="0"/>
+            </a:rPr>
+            <a:t>: Year (study year) and cell (ID) to account for spatial and temporal autocorrelation</a:t>
+          </a:r>
+          <a:endParaRPr lang="en-US" sz="1400" b="1" kern="1200" dirty="0">
+            <a:latin typeface="Arial" panose="020B0604020202020204" pitchFamily="34" charset="0"/>
+            <a:cs typeface="Arial" panose="020B0604020202020204" pitchFamily="34" charset="0"/>
+          </a:endParaRPr>
+        </a:p>
+      </dsp:txBody>
+      <dsp:txXfrm>
+        <a:off x="318621" y="1745421"/>
+        <a:ext cx="1942860" cy="2019155"/>
+      </dsp:txXfrm>
+    </dsp:sp>
+    <dsp:sp modelId="{68F75405-0375-FA40-950A-CCAC4B10AD36}">
+      <dsp:nvSpPr>
+        <dsp:cNvPr id="0" name=""/>
+        <dsp:cNvSpPr/>
+      </dsp:nvSpPr>
+      <dsp:spPr>
+        <a:xfrm>
+          <a:off x="258960" y="4093269"/>
+          <a:ext cx="2063750" cy="1054395"/>
+        </a:xfrm>
+        <a:prstGeom prst="roundRect">
+          <a:avLst>
+            <a:gd name="adj" fmla="val 10000"/>
+          </a:avLst>
+        </a:prstGeom>
+        <a:solidFill>
+          <a:schemeClr val="lt1">
+            <a:hueOff val="0"/>
+            <a:satOff val="0"/>
+            <a:lumOff val="0"/>
+            <a:alphaOff val="0"/>
+          </a:schemeClr>
+        </a:solidFill>
+        <a:ln w="12700" cap="flat" cmpd="sng" algn="ctr">
+          <a:solidFill>
+            <a:schemeClr val="accent5">
+              <a:shade val="80000"/>
+              <a:hueOff val="0"/>
+              <a:satOff val="0"/>
+              <a:lumOff val="0"/>
+              <a:alphaOff val="0"/>
+            </a:schemeClr>
+          </a:solidFill>
+          <a:prstDash val="solid"/>
+          <a:miter lim="800000"/>
+        </a:ln>
+        <a:effectLst/>
+      </dsp:spPr>
+      <dsp:style>
+        <a:lnRef idx="2">
+          <a:scrgbClr r="0" g="0" b="0"/>
+        </a:lnRef>
+        <a:fillRef idx="1">
+          <a:scrgbClr r="0" g="0" b="0"/>
+        </a:fillRef>
+        <a:effectRef idx="0">
+          <a:scrgbClr r="0" g="0" b="0"/>
+        </a:effectRef>
+        <a:fontRef idx="minor">
+          <a:schemeClr val="lt1"/>
+        </a:fontRef>
+      </dsp:style>
+      <dsp:txBody>
+        <a:bodyPr spcFirstLastPara="0" vert="horz" wrap="square" lIns="35560" tIns="26670" rIns="35560" bIns="26670" numCol="1" spcCol="1270" anchor="ctr" anchorCtr="0">
+          <a:noAutofit/>
+        </a:bodyPr>
+        <a:lstStyle/>
+        <a:p>
+          <a:pPr marL="0" lvl="0" indent="0" algn="ctr" defTabSz="622300">
+            <a:lnSpc>
+              <a:spcPct val="90000"/>
+            </a:lnSpc>
+            <a:spcBef>
+              <a:spcPct val="0"/>
+            </a:spcBef>
+            <a:spcAft>
+              <a:spcPct val="35000"/>
+            </a:spcAft>
+            <a:buNone/>
+          </a:pPr>
+          <a:r>
+            <a:rPr lang="en-US" sz="1400" b="1" kern="1200" dirty="0">
+              <a:latin typeface="Arial" panose="020B0604020202020204" pitchFamily="34" charset="0"/>
+              <a:cs typeface="Arial" panose="020B0604020202020204" pitchFamily="34" charset="0"/>
+            </a:rPr>
+            <a:t>Effect sizes </a:t>
+          </a:r>
+          <a:r>
+            <a:rPr lang="en-US" sz="1400" b="0" kern="1200" dirty="0">
+              <a:latin typeface="Arial" panose="020B0604020202020204" pitchFamily="34" charset="0"/>
+              <a:cs typeface="Arial" panose="020B0604020202020204" pitchFamily="34" charset="0"/>
+            </a:rPr>
+            <a:t>of each tested metric. </a:t>
+          </a:r>
+        </a:p>
+      </dsp:txBody>
+      <dsp:txXfrm>
+        <a:off x="289842" y="4124151"/>
+        <a:ext cx="2001986" cy="992631"/>
+      </dsp:txXfrm>
+    </dsp:sp>
+    <dsp:sp modelId="{57B73594-B4BC-6442-9BA5-F64BCEC77E5A}">
+      <dsp:nvSpPr>
+        <dsp:cNvPr id="0" name=""/>
+        <dsp:cNvSpPr/>
+      </dsp:nvSpPr>
+      <dsp:spPr>
+        <a:xfrm>
+          <a:off x="2774156" y="0"/>
+          <a:ext cx="2579687" cy="5418667"/>
+        </a:xfrm>
+        <a:prstGeom prst="roundRect">
+          <a:avLst>
+            <a:gd name="adj" fmla="val 10000"/>
+          </a:avLst>
+        </a:prstGeom>
+        <a:solidFill>
+          <a:schemeClr val="accent5">
+            <a:tint val="40000"/>
+            <a:hueOff val="0"/>
+            <a:satOff val="0"/>
+            <a:lumOff val="0"/>
+            <a:alphaOff val="0"/>
+          </a:schemeClr>
+        </a:solidFill>
+        <a:ln>
+          <a:noFill/>
+        </a:ln>
+        <a:effectLst/>
+      </dsp:spPr>
+      <dsp:style>
+        <a:lnRef idx="0">
+          <a:scrgbClr r="0" g="0" b="0"/>
+        </a:lnRef>
+        <a:fillRef idx="1">
+          <a:scrgbClr r="0" g="0" b="0"/>
+        </a:fillRef>
+        <a:effectRef idx="0">
+          <a:scrgbClr r="0" g="0" b="0"/>
+        </a:effectRef>
+        <a:fontRef idx="minor"/>
+      </dsp:style>
+      <dsp:txBody>
+        <a:bodyPr spcFirstLastPara="0" vert="horz" wrap="square" lIns="68580" tIns="68580" rIns="68580" bIns="68580" numCol="1" spcCol="1270" anchor="ctr" anchorCtr="0">
+          <a:noAutofit/>
+        </a:bodyPr>
+        <a:lstStyle/>
+        <a:p>
+          <a:pPr marL="0" lvl="0" indent="0" algn="ctr" defTabSz="800100">
+            <a:lnSpc>
+              <a:spcPct val="90000"/>
+            </a:lnSpc>
+            <a:spcBef>
+              <a:spcPct val="0"/>
+            </a:spcBef>
+            <a:spcAft>
+              <a:spcPct val="35000"/>
+            </a:spcAft>
+            <a:buNone/>
+          </a:pPr>
+          <a:r>
+            <a:rPr lang="en-US" sz="1800" b="1" kern="1200" dirty="0">
+              <a:latin typeface="Arial" panose="020B0604020202020204" pitchFamily="34" charset="0"/>
+              <a:cs typeface="Arial" panose="020B0604020202020204" pitchFamily="34" charset="0"/>
+            </a:rPr>
+            <a:t>Question 2</a:t>
+          </a:r>
+        </a:p>
+        <a:p>
+          <a:pPr marL="0" lvl="0" indent="0" algn="ctr" defTabSz="800100">
+            <a:lnSpc>
+              <a:spcPct val="90000"/>
+            </a:lnSpc>
+            <a:spcBef>
+              <a:spcPct val="0"/>
+            </a:spcBef>
+            <a:spcAft>
+              <a:spcPct val="35000"/>
+            </a:spcAft>
+            <a:buNone/>
+          </a:pPr>
+          <a:r>
+            <a:rPr lang="en-US" sz="1600" kern="1200" dirty="0">
+              <a:latin typeface="Arial" panose="020B0604020202020204" pitchFamily="34" charset="0"/>
+              <a:cs typeface="Arial" panose="020B0604020202020204" pitchFamily="34" charset="0"/>
+            </a:rPr>
+            <a:t>mod2 </a:t>
+          </a:r>
+          <a:r>
+            <a:rPr lang="en-US" sz="1600" kern="1200" dirty="0">
+              <a:latin typeface="Arial" panose="020B0604020202020204" pitchFamily="34" charset="0"/>
+              <a:cs typeface="Arial" panose="020B0604020202020204" pitchFamily="34" charset="0"/>
+              <a:sym typeface="Wingdings" pitchFamily="2" charset="2"/>
+            </a:rPr>
+            <a:t> </a:t>
+          </a:r>
+          <a:r>
+            <a:rPr lang="en-US" sz="1600" kern="1200" dirty="0" err="1">
+              <a:latin typeface="Arial" panose="020B0604020202020204" pitchFamily="34" charset="0"/>
+              <a:cs typeface="Arial" panose="020B0604020202020204" pitchFamily="34" charset="0"/>
+              <a:sym typeface="Wingdings" pitchFamily="2" charset="2"/>
+            </a:rPr>
+            <a:t>lmer</a:t>
+          </a:r>
+          <a:r>
+            <a:rPr lang="en-US" sz="1600" kern="1200" dirty="0">
+              <a:latin typeface="Arial" panose="020B0604020202020204" pitchFamily="34" charset="0"/>
+              <a:cs typeface="Arial" panose="020B0604020202020204" pitchFamily="34" charset="0"/>
+              <a:sym typeface="Wingdings" pitchFamily="2" charset="2"/>
+            </a:rPr>
+            <a:t>(area ~ year + (1| year) + (1|cell)) </a:t>
+          </a:r>
+          <a:endParaRPr lang="en-US" sz="1600" kern="1200" dirty="0"/>
+        </a:p>
+      </dsp:txBody>
+      <dsp:txXfrm>
+        <a:off x="2774156" y="0"/>
+        <a:ext cx="2579687" cy="1625600"/>
+      </dsp:txXfrm>
+    </dsp:sp>
+    <dsp:sp modelId="{A37E25F7-96C1-C34F-972B-AD36B2159306}">
+      <dsp:nvSpPr>
+        <dsp:cNvPr id="0" name=""/>
+        <dsp:cNvSpPr/>
+      </dsp:nvSpPr>
+      <dsp:spPr>
+        <a:xfrm>
+          <a:off x="3032125" y="1611818"/>
+          <a:ext cx="2063750" cy="2195029"/>
+        </a:xfrm>
+        <a:prstGeom prst="roundRect">
+          <a:avLst>
+            <a:gd name="adj" fmla="val 10000"/>
+          </a:avLst>
+        </a:prstGeom>
+        <a:solidFill>
+          <a:schemeClr val="lt1">
+            <a:hueOff val="0"/>
+            <a:satOff val="0"/>
+            <a:lumOff val="0"/>
+            <a:alphaOff val="0"/>
+          </a:schemeClr>
+        </a:solidFill>
+        <a:ln w="12700" cap="flat" cmpd="sng" algn="ctr">
+          <a:solidFill>
+            <a:schemeClr val="accent5">
+              <a:shade val="80000"/>
+              <a:hueOff val="0"/>
+              <a:satOff val="0"/>
+              <a:lumOff val="0"/>
+              <a:alphaOff val="0"/>
+            </a:schemeClr>
+          </a:solidFill>
+          <a:prstDash val="solid"/>
+          <a:miter lim="800000"/>
+        </a:ln>
+        <a:effectLst/>
+      </dsp:spPr>
+      <dsp:style>
+        <a:lnRef idx="2">
+          <a:scrgbClr r="0" g="0" b="0"/>
+        </a:lnRef>
+        <a:fillRef idx="1">
+          <a:scrgbClr r="0" g="0" b="0"/>
+        </a:fillRef>
+        <a:effectRef idx="0">
+          <a:scrgbClr r="0" g="0" b="0"/>
+        </a:effectRef>
+        <a:fontRef idx="minor">
+          <a:schemeClr val="lt1"/>
+        </a:fontRef>
+      </dsp:style>
+      <dsp:txBody>
+        <a:bodyPr spcFirstLastPara="0" vert="horz" wrap="square" lIns="35560" tIns="26670" rIns="35560" bIns="26670" numCol="1" spcCol="1270" anchor="ctr" anchorCtr="0">
+          <a:noAutofit/>
+        </a:bodyPr>
+        <a:lstStyle/>
+        <a:p>
+          <a:pPr marL="0" lvl="0" indent="0" algn="ctr" defTabSz="622300">
+            <a:lnSpc>
+              <a:spcPct val="90000"/>
+            </a:lnSpc>
+            <a:spcBef>
+              <a:spcPct val="0"/>
+            </a:spcBef>
+            <a:spcAft>
+              <a:spcPct val="35000"/>
+            </a:spcAft>
+            <a:buNone/>
+          </a:pPr>
+          <a:r>
+            <a:rPr lang="en-US" sz="1400" b="1" kern="1200" dirty="0">
+              <a:latin typeface="Arial" panose="020B0604020202020204" pitchFamily="34" charset="0"/>
+              <a:cs typeface="Arial" panose="020B0604020202020204" pitchFamily="34" charset="0"/>
+            </a:rPr>
+            <a:t>Fixed effect: </a:t>
+          </a:r>
+          <a:r>
+            <a:rPr lang="en-US" sz="1400" b="0" kern="1200" dirty="0">
+              <a:latin typeface="Arial" panose="020B0604020202020204" pitchFamily="34" charset="0"/>
+              <a:cs typeface="Arial" panose="020B0604020202020204" pitchFamily="34" charset="0"/>
+            </a:rPr>
+            <a:t>Year (study year)</a:t>
+          </a:r>
+        </a:p>
+        <a:p>
+          <a:pPr marL="0" lvl="0" indent="0" algn="ctr" defTabSz="622300">
+            <a:lnSpc>
+              <a:spcPct val="90000"/>
+            </a:lnSpc>
+            <a:spcBef>
+              <a:spcPct val="0"/>
+            </a:spcBef>
+            <a:spcAft>
+              <a:spcPct val="35000"/>
+            </a:spcAft>
+            <a:buNone/>
+          </a:pPr>
+          <a:r>
+            <a:rPr lang="en-US" sz="1400" b="1" kern="1200" dirty="0">
+              <a:latin typeface="Arial" panose="020B0604020202020204" pitchFamily="34" charset="0"/>
+              <a:cs typeface="Arial" panose="020B0604020202020204" pitchFamily="34" charset="0"/>
+            </a:rPr>
+            <a:t>Response: </a:t>
+          </a:r>
+          <a:r>
+            <a:rPr lang="en-US" sz="1400" b="0" kern="1200" dirty="0">
+              <a:latin typeface="Arial" panose="020B0604020202020204" pitchFamily="34" charset="0"/>
+              <a:cs typeface="Arial" panose="020B0604020202020204" pitchFamily="34" charset="0"/>
+            </a:rPr>
+            <a:t>Area</a:t>
+          </a:r>
+          <a:r>
+            <a:rPr lang="en-US" sz="1400" b="1" kern="1200" dirty="0">
+              <a:latin typeface="Arial" panose="020B0604020202020204" pitchFamily="34" charset="0"/>
+              <a:cs typeface="Arial" panose="020B0604020202020204" pitchFamily="34" charset="0"/>
+            </a:rPr>
+            <a:t> </a:t>
+          </a:r>
+          <a:r>
+            <a:rPr lang="en-US" sz="1400" b="0" kern="1200" dirty="0">
+              <a:latin typeface="Arial" panose="020B0604020202020204" pitchFamily="34" charset="0"/>
+              <a:cs typeface="Arial" panose="020B0604020202020204" pitchFamily="34" charset="0"/>
+            </a:rPr>
+            <a:t>(m</a:t>
+          </a:r>
+          <a:r>
+            <a:rPr lang="en-US" sz="1400" b="0" kern="1200" baseline="30000" dirty="0">
+              <a:latin typeface="Arial" panose="020B0604020202020204" pitchFamily="34" charset="0"/>
+              <a:cs typeface="Arial" panose="020B0604020202020204" pitchFamily="34" charset="0"/>
+            </a:rPr>
+            <a:t>2</a:t>
+          </a:r>
+          <a:r>
+            <a:rPr lang="en-US" sz="1400" b="0" kern="1200" baseline="0" dirty="0">
+              <a:latin typeface="Arial" panose="020B0604020202020204" pitchFamily="34" charset="0"/>
+              <a:cs typeface="Arial" panose="020B0604020202020204" pitchFamily="34" charset="0"/>
+            </a:rPr>
+            <a:t>) of each land-use </a:t>
+          </a:r>
+          <a:r>
+            <a:rPr lang="en-US" sz="1400" b="1" kern="1200" baseline="0" dirty="0">
+              <a:solidFill>
+                <a:schemeClr val="accent1">
+                  <a:lumMod val="75000"/>
+                </a:schemeClr>
+              </a:solidFill>
+              <a:latin typeface="Arial" panose="020B0604020202020204" pitchFamily="34" charset="0"/>
+              <a:cs typeface="Arial" panose="020B0604020202020204" pitchFamily="34" charset="0"/>
+            </a:rPr>
+            <a:t>transition</a:t>
+          </a:r>
+          <a:r>
+            <a:rPr lang="en-US" sz="1400" b="0" kern="1200" baseline="0" dirty="0">
+              <a:latin typeface="Arial" panose="020B0604020202020204" pitchFamily="34" charset="0"/>
+              <a:cs typeface="Arial" panose="020B0604020202020204" pitchFamily="34" charset="0"/>
+            </a:rPr>
+            <a:t> </a:t>
+          </a:r>
+        </a:p>
+        <a:p>
+          <a:pPr marL="0" lvl="0" indent="0" algn="ctr" defTabSz="622300">
+            <a:lnSpc>
+              <a:spcPct val="90000"/>
+            </a:lnSpc>
+            <a:spcBef>
+              <a:spcPct val="0"/>
+            </a:spcBef>
+            <a:spcAft>
+              <a:spcPct val="35000"/>
+            </a:spcAft>
+            <a:buNone/>
+          </a:pPr>
+          <a:r>
+            <a:rPr lang="en-US" sz="1400" b="1" kern="1200" dirty="0">
+              <a:latin typeface="Arial" panose="020B0604020202020204" pitchFamily="34" charset="0"/>
+              <a:cs typeface="Arial" panose="020B0604020202020204" pitchFamily="34" charset="0"/>
+            </a:rPr>
+            <a:t>Random effects</a:t>
+          </a:r>
+          <a:r>
+            <a:rPr lang="en-US" sz="1400" b="0" kern="1200" dirty="0">
+              <a:latin typeface="Arial" panose="020B0604020202020204" pitchFamily="34" charset="0"/>
+              <a:cs typeface="Arial" panose="020B0604020202020204" pitchFamily="34" charset="0"/>
+            </a:rPr>
+            <a:t>: Year (study year) and cell (ID) to account for spatial and temporal autocorrelation</a:t>
+          </a:r>
+          <a:endParaRPr lang="en-US" sz="1400" kern="1200" dirty="0"/>
+        </a:p>
+      </dsp:txBody>
+      <dsp:txXfrm>
+        <a:off x="3092570" y="1672263"/>
+        <a:ext cx="1942860" cy="2074139"/>
+      </dsp:txXfrm>
+    </dsp:sp>
+    <dsp:sp modelId="{B3A73337-276B-0243-B95F-112EFA3B73B3}">
+      <dsp:nvSpPr>
+        <dsp:cNvPr id="0" name=""/>
+        <dsp:cNvSpPr/>
+      </dsp:nvSpPr>
+      <dsp:spPr>
+        <a:xfrm>
+          <a:off x="3032125" y="4062330"/>
+          <a:ext cx="2063750" cy="1095675"/>
+        </a:xfrm>
+        <a:prstGeom prst="roundRect">
+          <a:avLst>
+            <a:gd name="adj" fmla="val 10000"/>
+          </a:avLst>
+        </a:prstGeom>
+        <a:solidFill>
+          <a:schemeClr val="lt1">
+            <a:hueOff val="0"/>
+            <a:satOff val="0"/>
+            <a:lumOff val="0"/>
+            <a:alphaOff val="0"/>
+          </a:schemeClr>
+        </a:solidFill>
+        <a:ln w="12700" cap="flat" cmpd="sng" algn="ctr">
+          <a:solidFill>
+            <a:schemeClr val="accent5">
+              <a:shade val="80000"/>
+              <a:hueOff val="0"/>
+              <a:satOff val="0"/>
+              <a:lumOff val="0"/>
+              <a:alphaOff val="0"/>
+            </a:schemeClr>
+          </a:solidFill>
+          <a:prstDash val="solid"/>
+          <a:miter lim="800000"/>
+        </a:ln>
+        <a:effectLst/>
+      </dsp:spPr>
+      <dsp:style>
+        <a:lnRef idx="2">
+          <a:scrgbClr r="0" g="0" b="0"/>
+        </a:lnRef>
+        <a:fillRef idx="1">
+          <a:scrgbClr r="0" g="0" b="0"/>
+        </a:fillRef>
+        <a:effectRef idx="0">
+          <a:scrgbClr r="0" g="0" b="0"/>
+        </a:effectRef>
+        <a:fontRef idx="minor">
+          <a:schemeClr val="lt1"/>
+        </a:fontRef>
+      </dsp:style>
+      <dsp:txBody>
+        <a:bodyPr spcFirstLastPara="0" vert="horz" wrap="square" lIns="35560" tIns="26670" rIns="35560" bIns="26670" numCol="1" spcCol="1270" anchor="ctr" anchorCtr="0">
+          <a:noAutofit/>
+        </a:bodyPr>
+        <a:lstStyle/>
+        <a:p>
+          <a:pPr marL="0" lvl="0" indent="0" algn="ctr" defTabSz="622300">
+            <a:lnSpc>
+              <a:spcPct val="90000"/>
+            </a:lnSpc>
+            <a:spcBef>
+              <a:spcPct val="0"/>
+            </a:spcBef>
+            <a:spcAft>
+              <a:spcPct val="35000"/>
+            </a:spcAft>
+            <a:buNone/>
+          </a:pPr>
+          <a:r>
+            <a:rPr lang="en-US" sz="1400" b="1" kern="1200" dirty="0">
+              <a:latin typeface="Arial" panose="020B0604020202020204" pitchFamily="34" charset="0"/>
+              <a:cs typeface="Arial" panose="020B0604020202020204" pitchFamily="34" charset="0"/>
+            </a:rPr>
+            <a:t>Effect sizes </a:t>
+          </a:r>
+          <a:r>
+            <a:rPr lang="en-US" sz="1400" b="0" kern="1200" dirty="0">
+              <a:latin typeface="Arial" panose="020B0604020202020204" pitchFamily="34" charset="0"/>
+              <a:cs typeface="Arial" panose="020B0604020202020204" pitchFamily="34" charset="0"/>
+            </a:rPr>
+            <a:t>of each tested metric. </a:t>
+          </a:r>
+          <a:endParaRPr lang="en-US" sz="1400" kern="1200" dirty="0"/>
+        </a:p>
+      </dsp:txBody>
+      <dsp:txXfrm>
+        <a:off x="3064216" y="4094421"/>
+        <a:ext cx="1999568" cy="1031493"/>
+      </dsp:txXfrm>
+    </dsp:sp>
+    <dsp:sp modelId="{3E4F1E95-AA13-4148-A810-3C32EC28DC22}">
+      <dsp:nvSpPr>
+        <dsp:cNvPr id="0" name=""/>
+        <dsp:cNvSpPr/>
+      </dsp:nvSpPr>
+      <dsp:spPr>
+        <a:xfrm>
+          <a:off x="5547320" y="0"/>
+          <a:ext cx="2579687" cy="5418667"/>
+        </a:xfrm>
+        <a:prstGeom prst="roundRect">
+          <a:avLst>
+            <a:gd name="adj" fmla="val 10000"/>
+          </a:avLst>
+        </a:prstGeom>
+        <a:solidFill>
+          <a:schemeClr val="accent5">
+            <a:tint val="40000"/>
+            <a:hueOff val="0"/>
+            <a:satOff val="0"/>
+            <a:lumOff val="0"/>
+            <a:alphaOff val="0"/>
+          </a:schemeClr>
+        </a:solidFill>
+        <a:ln>
+          <a:noFill/>
+        </a:ln>
+        <a:effectLst/>
+      </dsp:spPr>
+      <dsp:style>
+        <a:lnRef idx="0">
+          <a:scrgbClr r="0" g="0" b="0"/>
+        </a:lnRef>
+        <a:fillRef idx="1">
+          <a:scrgbClr r="0" g="0" b="0"/>
+        </a:fillRef>
+        <a:effectRef idx="0">
+          <a:scrgbClr r="0" g="0" b="0"/>
+        </a:effectRef>
+        <a:fontRef idx="minor"/>
+      </dsp:style>
+      <dsp:txBody>
+        <a:bodyPr spcFirstLastPara="0" vert="horz" wrap="square" lIns="68580" tIns="68580" rIns="68580" bIns="68580" numCol="1" spcCol="1270" anchor="ctr" anchorCtr="0">
+          <a:noAutofit/>
+        </a:bodyPr>
+        <a:lstStyle/>
+        <a:p>
+          <a:pPr marL="0" lvl="0" indent="0" algn="ctr" defTabSz="800100">
+            <a:lnSpc>
+              <a:spcPct val="90000"/>
+            </a:lnSpc>
+            <a:spcBef>
+              <a:spcPct val="0"/>
+            </a:spcBef>
+            <a:spcAft>
+              <a:spcPct val="35000"/>
+            </a:spcAft>
+            <a:buNone/>
+          </a:pPr>
+          <a:r>
+            <a:rPr lang="en-US" sz="1800" b="1" kern="1200" dirty="0">
+              <a:latin typeface="Arial" panose="020B0604020202020204" pitchFamily="34" charset="0"/>
+              <a:cs typeface="Arial" panose="020B0604020202020204" pitchFamily="34" charset="0"/>
+            </a:rPr>
+            <a:t>Question 3</a:t>
+          </a:r>
+        </a:p>
+        <a:p>
+          <a:pPr marL="0" lvl="0" indent="0" algn="ctr" defTabSz="800100">
+            <a:lnSpc>
+              <a:spcPct val="90000"/>
+            </a:lnSpc>
+            <a:spcBef>
+              <a:spcPct val="0"/>
+            </a:spcBef>
+            <a:spcAft>
+              <a:spcPct val="35000"/>
+            </a:spcAft>
+            <a:buNone/>
+          </a:pPr>
+          <a:r>
+            <a:rPr lang="en-US" sz="1600" kern="1200" dirty="0">
+              <a:latin typeface="Arial" panose="020B0604020202020204" pitchFamily="34" charset="0"/>
+              <a:cs typeface="Arial" panose="020B0604020202020204" pitchFamily="34" charset="0"/>
+            </a:rPr>
+            <a:t>mod3 </a:t>
+          </a:r>
+          <a:r>
+            <a:rPr lang="en-US" sz="1600" kern="1200" dirty="0">
+              <a:latin typeface="Arial" panose="020B0604020202020204" pitchFamily="34" charset="0"/>
+              <a:cs typeface="Arial" panose="020B0604020202020204" pitchFamily="34" charset="0"/>
+              <a:sym typeface="Wingdings" pitchFamily="2" charset="2"/>
+            </a:rPr>
+            <a:t> </a:t>
+          </a:r>
+          <a:r>
+            <a:rPr lang="en-US" sz="1600" kern="1200" dirty="0" err="1">
+              <a:latin typeface="Arial" panose="020B0604020202020204" pitchFamily="34" charset="0"/>
+              <a:cs typeface="Arial" panose="020B0604020202020204" pitchFamily="34" charset="0"/>
+              <a:sym typeface="Wingdings" pitchFamily="2" charset="2"/>
+            </a:rPr>
+            <a:t>lm</a:t>
+          </a:r>
+          <a:r>
+            <a:rPr lang="en-US" sz="1600" kern="1200" dirty="0">
+              <a:latin typeface="Arial" panose="020B0604020202020204" pitchFamily="34" charset="0"/>
+              <a:cs typeface="Arial" panose="020B0604020202020204" pitchFamily="34" charset="0"/>
+              <a:sym typeface="Wingdings" pitchFamily="2" charset="2"/>
+            </a:rPr>
+            <a:t>(</a:t>
+          </a:r>
+          <a:r>
+            <a:rPr lang="en-US" sz="1600" kern="1200" dirty="0" err="1">
+              <a:latin typeface="Arial" panose="020B0604020202020204" pitchFamily="34" charset="0"/>
+              <a:cs typeface="Arial" panose="020B0604020202020204" pitchFamily="34" charset="0"/>
+              <a:sym typeface="Wingdings" pitchFamily="2" charset="2"/>
+            </a:rPr>
+            <a:t>years_since</a:t>
+          </a:r>
+          <a:r>
+            <a:rPr lang="en-US" sz="1600" kern="1200" dirty="0">
+              <a:latin typeface="Arial" panose="020B0604020202020204" pitchFamily="34" charset="0"/>
+              <a:cs typeface="Arial" panose="020B0604020202020204" pitchFamily="34" charset="0"/>
+              <a:sym typeface="Wingdings" pitchFamily="2" charset="2"/>
+            </a:rPr>
+            <a:t> ~ </a:t>
+          </a:r>
+          <a:r>
+            <a:rPr lang="en-US" sz="1600" kern="1200">
+              <a:latin typeface="Arial" panose="020B0604020202020204" pitchFamily="34" charset="0"/>
+              <a:cs typeface="Arial" panose="020B0604020202020204" pitchFamily="34" charset="0"/>
+              <a:sym typeface="Wingdings" pitchFamily="2" charset="2"/>
+            </a:rPr>
+            <a:t>1)*</a:t>
+          </a:r>
+          <a:endParaRPr lang="en-US" sz="1600" kern="1200" dirty="0"/>
+        </a:p>
+      </dsp:txBody>
+      <dsp:txXfrm>
+        <a:off x="5547320" y="0"/>
+        <a:ext cx="2579687" cy="1625600"/>
+      </dsp:txXfrm>
+    </dsp:sp>
+    <dsp:sp modelId="{EF1A1E9C-6819-834E-B4A4-D02D71368B94}">
+      <dsp:nvSpPr>
+        <dsp:cNvPr id="0" name=""/>
+        <dsp:cNvSpPr/>
+      </dsp:nvSpPr>
+      <dsp:spPr>
+        <a:xfrm>
+          <a:off x="5805289" y="1626189"/>
+          <a:ext cx="2063750" cy="2205314"/>
+        </a:xfrm>
+        <a:prstGeom prst="roundRect">
+          <a:avLst>
+            <a:gd name="adj" fmla="val 10000"/>
+          </a:avLst>
+        </a:prstGeom>
+        <a:solidFill>
+          <a:schemeClr val="lt1">
+            <a:hueOff val="0"/>
+            <a:satOff val="0"/>
+            <a:lumOff val="0"/>
+            <a:alphaOff val="0"/>
+          </a:schemeClr>
+        </a:solidFill>
+        <a:ln w="12700" cap="flat" cmpd="sng" algn="ctr">
+          <a:solidFill>
+            <a:schemeClr val="accent5">
+              <a:shade val="80000"/>
+              <a:hueOff val="0"/>
+              <a:satOff val="0"/>
+              <a:lumOff val="0"/>
+              <a:alphaOff val="0"/>
+            </a:schemeClr>
+          </a:solidFill>
+          <a:prstDash val="solid"/>
+          <a:miter lim="800000"/>
+        </a:ln>
+        <a:effectLst/>
+      </dsp:spPr>
+      <dsp:style>
+        <a:lnRef idx="2">
+          <a:scrgbClr r="0" g="0" b="0"/>
+        </a:lnRef>
+        <a:fillRef idx="1">
+          <a:scrgbClr r="0" g="0" b="0"/>
+        </a:fillRef>
+        <a:effectRef idx="0">
+          <a:scrgbClr r="0" g="0" b="0"/>
+        </a:effectRef>
+        <a:fontRef idx="minor">
+          <a:schemeClr val="lt1"/>
+        </a:fontRef>
+      </dsp:style>
+      <dsp:txBody>
+        <a:bodyPr spcFirstLastPara="0" vert="horz" wrap="square" lIns="35560" tIns="26670" rIns="35560" bIns="26670" numCol="1" spcCol="1270" anchor="ctr" anchorCtr="0">
+          <a:noAutofit/>
+        </a:bodyPr>
+        <a:lstStyle/>
+        <a:p>
+          <a:pPr marL="0" lvl="0" indent="0" algn="ctr" defTabSz="622300">
+            <a:lnSpc>
+              <a:spcPct val="90000"/>
+            </a:lnSpc>
+            <a:spcBef>
+              <a:spcPct val="0"/>
+            </a:spcBef>
+            <a:spcAft>
+              <a:spcPct val="35000"/>
+            </a:spcAft>
+            <a:buNone/>
+          </a:pPr>
+          <a:r>
+            <a:rPr lang="en-US" sz="1400" b="1" kern="1200" dirty="0">
+              <a:latin typeface="Arial" panose="020B0604020202020204" pitchFamily="34" charset="0"/>
+              <a:cs typeface="Arial" panose="020B0604020202020204" pitchFamily="34" charset="0"/>
+            </a:rPr>
+            <a:t>Fixed effect: </a:t>
+          </a:r>
+          <a:r>
+            <a:rPr lang="en-US" sz="1400" b="0" kern="1200" dirty="0">
+              <a:latin typeface="Arial" panose="020B0604020202020204" pitchFamily="34" charset="0"/>
+              <a:cs typeface="Arial" panose="020B0604020202020204" pitchFamily="34" charset="0"/>
+            </a:rPr>
+            <a:t>1 – testing null model</a:t>
+          </a:r>
+        </a:p>
+        <a:p>
+          <a:pPr marL="0" lvl="0" indent="0" algn="ctr" defTabSz="622300">
+            <a:lnSpc>
+              <a:spcPct val="90000"/>
+            </a:lnSpc>
+            <a:spcBef>
+              <a:spcPct val="0"/>
+            </a:spcBef>
+            <a:spcAft>
+              <a:spcPct val="35000"/>
+            </a:spcAft>
+            <a:buNone/>
+          </a:pPr>
+          <a:r>
+            <a:rPr lang="en-US" sz="1400" b="1" kern="1200" dirty="0">
+              <a:latin typeface="Arial" panose="020B0604020202020204" pitchFamily="34" charset="0"/>
+              <a:cs typeface="Arial" panose="020B0604020202020204" pitchFamily="34" charset="0"/>
+            </a:rPr>
+            <a:t>Response: </a:t>
+          </a:r>
+          <a:r>
+            <a:rPr lang="en-US" sz="1400" b="0" kern="1200" dirty="0">
+              <a:latin typeface="Arial" panose="020B0604020202020204" pitchFamily="34" charset="0"/>
+              <a:cs typeface="Arial" panose="020B0604020202020204" pitchFamily="34" charset="0"/>
+            </a:rPr>
+            <a:t>Number of years since SPE event where highest quantity of land-use change occurs</a:t>
+          </a:r>
+        </a:p>
+        <a:p>
+          <a:pPr marL="0" lvl="0" indent="0" algn="ctr" defTabSz="622300">
+            <a:lnSpc>
+              <a:spcPct val="90000"/>
+            </a:lnSpc>
+            <a:spcBef>
+              <a:spcPct val="0"/>
+            </a:spcBef>
+            <a:spcAft>
+              <a:spcPct val="35000"/>
+            </a:spcAft>
+            <a:buNone/>
+          </a:pPr>
+          <a:r>
+            <a:rPr lang="en-US" sz="1400" b="0" kern="1200" dirty="0">
+              <a:latin typeface="Arial" panose="020B0604020202020204" pitchFamily="34" charset="0"/>
+              <a:cs typeface="Arial" panose="020B0604020202020204" pitchFamily="34" charset="0"/>
+            </a:rPr>
+            <a:t>*Completed for total land-use change and each land-use transition</a:t>
+          </a:r>
+          <a:endParaRPr lang="en-US" sz="1400" b="1" kern="1200" dirty="0">
+            <a:latin typeface="Arial" panose="020B0604020202020204" pitchFamily="34" charset="0"/>
+            <a:cs typeface="Arial" panose="020B0604020202020204" pitchFamily="34" charset="0"/>
+          </a:endParaRPr>
+        </a:p>
+      </dsp:txBody>
+      <dsp:txXfrm>
+        <a:off x="5865734" y="1686634"/>
+        <a:ext cx="1942860" cy="2084424"/>
+      </dsp:txXfrm>
+    </dsp:sp>
+    <dsp:sp modelId="{34715EC8-EB7F-B14E-87CB-83ED6E14A76E}">
+      <dsp:nvSpPr>
+        <dsp:cNvPr id="0" name=""/>
+        <dsp:cNvSpPr/>
+      </dsp:nvSpPr>
+      <dsp:spPr>
+        <a:xfrm>
+          <a:off x="5805289" y="4006922"/>
+          <a:ext cx="2063750" cy="1140221"/>
+        </a:xfrm>
+        <a:prstGeom prst="roundRect">
+          <a:avLst>
+            <a:gd name="adj" fmla="val 10000"/>
+          </a:avLst>
+        </a:prstGeom>
+        <a:solidFill>
+          <a:schemeClr val="lt1">
+            <a:hueOff val="0"/>
+            <a:satOff val="0"/>
+            <a:lumOff val="0"/>
+            <a:alphaOff val="0"/>
+          </a:schemeClr>
+        </a:solidFill>
+        <a:ln w="12700" cap="flat" cmpd="sng" algn="ctr">
+          <a:solidFill>
+            <a:schemeClr val="accent5">
+              <a:shade val="80000"/>
+              <a:hueOff val="0"/>
+              <a:satOff val="0"/>
+              <a:lumOff val="0"/>
+              <a:alphaOff val="0"/>
+            </a:schemeClr>
+          </a:solidFill>
+          <a:prstDash val="solid"/>
+          <a:miter lim="800000"/>
+        </a:ln>
+        <a:effectLst/>
+      </dsp:spPr>
+      <dsp:style>
+        <a:lnRef idx="2">
+          <a:scrgbClr r="0" g="0" b="0"/>
+        </a:lnRef>
+        <a:fillRef idx="1">
+          <a:scrgbClr r="0" g="0" b="0"/>
+        </a:fillRef>
+        <a:effectRef idx="0">
+          <a:scrgbClr r="0" g="0" b="0"/>
+        </a:effectRef>
+        <a:fontRef idx="minor">
+          <a:schemeClr val="lt1"/>
+        </a:fontRef>
+      </dsp:style>
+      <dsp:txBody>
+        <a:bodyPr spcFirstLastPara="0" vert="horz" wrap="square" lIns="35560" tIns="26670" rIns="35560" bIns="26670" numCol="1" spcCol="1270" anchor="ctr" anchorCtr="0">
+          <a:noAutofit/>
+        </a:bodyPr>
+        <a:lstStyle/>
+        <a:p>
+          <a:pPr marL="0" lvl="0" indent="0" algn="ctr" defTabSz="622300">
+            <a:lnSpc>
+              <a:spcPct val="90000"/>
+            </a:lnSpc>
+            <a:spcBef>
+              <a:spcPct val="0"/>
+            </a:spcBef>
+            <a:spcAft>
+              <a:spcPct val="35000"/>
+            </a:spcAft>
+            <a:buNone/>
+          </a:pPr>
+          <a:r>
+            <a:rPr lang="en-US" sz="1400" b="1" i="1" kern="1200" dirty="0">
+              <a:latin typeface="Arial" panose="020B0604020202020204" pitchFamily="34" charset="0"/>
+              <a:cs typeface="Arial" panose="020B0604020202020204" pitchFamily="34" charset="0"/>
+            </a:rPr>
+            <a:t>P</a:t>
+          </a:r>
+          <a:r>
+            <a:rPr lang="en-US" sz="1400" b="1" i="0" kern="1200" dirty="0">
+              <a:latin typeface="Arial" panose="020B0604020202020204" pitchFamily="34" charset="0"/>
+              <a:cs typeface="Arial" panose="020B0604020202020204" pitchFamily="34" charset="0"/>
+            </a:rPr>
+            <a:t>-value</a:t>
+          </a:r>
+          <a:r>
+            <a:rPr lang="en-US" sz="1400" b="0" i="0" kern="1200" dirty="0">
+              <a:latin typeface="Arial" panose="020B0604020202020204" pitchFamily="34" charset="0"/>
+              <a:cs typeface="Arial" panose="020B0604020202020204" pitchFamily="34" charset="0"/>
+            </a:rPr>
+            <a:t> indicating if the null model, stating that that there is no time lag, can be accepted.</a:t>
+          </a:r>
+          <a:endParaRPr lang="en-US" sz="1400" b="1" i="1" kern="1200" dirty="0">
+            <a:latin typeface="Arial" panose="020B0604020202020204" pitchFamily="34" charset="0"/>
+            <a:cs typeface="Arial" panose="020B0604020202020204" pitchFamily="34" charset="0"/>
+          </a:endParaRPr>
+        </a:p>
+      </dsp:txBody>
+      <dsp:txXfrm>
+        <a:off x="5838685" y="4040318"/>
+        <a:ext cx="1996958" cy="1073429"/>
       </dsp:txXfrm>
     </dsp:sp>
   </dsp:spTree>
@@ -4635,6 +7442,233 @@
 </dgm:layoutDef>
 </file>
 
+<file path=ppt/diagrams/layout2.xml><?xml version="1.0" encoding="utf-8"?>
+<dgm:layoutDef xmlns:dgm="http://schemas.openxmlformats.org/drawingml/2006/diagram" xmlns:a="http://schemas.openxmlformats.org/drawingml/2006/main" uniqueId="urn:microsoft.com/office/officeart/2005/8/layout/lProcess2">
+  <dgm:title val=""/>
+  <dgm:desc val=""/>
+  <dgm:catLst>
+    <dgm:cat type="list" pri="10000"/>
+    <dgm:cat type="relationship" pri="13000"/>
+  </dgm:catLst>
+  <dgm:sampData>
+    <dgm:dataModel>
+      <dgm:ptLst>
+        <dgm:pt modelId="0" type="doc"/>
+        <dgm:pt modelId="1">
+          <dgm:prSet phldr="1"/>
+        </dgm:pt>
+        <dgm:pt modelId="11">
+          <dgm:prSet phldr="1"/>
+        </dgm:pt>
+        <dgm:pt modelId="12">
+          <dgm:prSet phldr="1"/>
+        </dgm:pt>
+        <dgm:pt modelId="2">
+          <dgm:prSet phldr="1"/>
+        </dgm:pt>
+        <dgm:pt modelId="21">
+          <dgm:prSet phldr="1"/>
+        </dgm:pt>
+        <dgm:pt modelId="22">
+          <dgm:prSet phldr="1"/>
+        </dgm:pt>
+        <dgm:pt modelId="3">
+          <dgm:prSet phldr="1"/>
+        </dgm:pt>
+        <dgm:pt modelId="31">
+          <dgm:prSet phldr="1"/>
+        </dgm:pt>
+        <dgm:pt modelId="32">
+          <dgm:prSet phldr="1"/>
+        </dgm:pt>
+      </dgm:ptLst>
+      <dgm:cxnLst>
+        <dgm:cxn modelId="4" srcId="0" destId="1" srcOrd="0" destOrd="0"/>
+        <dgm:cxn modelId="5" srcId="0" destId="2" srcOrd="1" destOrd="0"/>
+        <dgm:cxn modelId="13" srcId="1" destId="11" srcOrd="0" destOrd="0"/>
+        <dgm:cxn modelId="14" srcId="1" destId="12" srcOrd="0" destOrd="0"/>
+        <dgm:cxn modelId="23" srcId="2" destId="21" srcOrd="0" destOrd="0"/>
+        <dgm:cxn modelId="24" srcId="2" destId="22" srcOrd="0" destOrd="0"/>
+        <dgm:cxn modelId="33" srcId="3" destId="31" srcOrd="0" destOrd="0"/>
+        <dgm:cxn modelId="34" srcId="3" destId="32" srcOrd="0" destOrd="0"/>
+      </dgm:cxnLst>
+      <dgm:bg/>
+      <dgm:whole/>
+    </dgm:dataModel>
+  </dgm:sampData>
+  <dgm:styleData useDef="1">
+    <dgm:dataModel>
+      <dgm:ptLst/>
+      <dgm:bg/>
+      <dgm:whole/>
+    </dgm:dataModel>
+  </dgm:styleData>
+  <dgm:clrData useDef="1">
+    <dgm:dataModel>
+      <dgm:ptLst/>
+      <dgm:bg/>
+      <dgm:whole/>
+    </dgm:dataModel>
+  </dgm:clrData>
+  <dgm:layoutNode name="theList">
+    <dgm:varLst>
+      <dgm:dir/>
+      <dgm:animLvl val="lvl"/>
+      <dgm:resizeHandles val="exact"/>
+    </dgm:varLst>
+    <dgm:choose name="Name0">
+      <dgm:if name="Name1" func="var" arg="dir" op="equ" val="norm">
+        <dgm:alg type="lin"/>
+      </dgm:if>
+      <dgm:else name="Name2">
+        <dgm:alg type="lin">
+          <dgm:param type="linDir" val="fromR"/>
+        </dgm:alg>
+      </dgm:else>
+    </dgm:choose>
+    <dgm:shape xmlns:r="http://schemas.openxmlformats.org/officeDocument/2006/relationships" r:blip="">
+      <dgm:adjLst/>
+    </dgm:shape>
+    <dgm:presOf/>
+    <dgm:constrLst>
+      <dgm:constr type="w" for="ch" forName="compNode" refType="w"/>
+      <dgm:constr type="h" for="ch" forName="compNode" refType="h"/>
+      <dgm:constr type="w" for="ch" forName="aSpace" refType="w" fact="0.075"/>
+      <dgm:constr type="h" for="des" forName="aSpace2" refType="h" fact="0.1"/>
+      <dgm:constr type="primFontSz" for="des" forName="textNode" op="equ"/>
+      <dgm:constr type="primFontSz" for="des" forName="childNode" op="equ"/>
+    </dgm:constrLst>
+    <dgm:ruleLst/>
+    <dgm:forEach name="aNodeForEach" axis="ch" ptType="node">
+      <dgm:layoutNode name="compNode">
+        <dgm:alg type="composite"/>
+        <dgm:shape xmlns:r="http://schemas.openxmlformats.org/officeDocument/2006/relationships" r:blip="">
+          <dgm:adjLst/>
+        </dgm:shape>
+        <dgm:presOf/>
+        <dgm:constrLst>
+          <dgm:constr type="w" for="ch" forName="aNode" refType="w"/>
+          <dgm:constr type="h" for="ch" forName="aNode" refType="h"/>
+          <dgm:constr type="w" for="ch" forName="textNode" refType="w"/>
+          <dgm:constr type="h" for="ch" forName="textNode" refType="h" fact="0.3"/>
+          <dgm:constr type="ctrX" for="ch" forName="textNode" refType="w" fact="0.5"/>
+          <dgm:constr type="w" for="ch" forName="compChildNode" refType="w" fact="0.8"/>
+          <dgm:constr type="h" for="ch" forName="compChildNode" refType="h" fact="0.65"/>
+          <dgm:constr type="t" for="ch" forName="compChildNode" refType="h" fact="0.3"/>
+          <dgm:constr type="ctrX" for="ch" forName="compChildNode" refType="w" fact="0.5"/>
+        </dgm:constrLst>
+        <dgm:ruleLst/>
+        <dgm:layoutNode name="aNode" styleLbl="bgShp">
+          <dgm:alg type="sp"/>
+          <dgm:shape xmlns:r="http://schemas.openxmlformats.org/officeDocument/2006/relationships" type="roundRect" r:blip="">
+            <dgm:adjLst>
+              <dgm:adj idx="1" val="0.1"/>
+            </dgm:adjLst>
+          </dgm:shape>
+          <dgm:presOf axis="self"/>
+          <dgm:constrLst/>
+          <dgm:ruleLst/>
+        </dgm:layoutNode>
+        <dgm:layoutNode name="textNode" styleLbl="bgShp">
+          <dgm:alg type="tx"/>
+          <dgm:shape xmlns:r="http://schemas.openxmlformats.org/officeDocument/2006/relationships" type="rect" r:blip="" hideGeom="1">
+            <dgm:adjLst>
+              <dgm:adj idx="1" val="0.1"/>
+            </dgm:adjLst>
+          </dgm:shape>
+          <dgm:presOf axis="self"/>
+          <dgm:constrLst>
+            <dgm:constr type="primFontSz" val="65"/>
+            <dgm:constr type="lMarg" refType="primFontSz" fact="0.3"/>
+            <dgm:constr type="rMarg" refType="primFontSz" fact="0.3"/>
+            <dgm:constr type="tMarg" refType="primFontSz" fact="0.3"/>
+            <dgm:constr type="bMarg" refType="primFontSz" fact="0.3"/>
+          </dgm:constrLst>
+          <dgm:ruleLst>
+            <dgm:rule type="primFontSz" val="5" fact="NaN" max="NaN"/>
+          </dgm:ruleLst>
+        </dgm:layoutNode>
+        <dgm:layoutNode name="compChildNode">
+          <dgm:alg type="composite"/>
+          <dgm:shape xmlns:r="http://schemas.openxmlformats.org/officeDocument/2006/relationships" r:blip="">
+            <dgm:adjLst/>
+          </dgm:shape>
+          <dgm:presOf/>
+          <dgm:constrLst>
+            <dgm:constr type="w" for="des" forName="childNode" refType="w"/>
+            <dgm:constr type="h" for="des" forName="childNode" refType="h"/>
+          </dgm:constrLst>
+          <dgm:ruleLst/>
+          <dgm:layoutNode name="theInnerList">
+            <dgm:alg type="lin">
+              <dgm:param type="linDir" val="fromT"/>
+            </dgm:alg>
+            <dgm:shape xmlns:r="http://schemas.openxmlformats.org/officeDocument/2006/relationships" r:blip="">
+              <dgm:adjLst/>
+            </dgm:shape>
+            <dgm:presOf/>
+            <dgm:constrLst/>
+            <dgm:ruleLst/>
+            <dgm:forEach name="childNodeForEach" axis="ch" ptType="node">
+              <dgm:layoutNode name="childNode" styleLbl="node1">
+                <dgm:varLst>
+                  <dgm:bulletEnabled val="1"/>
+                </dgm:varLst>
+                <dgm:alg type="tx"/>
+                <dgm:shape xmlns:r="http://schemas.openxmlformats.org/officeDocument/2006/relationships" type="roundRect" r:blip="">
+                  <dgm:adjLst>
+                    <dgm:adj idx="1" val="0.1"/>
+                  </dgm:adjLst>
+                </dgm:shape>
+                <dgm:presOf axis="desOrSelf" ptType="node"/>
+                <dgm:constrLst>
+                  <dgm:constr type="primFontSz" val="65"/>
+                  <dgm:constr type="tMarg" refType="primFontSz" fact="0.15"/>
+                  <dgm:constr type="bMarg" refType="primFontSz" fact="0.15"/>
+                  <dgm:constr type="lMarg" refType="primFontSz" fact="0.2"/>
+                  <dgm:constr type="rMarg" refType="primFontSz" fact="0.2"/>
+                </dgm:constrLst>
+                <dgm:ruleLst>
+                  <dgm:rule type="primFontSz" val="5" fact="NaN" max="NaN"/>
+                </dgm:ruleLst>
+              </dgm:layoutNode>
+              <dgm:choose name="Name3">
+                <dgm:if name="Name4" axis="self" ptType="node" func="revPos" op="equ" val="1"/>
+                <dgm:else name="Name5">
+                  <dgm:layoutNode name="aSpace2">
+                    <dgm:alg type="sp"/>
+                    <dgm:shape xmlns:r="http://schemas.openxmlformats.org/officeDocument/2006/relationships" r:blip="">
+                      <dgm:adjLst/>
+                    </dgm:shape>
+                    <dgm:presOf/>
+                    <dgm:constrLst/>
+                    <dgm:ruleLst/>
+                  </dgm:layoutNode>
+                </dgm:else>
+              </dgm:choose>
+            </dgm:forEach>
+          </dgm:layoutNode>
+        </dgm:layoutNode>
+      </dgm:layoutNode>
+      <dgm:choose name="Name6">
+        <dgm:if name="Name7" axis="self" ptType="node" func="revPos" op="equ" val="1"/>
+        <dgm:else name="Name8">
+          <dgm:layoutNode name="aSpace">
+            <dgm:alg type="sp"/>
+            <dgm:shape xmlns:r="http://schemas.openxmlformats.org/officeDocument/2006/relationships" r:blip="">
+              <dgm:adjLst/>
+            </dgm:shape>
+            <dgm:presOf/>
+            <dgm:constrLst/>
+            <dgm:ruleLst/>
+          </dgm:layoutNode>
+        </dgm:else>
+      </dgm:choose>
+    </dgm:forEach>
+  </dgm:layoutNode>
+</dgm:layoutDef>
+</file>
+
 <file path=ppt/diagrams/quickStyle1.xml><?xml version="1.0" encoding="utf-8"?>
 <dgm:styleDef xmlns:dgm="http://schemas.openxmlformats.org/drawingml/2006/diagram" xmlns:a="http://schemas.openxmlformats.org/drawingml/2006/main" uniqueId="urn:microsoft.com/office/officeart/2005/8/quickstyle/simple5">
   <dgm:title val=""/>
@@ -5641,6 +8675,1040 @@
         <a:scrgbClr r="0" g="0" b="0"/>
       </a:fillRef>
       <a:effectRef idx="3">
+        <a:scrgbClr r="0" g="0" b="0"/>
+      </a:effectRef>
+      <a:fontRef idx="minor"/>
+    </dgm:style>
+  </dgm:styleLbl>
+  <dgm:styleLbl name="revTx">
+    <dgm:scene3d>
+      <a:camera prst="orthographicFront"/>
+      <a:lightRig rig="threePt" dir="t"/>
+    </dgm:scene3d>
+    <dgm:sp3d/>
+    <dgm:txPr/>
+    <dgm:style>
+      <a:lnRef idx="0">
+        <a:scrgbClr r="0" g="0" b="0"/>
+      </a:lnRef>
+      <a:fillRef idx="0">
+        <a:scrgbClr r="0" g="0" b="0"/>
+      </a:fillRef>
+      <a:effectRef idx="0">
+        <a:scrgbClr r="0" g="0" b="0"/>
+      </a:effectRef>
+      <a:fontRef idx="minor"/>
+    </dgm:style>
+  </dgm:styleLbl>
+</dgm:styleDef>
+</file>
+
+<file path=ppt/diagrams/quickStyle2.xml><?xml version="1.0" encoding="utf-8"?>
+<dgm:styleDef xmlns:dgm="http://schemas.openxmlformats.org/drawingml/2006/diagram" xmlns:a="http://schemas.openxmlformats.org/drawingml/2006/main" uniqueId="urn:microsoft.com/office/officeart/2005/8/quickstyle/simple1">
+  <dgm:title val=""/>
+  <dgm:desc val=""/>
+  <dgm:catLst>
+    <dgm:cat type="simple" pri="10100"/>
+  </dgm:catLst>
+  <dgm:scene3d>
+    <a:camera prst="orthographicFront"/>
+    <a:lightRig rig="threePt" dir="t"/>
+  </dgm:scene3d>
+  <dgm:styleLbl name="node0">
+    <dgm:scene3d>
+      <a:camera prst="orthographicFront"/>
+      <a:lightRig rig="threePt" dir="t"/>
+    </dgm:scene3d>
+    <dgm:sp3d/>
+    <dgm:txPr/>
+    <dgm:style>
+      <a:lnRef idx="2">
+        <a:scrgbClr r="0" g="0" b="0"/>
+      </a:lnRef>
+      <a:fillRef idx="1">
+        <a:scrgbClr r="0" g="0" b="0"/>
+      </a:fillRef>
+      <a:effectRef idx="0">
+        <a:scrgbClr r="0" g="0" b="0"/>
+      </a:effectRef>
+      <a:fontRef idx="minor">
+        <a:schemeClr val="lt1"/>
+      </a:fontRef>
+    </dgm:style>
+  </dgm:styleLbl>
+  <dgm:styleLbl name="lnNode1">
+    <dgm:scene3d>
+      <a:camera prst="orthographicFront"/>
+      <a:lightRig rig="threePt" dir="t"/>
+    </dgm:scene3d>
+    <dgm:sp3d/>
+    <dgm:txPr/>
+    <dgm:style>
+      <a:lnRef idx="2">
+        <a:scrgbClr r="0" g="0" b="0"/>
+      </a:lnRef>
+      <a:fillRef idx="1">
+        <a:scrgbClr r="0" g="0" b="0"/>
+      </a:fillRef>
+      <a:effectRef idx="0">
+        <a:scrgbClr r="0" g="0" b="0"/>
+      </a:effectRef>
+      <a:fontRef idx="minor">
+        <a:schemeClr val="lt1"/>
+      </a:fontRef>
+    </dgm:style>
+  </dgm:styleLbl>
+  <dgm:styleLbl name="vennNode1">
+    <dgm:scene3d>
+      <a:camera prst="orthographicFront"/>
+      <a:lightRig rig="threePt" dir="t"/>
+    </dgm:scene3d>
+    <dgm:sp3d/>
+    <dgm:txPr/>
+    <dgm:style>
+      <a:lnRef idx="2">
+        <a:scrgbClr r="0" g="0" b="0"/>
+      </a:lnRef>
+      <a:fillRef idx="1">
+        <a:scrgbClr r="0" g="0" b="0"/>
+      </a:fillRef>
+      <a:effectRef idx="0">
+        <a:scrgbClr r="0" g="0" b="0"/>
+      </a:effectRef>
+      <a:fontRef idx="minor">
+        <a:schemeClr val="tx1"/>
+      </a:fontRef>
+    </dgm:style>
+  </dgm:styleLbl>
+  <dgm:styleLbl name="alignNode1">
+    <dgm:scene3d>
+      <a:camera prst="orthographicFront"/>
+      <a:lightRig rig="threePt" dir="t"/>
+    </dgm:scene3d>
+    <dgm:sp3d/>
+    <dgm:txPr/>
+    <dgm:style>
+      <a:lnRef idx="2">
+        <a:scrgbClr r="0" g="0" b="0"/>
+      </a:lnRef>
+      <a:fillRef idx="1">
+        <a:scrgbClr r="0" g="0" b="0"/>
+      </a:fillRef>
+      <a:effectRef idx="0">
+        <a:scrgbClr r="0" g="0" b="0"/>
+      </a:effectRef>
+      <a:fontRef idx="minor">
+        <a:schemeClr val="lt1"/>
+      </a:fontRef>
+    </dgm:style>
+  </dgm:styleLbl>
+  <dgm:styleLbl name="node1">
+    <dgm:scene3d>
+      <a:camera prst="orthographicFront"/>
+      <a:lightRig rig="threePt" dir="t"/>
+    </dgm:scene3d>
+    <dgm:sp3d/>
+    <dgm:txPr/>
+    <dgm:style>
+      <a:lnRef idx="2">
+        <a:scrgbClr r="0" g="0" b="0"/>
+      </a:lnRef>
+      <a:fillRef idx="1">
+        <a:scrgbClr r="0" g="0" b="0"/>
+      </a:fillRef>
+      <a:effectRef idx="0">
+        <a:scrgbClr r="0" g="0" b="0"/>
+      </a:effectRef>
+      <a:fontRef idx="minor">
+        <a:schemeClr val="lt1"/>
+      </a:fontRef>
+    </dgm:style>
+  </dgm:styleLbl>
+  <dgm:styleLbl name="node2">
+    <dgm:scene3d>
+      <a:camera prst="orthographicFront"/>
+      <a:lightRig rig="threePt" dir="t"/>
+    </dgm:scene3d>
+    <dgm:sp3d/>
+    <dgm:txPr/>
+    <dgm:style>
+      <a:lnRef idx="2">
+        <a:scrgbClr r="0" g="0" b="0"/>
+      </a:lnRef>
+      <a:fillRef idx="1">
+        <a:scrgbClr r="0" g="0" b="0"/>
+      </a:fillRef>
+      <a:effectRef idx="0">
+        <a:scrgbClr r="0" g="0" b="0"/>
+      </a:effectRef>
+      <a:fontRef idx="minor">
+        <a:schemeClr val="lt1"/>
+      </a:fontRef>
+    </dgm:style>
+  </dgm:styleLbl>
+  <dgm:styleLbl name="node3">
+    <dgm:scene3d>
+      <a:camera prst="orthographicFront"/>
+      <a:lightRig rig="threePt" dir="t"/>
+    </dgm:scene3d>
+    <dgm:sp3d/>
+    <dgm:txPr/>
+    <dgm:style>
+      <a:lnRef idx="2">
+        <a:scrgbClr r="0" g="0" b="0"/>
+      </a:lnRef>
+      <a:fillRef idx="1">
+        <a:scrgbClr r="0" g="0" b="0"/>
+      </a:fillRef>
+      <a:effectRef idx="0">
+        <a:scrgbClr r="0" g="0" b="0"/>
+      </a:effectRef>
+      <a:fontRef idx="minor">
+        <a:schemeClr val="lt1"/>
+      </a:fontRef>
+    </dgm:style>
+  </dgm:styleLbl>
+  <dgm:styleLbl name="node4">
+    <dgm:scene3d>
+      <a:camera prst="orthographicFront"/>
+      <a:lightRig rig="threePt" dir="t"/>
+    </dgm:scene3d>
+    <dgm:sp3d/>
+    <dgm:txPr/>
+    <dgm:style>
+      <a:lnRef idx="2">
+        <a:scrgbClr r="0" g="0" b="0"/>
+      </a:lnRef>
+      <a:fillRef idx="1">
+        <a:scrgbClr r="0" g="0" b="0"/>
+      </a:fillRef>
+      <a:effectRef idx="0">
+        <a:scrgbClr r="0" g="0" b="0"/>
+      </a:effectRef>
+      <a:fontRef idx="minor">
+        <a:schemeClr val="lt1"/>
+      </a:fontRef>
+    </dgm:style>
+  </dgm:styleLbl>
+  <dgm:styleLbl name="fgImgPlace1">
+    <dgm:scene3d>
+      <a:camera prst="orthographicFront"/>
+      <a:lightRig rig="threePt" dir="t"/>
+    </dgm:scene3d>
+    <dgm:sp3d/>
+    <dgm:txPr/>
+    <dgm:style>
+      <a:lnRef idx="2">
+        <a:scrgbClr r="0" g="0" b="0"/>
+      </a:lnRef>
+      <a:fillRef idx="1">
+        <a:scrgbClr r="0" g="0" b="0"/>
+      </a:fillRef>
+      <a:effectRef idx="0">
+        <a:scrgbClr r="0" g="0" b="0"/>
+      </a:effectRef>
+      <a:fontRef idx="minor"/>
+    </dgm:style>
+  </dgm:styleLbl>
+  <dgm:styleLbl name="alignImgPlace1">
+    <dgm:scene3d>
+      <a:camera prst="orthographicFront"/>
+      <a:lightRig rig="threePt" dir="t"/>
+    </dgm:scene3d>
+    <dgm:sp3d/>
+    <dgm:txPr/>
+    <dgm:style>
+      <a:lnRef idx="2">
+        <a:scrgbClr r="0" g="0" b="0"/>
+      </a:lnRef>
+      <a:fillRef idx="1">
+        <a:scrgbClr r="0" g="0" b="0"/>
+      </a:fillRef>
+      <a:effectRef idx="0">
+        <a:scrgbClr r="0" g="0" b="0"/>
+      </a:effectRef>
+      <a:fontRef idx="minor"/>
+    </dgm:style>
+  </dgm:styleLbl>
+  <dgm:styleLbl name="bgImgPlace1">
+    <dgm:scene3d>
+      <a:camera prst="orthographicFront"/>
+      <a:lightRig rig="threePt" dir="t"/>
+    </dgm:scene3d>
+    <dgm:sp3d/>
+    <dgm:txPr/>
+    <dgm:style>
+      <a:lnRef idx="2">
+        <a:scrgbClr r="0" g="0" b="0"/>
+      </a:lnRef>
+      <a:fillRef idx="1">
+        <a:scrgbClr r="0" g="0" b="0"/>
+      </a:fillRef>
+      <a:effectRef idx="0">
+        <a:scrgbClr r="0" g="0" b="0"/>
+      </a:effectRef>
+      <a:fontRef idx="minor"/>
+    </dgm:style>
+  </dgm:styleLbl>
+  <dgm:styleLbl name="sibTrans2D1">
+    <dgm:scene3d>
+      <a:camera prst="orthographicFront"/>
+      <a:lightRig rig="threePt" dir="t"/>
+    </dgm:scene3d>
+    <dgm:sp3d/>
+    <dgm:txPr/>
+    <dgm:style>
+      <a:lnRef idx="0">
+        <a:scrgbClr r="0" g="0" b="0"/>
+      </a:lnRef>
+      <a:fillRef idx="1">
+        <a:scrgbClr r="0" g="0" b="0"/>
+      </a:fillRef>
+      <a:effectRef idx="0">
+        <a:scrgbClr r="0" g="0" b="0"/>
+      </a:effectRef>
+      <a:fontRef idx="minor">
+        <a:schemeClr val="lt1"/>
+      </a:fontRef>
+    </dgm:style>
+  </dgm:styleLbl>
+  <dgm:styleLbl name="fgSibTrans2D1">
+    <dgm:scene3d>
+      <a:camera prst="orthographicFront"/>
+      <a:lightRig rig="threePt" dir="t"/>
+    </dgm:scene3d>
+    <dgm:sp3d/>
+    <dgm:txPr/>
+    <dgm:style>
+      <a:lnRef idx="0">
+        <a:scrgbClr r="0" g="0" b="0"/>
+      </a:lnRef>
+      <a:fillRef idx="1">
+        <a:scrgbClr r="0" g="0" b="0"/>
+      </a:fillRef>
+      <a:effectRef idx="0">
+        <a:scrgbClr r="0" g="0" b="0"/>
+      </a:effectRef>
+      <a:fontRef idx="minor">
+        <a:schemeClr val="lt1"/>
+      </a:fontRef>
+    </dgm:style>
+  </dgm:styleLbl>
+  <dgm:styleLbl name="bgSibTrans2D1">
+    <dgm:scene3d>
+      <a:camera prst="orthographicFront"/>
+      <a:lightRig rig="threePt" dir="t"/>
+    </dgm:scene3d>
+    <dgm:sp3d/>
+    <dgm:txPr/>
+    <dgm:style>
+      <a:lnRef idx="0">
+        <a:scrgbClr r="0" g="0" b="0"/>
+      </a:lnRef>
+      <a:fillRef idx="1">
+        <a:scrgbClr r="0" g="0" b="0"/>
+      </a:fillRef>
+      <a:effectRef idx="0">
+        <a:scrgbClr r="0" g="0" b="0"/>
+      </a:effectRef>
+      <a:fontRef idx="minor">
+        <a:schemeClr val="lt1"/>
+      </a:fontRef>
+    </dgm:style>
+  </dgm:styleLbl>
+  <dgm:styleLbl name="sibTrans1D1">
+    <dgm:scene3d>
+      <a:camera prst="orthographicFront"/>
+      <a:lightRig rig="threePt" dir="t"/>
+    </dgm:scene3d>
+    <dgm:sp3d/>
+    <dgm:txPr/>
+    <dgm:style>
+      <a:lnRef idx="1">
+        <a:scrgbClr r="0" g="0" b="0"/>
+      </a:lnRef>
+      <a:fillRef idx="0">
+        <a:scrgbClr r="0" g="0" b="0"/>
+      </a:fillRef>
+      <a:effectRef idx="0">
+        <a:scrgbClr r="0" g="0" b="0"/>
+      </a:effectRef>
+      <a:fontRef idx="minor"/>
+    </dgm:style>
+  </dgm:styleLbl>
+  <dgm:styleLbl name="callout">
+    <dgm:scene3d>
+      <a:camera prst="orthographicFront"/>
+      <a:lightRig rig="threePt" dir="t"/>
+    </dgm:scene3d>
+    <dgm:sp3d/>
+    <dgm:txPr/>
+    <dgm:style>
+      <a:lnRef idx="2">
+        <a:scrgbClr r="0" g="0" b="0"/>
+      </a:lnRef>
+      <a:fillRef idx="1">
+        <a:scrgbClr r="0" g="0" b="0"/>
+      </a:fillRef>
+      <a:effectRef idx="0">
+        <a:scrgbClr r="0" g="0" b="0"/>
+      </a:effectRef>
+      <a:fontRef idx="minor"/>
+    </dgm:style>
+  </dgm:styleLbl>
+  <dgm:styleLbl name="asst0">
+    <dgm:scene3d>
+      <a:camera prst="orthographicFront"/>
+      <a:lightRig rig="threePt" dir="t"/>
+    </dgm:scene3d>
+    <dgm:sp3d/>
+    <dgm:txPr/>
+    <dgm:style>
+      <a:lnRef idx="2">
+        <a:scrgbClr r="0" g="0" b="0"/>
+      </a:lnRef>
+      <a:fillRef idx="1">
+        <a:scrgbClr r="0" g="0" b="0"/>
+      </a:fillRef>
+      <a:effectRef idx="0">
+        <a:scrgbClr r="0" g="0" b="0"/>
+      </a:effectRef>
+      <a:fontRef idx="minor">
+        <a:schemeClr val="lt1"/>
+      </a:fontRef>
+    </dgm:style>
+  </dgm:styleLbl>
+  <dgm:styleLbl name="asst1">
+    <dgm:scene3d>
+      <a:camera prst="orthographicFront"/>
+      <a:lightRig rig="threePt" dir="t"/>
+    </dgm:scene3d>
+    <dgm:sp3d/>
+    <dgm:txPr/>
+    <dgm:style>
+      <a:lnRef idx="2">
+        <a:scrgbClr r="0" g="0" b="0"/>
+      </a:lnRef>
+      <a:fillRef idx="1">
+        <a:scrgbClr r="0" g="0" b="0"/>
+      </a:fillRef>
+      <a:effectRef idx="0">
+        <a:scrgbClr r="0" g="0" b="0"/>
+      </a:effectRef>
+      <a:fontRef idx="minor">
+        <a:schemeClr val="lt1"/>
+      </a:fontRef>
+    </dgm:style>
+  </dgm:styleLbl>
+  <dgm:styleLbl name="asst2">
+    <dgm:scene3d>
+      <a:camera prst="orthographicFront"/>
+      <a:lightRig rig="threePt" dir="t"/>
+    </dgm:scene3d>
+    <dgm:sp3d/>
+    <dgm:txPr/>
+    <dgm:style>
+      <a:lnRef idx="2">
+        <a:scrgbClr r="0" g="0" b="0"/>
+      </a:lnRef>
+      <a:fillRef idx="1">
+        <a:scrgbClr r="0" g="0" b="0"/>
+      </a:fillRef>
+      <a:effectRef idx="0">
+        <a:scrgbClr r="0" g="0" b="0"/>
+      </a:effectRef>
+      <a:fontRef idx="minor">
+        <a:schemeClr val="lt1"/>
+      </a:fontRef>
+    </dgm:style>
+  </dgm:styleLbl>
+  <dgm:styleLbl name="asst3">
+    <dgm:scene3d>
+      <a:camera prst="orthographicFront"/>
+      <a:lightRig rig="threePt" dir="t"/>
+    </dgm:scene3d>
+    <dgm:sp3d/>
+    <dgm:txPr/>
+    <dgm:style>
+      <a:lnRef idx="2">
+        <a:scrgbClr r="0" g="0" b="0"/>
+      </a:lnRef>
+      <a:fillRef idx="1">
+        <a:scrgbClr r="0" g="0" b="0"/>
+      </a:fillRef>
+      <a:effectRef idx="0">
+        <a:scrgbClr r="0" g="0" b="0"/>
+      </a:effectRef>
+      <a:fontRef idx="minor">
+        <a:schemeClr val="lt1"/>
+      </a:fontRef>
+    </dgm:style>
+  </dgm:styleLbl>
+  <dgm:styleLbl name="asst4">
+    <dgm:scene3d>
+      <a:camera prst="orthographicFront"/>
+      <a:lightRig rig="threePt" dir="t"/>
+    </dgm:scene3d>
+    <dgm:sp3d/>
+    <dgm:txPr/>
+    <dgm:style>
+      <a:lnRef idx="2">
+        <a:scrgbClr r="0" g="0" b="0"/>
+      </a:lnRef>
+      <a:fillRef idx="1">
+        <a:scrgbClr r="0" g="0" b="0"/>
+      </a:fillRef>
+      <a:effectRef idx="0">
+        <a:scrgbClr r="0" g="0" b="0"/>
+      </a:effectRef>
+      <a:fontRef idx="minor">
+        <a:schemeClr val="lt1"/>
+      </a:fontRef>
+    </dgm:style>
+  </dgm:styleLbl>
+  <dgm:styleLbl name="parChTrans2D1">
+    <dgm:scene3d>
+      <a:camera prst="orthographicFront"/>
+      <a:lightRig rig="threePt" dir="t"/>
+    </dgm:scene3d>
+    <dgm:sp3d/>
+    <dgm:txPr/>
+    <dgm:style>
+      <a:lnRef idx="2">
+        <a:scrgbClr r="0" g="0" b="0"/>
+      </a:lnRef>
+      <a:fillRef idx="1">
+        <a:scrgbClr r="0" g="0" b="0"/>
+      </a:fillRef>
+      <a:effectRef idx="0">
+        <a:scrgbClr r="0" g="0" b="0"/>
+      </a:effectRef>
+      <a:fontRef idx="minor">
+        <a:schemeClr val="lt1"/>
+      </a:fontRef>
+    </dgm:style>
+  </dgm:styleLbl>
+  <dgm:styleLbl name="parChTrans2D2">
+    <dgm:scene3d>
+      <a:camera prst="orthographicFront"/>
+      <a:lightRig rig="threePt" dir="t"/>
+    </dgm:scene3d>
+    <dgm:sp3d/>
+    <dgm:txPr/>
+    <dgm:style>
+      <a:lnRef idx="2">
+        <a:scrgbClr r="0" g="0" b="0"/>
+      </a:lnRef>
+      <a:fillRef idx="1">
+        <a:scrgbClr r="0" g="0" b="0"/>
+      </a:fillRef>
+      <a:effectRef idx="0">
+        <a:scrgbClr r="0" g="0" b="0"/>
+      </a:effectRef>
+      <a:fontRef idx="minor">
+        <a:schemeClr val="lt1"/>
+      </a:fontRef>
+    </dgm:style>
+  </dgm:styleLbl>
+  <dgm:styleLbl name="parChTrans2D3">
+    <dgm:scene3d>
+      <a:camera prst="orthographicFront"/>
+      <a:lightRig rig="threePt" dir="t"/>
+    </dgm:scene3d>
+    <dgm:sp3d/>
+    <dgm:txPr/>
+    <dgm:style>
+      <a:lnRef idx="2">
+        <a:scrgbClr r="0" g="0" b="0"/>
+      </a:lnRef>
+      <a:fillRef idx="1">
+        <a:scrgbClr r="0" g="0" b="0"/>
+      </a:fillRef>
+      <a:effectRef idx="0">
+        <a:scrgbClr r="0" g="0" b="0"/>
+      </a:effectRef>
+      <a:fontRef idx="minor">
+        <a:schemeClr val="lt1"/>
+      </a:fontRef>
+    </dgm:style>
+  </dgm:styleLbl>
+  <dgm:styleLbl name="parChTrans2D4">
+    <dgm:scene3d>
+      <a:camera prst="orthographicFront"/>
+      <a:lightRig rig="threePt" dir="t"/>
+    </dgm:scene3d>
+    <dgm:sp3d/>
+    <dgm:txPr/>
+    <dgm:style>
+      <a:lnRef idx="2">
+        <a:scrgbClr r="0" g="0" b="0"/>
+      </a:lnRef>
+      <a:fillRef idx="1">
+        <a:scrgbClr r="0" g="0" b="0"/>
+      </a:fillRef>
+      <a:effectRef idx="0">
+        <a:scrgbClr r="0" g="0" b="0"/>
+      </a:effectRef>
+      <a:fontRef idx="minor">
+        <a:schemeClr val="lt1"/>
+      </a:fontRef>
+    </dgm:style>
+  </dgm:styleLbl>
+  <dgm:styleLbl name="parChTrans1D1">
+    <dgm:scene3d>
+      <a:camera prst="orthographicFront"/>
+      <a:lightRig rig="threePt" dir="t"/>
+    </dgm:scene3d>
+    <dgm:sp3d/>
+    <dgm:txPr/>
+    <dgm:style>
+      <a:lnRef idx="2">
+        <a:scrgbClr r="0" g="0" b="0"/>
+      </a:lnRef>
+      <a:fillRef idx="0">
+        <a:scrgbClr r="0" g="0" b="0"/>
+      </a:fillRef>
+      <a:effectRef idx="0">
+        <a:scrgbClr r="0" g="0" b="0"/>
+      </a:effectRef>
+      <a:fontRef idx="minor"/>
+    </dgm:style>
+  </dgm:styleLbl>
+  <dgm:styleLbl name="parChTrans1D2">
+    <dgm:scene3d>
+      <a:camera prst="orthographicFront"/>
+      <a:lightRig rig="threePt" dir="t"/>
+    </dgm:scene3d>
+    <dgm:sp3d/>
+    <dgm:txPr/>
+    <dgm:style>
+      <a:lnRef idx="2">
+        <a:scrgbClr r="0" g="0" b="0"/>
+      </a:lnRef>
+      <a:fillRef idx="0">
+        <a:scrgbClr r="0" g="0" b="0"/>
+      </a:fillRef>
+      <a:effectRef idx="0">
+        <a:scrgbClr r="0" g="0" b="0"/>
+      </a:effectRef>
+      <a:fontRef idx="minor"/>
+    </dgm:style>
+  </dgm:styleLbl>
+  <dgm:styleLbl name="parChTrans1D3">
+    <dgm:scene3d>
+      <a:camera prst="orthographicFront"/>
+      <a:lightRig rig="threePt" dir="t"/>
+    </dgm:scene3d>
+    <dgm:sp3d/>
+    <dgm:txPr/>
+    <dgm:style>
+      <a:lnRef idx="2">
+        <a:scrgbClr r="0" g="0" b="0"/>
+      </a:lnRef>
+      <a:fillRef idx="0">
+        <a:scrgbClr r="0" g="0" b="0"/>
+      </a:fillRef>
+      <a:effectRef idx="0">
+        <a:scrgbClr r="0" g="0" b="0"/>
+      </a:effectRef>
+      <a:fontRef idx="minor"/>
+    </dgm:style>
+  </dgm:styleLbl>
+  <dgm:styleLbl name="parChTrans1D4">
+    <dgm:scene3d>
+      <a:camera prst="orthographicFront"/>
+      <a:lightRig rig="threePt" dir="t"/>
+    </dgm:scene3d>
+    <dgm:sp3d/>
+    <dgm:txPr/>
+    <dgm:style>
+      <a:lnRef idx="2">
+        <a:scrgbClr r="0" g="0" b="0"/>
+      </a:lnRef>
+      <a:fillRef idx="0">
+        <a:scrgbClr r="0" g="0" b="0"/>
+      </a:fillRef>
+      <a:effectRef idx="0">
+        <a:scrgbClr r="0" g="0" b="0"/>
+      </a:effectRef>
+      <a:fontRef idx="minor"/>
+    </dgm:style>
+  </dgm:styleLbl>
+  <dgm:styleLbl name="fgAcc1">
+    <dgm:scene3d>
+      <a:camera prst="orthographicFront"/>
+      <a:lightRig rig="threePt" dir="t"/>
+    </dgm:scene3d>
+    <dgm:sp3d/>
+    <dgm:txPr/>
+    <dgm:style>
+      <a:lnRef idx="2">
+        <a:scrgbClr r="0" g="0" b="0"/>
+      </a:lnRef>
+      <a:fillRef idx="1">
+        <a:scrgbClr r="0" g="0" b="0"/>
+      </a:fillRef>
+      <a:effectRef idx="0">
+        <a:scrgbClr r="0" g="0" b="0"/>
+      </a:effectRef>
+      <a:fontRef idx="minor"/>
+    </dgm:style>
+  </dgm:styleLbl>
+  <dgm:styleLbl name="conFgAcc1">
+    <dgm:scene3d>
+      <a:camera prst="orthographicFront"/>
+      <a:lightRig rig="threePt" dir="t"/>
+    </dgm:scene3d>
+    <dgm:sp3d/>
+    <dgm:txPr/>
+    <dgm:style>
+      <a:lnRef idx="2">
+        <a:scrgbClr r="0" g="0" b="0"/>
+      </a:lnRef>
+      <a:fillRef idx="1">
+        <a:scrgbClr r="0" g="0" b="0"/>
+      </a:fillRef>
+      <a:effectRef idx="0">
+        <a:scrgbClr r="0" g="0" b="0"/>
+      </a:effectRef>
+      <a:fontRef idx="minor"/>
+    </dgm:style>
+  </dgm:styleLbl>
+  <dgm:styleLbl name="alignAcc1">
+    <dgm:scene3d>
+      <a:camera prst="orthographicFront"/>
+      <a:lightRig rig="threePt" dir="t"/>
+    </dgm:scene3d>
+    <dgm:sp3d/>
+    <dgm:txPr/>
+    <dgm:style>
+      <a:lnRef idx="2">
+        <a:scrgbClr r="0" g="0" b="0"/>
+      </a:lnRef>
+      <a:fillRef idx="1">
+        <a:scrgbClr r="0" g="0" b="0"/>
+      </a:fillRef>
+      <a:effectRef idx="0">
+        <a:scrgbClr r="0" g="0" b="0"/>
+      </a:effectRef>
+      <a:fontRef idx="minor"/>
+    </dgm:style>
+  </dgm:styleLbl>
+  <dgm:styleLbl name="trAlignAcc1">
+    <dgm:scene3d>
+      <a:camera prst="orthographicFront"/>
+      <a:lightRig rig="threePt" dir="t"/>
+    </dgm:scene3d>
+    <dgm:sp3d/>
+    <dgm:txPr/>
+    <dgm:style>
+      <a:lnRef idx="1">
+        <a:scrgbClr r="0" g="0" b="0"/>
+      </a:lnRef>
+      <a:fillRef idx="1">
+        <a:scrgbClr r="0" g="0" b="0"/>
+      </a:fillRef>
+      <a:effectRef idx="0">
+        <a:scrgbClr r="0" g="0" b="0"/>
+      </a:effectRef>
+      <a:fontRef idx="minor"/>
+    </dgm:style>
+  </dgm:styleLbl>
+  <dgm:styleLbl name="bgAcc1">
+    <dgm:scene3d>
+      <a:camera prst="orthographicFront"/>
+      <a:lightRig rig="threePt" dir="t"/>
+    </dgm:scene3d>
+    <dgm:sp3d/>
+    <dgm:txPr/>
+    <dgm:style>
+      <a:lnRef idx="2">
+        <a:scrgbClr r="0" g="0" b="0"/>
+      </a:lnRef>
+      <a:fillRef idx="1">
+        <a:scrgbClr r="0" g="0" b="0"/>
+      </a:fillRef>
+      <a:effectRef idx="0">
+        <a:scrgbClr r="0" g="0" b="0"/>
+      </a:effectRef>
+      <a:fontRef idx="minor"/>
+    </dgm:style>
+  </dgm:styleLbl>
+  <dgm:styleLbl name="solidFgAcc1">
+    <dgm:scene3d>
+      <a:camera prst="orthographicFront"/>
+      <a:lightRig rig="threePt" dir="t"/>
+    </dgm:scene3d>
+    <dgm:sp3d/>
+    <dgm:txPr/>
+    <dgm:style>
+      <a:lnRef idx="2">
+        <a:scrgbClr r="0" g="0" b="0"/>
+      </a:lnRef>
+      <a:fillRef idx="1">
+        <a:scrgbClr r="0" g="0" b="0"/>
+      </a:fillRef>
+      <a:effectRef idx="0">
+        <a:scrgbClr r="0" g="0" b="0"/>
+      </a:effectRef>
+      <a:fontRef idx="minor"/>
+    </dgm:style>
+  </dgm:styleLbl>
+  <dgm:styleLbl name="solidAlignAcc1">
+    <dgm:scene3d>
+      <a:camera prst="orthographicFront"/>
+      <a:lightRig rig="threePt" dir="t"/>
+    </dgm:scene3d>
+    <dgm:sp3d/>
+    <dgm:txPr/>
+    <dgm:style>
+      <a:lnRef idx="2">
+        <a:scrgbClr r="0" g="0" b="0"/>
+      </a:lnRef>
+      <a:fillRef idx="1">
+        <a:scrgbClr r="0" g="0" b="0"/>
+      </a:fillRef>
+      <a:effectRef idx="0">
+        <a:scrgbClr r="0" g="0" b="0"/>
+      </a:effectRef>
+      <a:fontRef idx="minor"/>
+    </dgm:style>
+  </dgm:styleLbl>
+  <dgm:styleLbl name="solidBgAcc1">
+    <dgm:scene3d>
+      <a:camera prst="orthographicFront"/>
+      <a:lightRig rig="threePt" dir="t"/>
+    </dgm:scene3d>
+    <dgm:sp3d/>
+    <dgm:txPr/>
+    <dgm:style>
+      <a:lnRef idx="2">
+        <a:scrgbClr r="0" g="0" b="0"/>
+      </a:lnRef>
+      <a:fillRef idx="1">
+        <a:scrgbClr r="0" g="0" b="0"/>
+      </a:fillRef>
+      <a:effectRef idx="0">
+        <a:scrgbClr r="0" g="0" b="0"/>
+      </a:effectRef>
+      <a:fontRef idx="minor"/>
+    </dgm:style>
+  </dgm:styleLbl>
+  <dgm:styleLbl name="fgAccFollowNode1">
+    <dgm:scene3d>
+      <a:camera prst="orthographicFront"/>
+      <a:lightRig rig="threePt" dir="t"/>
+    </dgm:scene3d>
+    <dgm:sp3d/>
+    <dgm:txPr/>
+    <dgm:style>
+      <a:lnRef idx="2">
+        <a:scrgbClr r="0" g="0" b="0"/>
+      </a:lnRef>
+      <a:fillRef idx="1">
+        <a:scrgbClr r="0" g="0" b="0"/>
+      </a:fillRef>
+      <a:effectRef idx="0">
+        <a:scrgbClr r="0" g="0" b="0"/>
+      </a:effectRef>
+      <a:fontRef idx="minor"/>
+    </dgm:style>
+  </dgm:styleLbl>
+  <dgm:styleLbl name="alignAccFollowNode1">
+    <dgm:scene3d>
+      <a:camera prst="orthographicFront"/>
+      <a:lightRig rig="threePt" dir="t"/>
+    </dgm:scene3d>
+    <dgm:sp3d/>
+    <dgm:txPr/>
+    <dgm:style>
+      <a:lnRef idx="2">
+        <a:scrgbClr r="0" g="0" b="0"/>
+      </a:lnRef>
+      <a:fillRef idx="1">
+        <a:scrgbClr r="0" g="0" b="0"/>
+      </a:fillRef>
+      <a:effectRef idx="0">
+        <a:scrgbClr r="0" g="0" b="0"/>
+      </a:effectRef>
+      <a:fontRef idx="minor"/>
+    </dgm:style>
+  </dgm:styleLbl>
+  <dgm:styleLbl name="bgAccFollowNode1">
+    <dgm:scene3d>
+      <a:camera prst="orthographicFront"/>
+      <a:lightRig rig="threePt" dir="t"/>
+    </dgm:scene3d>
+    <dgm:sp3d/>
+    <dgm:txPr/>
+    <dgm:style>
+      <a:lnRef idx="2">
+        <a:scrgbClr r="0" g="0" b="0"/>
+      </a:lnRef>
+      <a:fillRef idx="1">
+        <a:scrgbClr r="0" g="0" b="0"/>
+      </a:fillRef>
+      <a:effectRef idx="0">
+        <a:scrgbClr r="0" g="0" b="0"/>
+      </a:effectRef>
+      <a:fontRef idx="minor"/>
+    </dgm:style>
+  </dgm:styleLbl>
+  <dgm:styleLbl name="fgAcc0">
+    <dgm:scene3d>
+      <a:camera prst="orthographicFront"/>
+      <a:lightRig rig="threePt" dir="t"/>
+    </dgm:scene3d>
+    <dgm:sp3d/>
+    <dgm:txPr/>
+    <dgm:style>
+      <a:lnRef idx="2">
+        <a:scrgbClr r="0" g="0" b="0"/>
+      </a:lnRef>
+      <a:fillRef idx="1">
+        <a:scrgbClr r="0" g="0" b="0"/>
+      </a:fillRef>
+      <a:effectRef idx="0">
+        <a:scrgbClr r="0" g="0" b="0"/>
+      </a:effectRef>
+      <a:fontRef idx="minor"/>
+    </dgm:style>
+  </dgm:styleLbl>
+  <dgm:styleLbl name="fgAcc2">
+    <dgm:scene3d>
+      <a:camera prst="orthographicFront"/>
+      <a:lightRig rig="threePt" dir="t"/>
+    </dgm:scene3d>
+    <dgm:sp3d/>
+    <dgm:txPr/>
+    <dgm:style>
+      <a:lnRef idx="2">
+        <a:scrgbClr r="0" g="0" b="0"/>
+      </a:lnRef>
+      <a:fillRef idx="1">
+        <a:scrgbClr r="0" g="0" b="0"/>
+      </a:fillRef>
+      <a:effectRef idx="0">
+        <a:scrgbClr r="0" g="0" b="0"/>
+      </a:effectRef>
+      <a:fontRef idx="minor"/>
+    </dgm:style>
+  </dgm:styleLbl>
+  <dgm:styleLbl name="fgAcc3">
+    <dgm:scene3d>
+      <a:camera prst="orthographicFront"/>
+      <a:lightRig rig="threePt" dir="t"/>
+    </dgm:scene3d>
+    <dgm:sp3d/>
+    <dgm:txPr/>
+    <dgm:style>
+      <a:lnRef idx="2">
+        <a:scrgbClr r="0" g="0" b="0"/>
+      </a:lnRef>
+      <a:fillRef idx="1">
+        <a:scrgbClr r="0" g="0" b="0"/>
+      </a:fillRef>
+      <a:effectRef idx="0">
+        <a:scrgbClr r="0" g="0" b="0"/>
+      </a:effectRef>
+      <a:fontRef idx="minor"/>
+    </dgm:style>
+  </dgm:styleLbl>
+  <dgm:styleLbl name="fgAcc4">
+    <dgm:scene3d>
+      <a:camera prst="orthographicFront"/>
+      <a:lightRig rig="threePt" dir="t"/>
+    </dgm:scene3d>
+    <dgm:sp3d/>
+    <dgm:txPr/>
+    <dgm:style>
+      <a:lnRef idx="2">
+        <a:scrgbClr r="0" g="0" b="0"/>
+      </a:lnRef>
+      <a:fillRef idx="1">
+        <a:scrgbClr r="0" g="0" b="0"/>
+      </a:fillRef>
+      <a:effectRef idx="0">
+        <a:scrgbClr r="0" g="0" b="0"/>
+      </a:effectRef>
+      <a:fontRef idx="minor"/>
+    </dgm:style>
+  </dgm:styleLbl>
+  <dgm:styleLbl name="bgShp">
+    <dgm:scene3d>
+      <a:camera prst="orthographicFront"/>
+      <a:lightRig rig="threePt" dir="t"/>
+    </dgm:scene3d>
+    <dgm:sp3d/>
+    <dgm:txPr/>
+    <dgm:style>
+      <a:lnRef idx="0">
+        <a:scrgbClr r="0" g="0" b="0"/>
+      </a:lnRef>
+      <a:fillRef idx="1">
+        <a:scrgbClr r="0" g="0" b="0"/>
+      </a:fillRef>
+      <a:effectRef idx="0">
+        <a:scrgbClr r="0" g="0" b="0"/>
+      </a:effectRef>
+      <a:fontRef idx="minor"/>
+    </dgm:style>
+  </dgm:styleLbl>
+  <dgm:styleLbl name="dkBgShp">
+    <dgm:scene3d>
+      <a:camera prst="orthographicFront"/>
+      <a:lightRig rig="threePt" dir="t"/>
+    </dgm:scene3d>
+    <dgm:sp3d/>
+    <dgm:txPr/>
+    <dgm:style>
+      <a:lnRef idx="0">
+        <a:scrgbClr r="0" g="0" b="0"/>
+      </a:lnRef>
+      <a:fillRef idx="1">
+        <a:scrgbClr r="0" g="0" b="0"/>
+      </a:fillRef>
+      <a:effectRef idx="0">
+        <a:scrgbClr r="0" g="0" b="0"/>
+      </a:effectRef>
+      <a:fontRef idx="minor"/>
+    </dgm:style>
+  </dgm:styleLbl>
+  <dgm:styleLbl name="trBgShp">
+    <dgm:scene3d>
+      <a:camera prst="orthographicFront"/>
+      <a:lightRig rig="threePt" dir="t"/>
+    </dgm:scene3d>
+    <dgm:sp3d/>
+    <dgm:txPr/>
+    <dgm:style>
+      <a:lnRef idx="0">
+        <a:scrgbClr r="0" g="0" b="0"/>
+      </a:lnRef>
+      <a:fillRef idx="1">
+        <a:scrgbClr r="0" g="0" b="0"/>
+      </a:fillRef>
+      <a:effectRef idx="0">
+        <a:scrgbClr r="0" g="0" b="0"/>
+      </a:effectRef>
+      <a:fontRef idx="minor"/>
+    </dgm:style>
+  </dgm:styleLbl>
+  <dgm:styleLbl name="fgShp">
+    <dgm:scene3d>
+      <a:camera prst="orthographicFront"/>
+      <a:lightRig rig="threePt" dir="t"/>
+    </dgm:scene3d>
+    <dgm:sp3d/>
+    <dgm:txPr/>
+    <dgm:style>
+      <a:lnRef idx="2">
+        <a:scrgbClr r="0" g="0" b="0"/>
+      </a:lnRef>
+      <a:fillRef idx="1">
+        <a:scrgbClr r="0" g="0" b="0"/>
+      </a:fillRef>
+      <a:effectRef idx="0">
         <a:scrgbClr r="0" g="0" b="0"/>
       </a:effectRef>
       <a:fontRef idx="minor"/>
@@ -5816,7 +9884,7 @@
           <a:p>
             <a:fld id="{FDB3CEE1-AD7B-8949-9FF2-E081695872FF}" type="datetimeFigureOut">
               <a:rPr lang="en-US" smtClean="0"/>
-              <a:t>3/24/19</a:t>
+              <a:t>3/31/19</a:t>
             </a:fld>
             <a:endParaRPr lang="en-US"/>
           </a:p>
@@ -6014,7 +10082,7 @@
           <a:p>
             <a:fld id="{FDB3CEE1-AD7B-8949-9FF2-E081695872FF}" type="datetimeFigureOut">
               <a:rPr lang="en-US" smtClean="0"/>
-              <a:t>3/24/19</a:t>
+              <a:t>3/31/19</a:t>
             </a:fld>
             <a:endParaRPr lang="en-US"/>
           </a:p>
@@ -6222,7 +10290,7 @@
           <a:p>
             <a:fld id="{FDB3CEE1-AD7B-8949-9FF2-E081695872FF}" type="datetimeFigureOut">
               <a:rPr lang="en-US" smtClean="0"/>
-              <a:t>3/24/19</a:t>
+              <a:t>3/31/19</a:t>
             </a:fld>
             <a:endParaRPr lang="en-US"/>
           </a:p>
@@ -6420,7 +10488,7 @@
           <a:p>
             <a:fld id="{FDB3CEE1-AD7B-8949-9FF2-E081695872FF}" type="datetimeFigureOut">
               <a:rPr lang="en-US" smtClean="0"/>
-              <a:t>3/24/19</a:t>
+              <a:t>3/31/19</a:t>
             </a:fld>
             <a:endParaRPr lang="en-US"/>
           </a:p>
@@ -6695,7 +10763,7 @@
           <a:p>
             <a:fld id="{FDB3CEE1-AD7B-8949-9FF2-E081695872FF}" type="datetimeFigureOut">
               <a:rPr lang="en-US" smtClean="0"/>
-              <a:t>3/24/19</a:t>
+              <a:t>3/31/19</a:t>
             </a:fld>
             <a:endParaRPr lang="en-US"/>
           </a:p>
@@ -6960,7 +11028,7 @@
           <a:p>
             <a:fld id="{FDB3CEE1-AD7B-8949-9FF2-E081695872FF}" type="datetimeFigureOut">
               <a:rPr lang="en-US" smtClean="0"/>
-              <a:t>3/24/19</a:t>
+              <a:t>3/31/19</a:t>
             </a:fld>
             <a:endParaRPr lang="en-US"/>
           </a:p>
@@ -7372,7 +11440,7 @@
           <a:p>
             <a:fld id="{FDB3CEE1-AD7B-8949-9FF2-E081695872FF}" type="datetimeFigureOut">
               <a:rPr lang="en-US" smtClean="0"/>
-              <a:t>3/24/19</a:t>
+              <a:t>3/31/19</a:t>
             </a:fld>
             <a:endParaRPr lang="en-US"/>
           </a:p>
@@ -7513,7 +11581,7 @@
           <a:p>
             <a:fld id="{FDB3CEE1-AD7B-8949-9FF2-E081695872FF}" type="datetimeFigureOut">
               <a:rPr lang="en-US" smtClean="0"/>
-              <a:t>3/24/19</a:t>
+              <a:t>3/31/19</a:t>
             </a:fld>
             <a:endParaRPr lang="en-US"/>
           </a:p>
@@ -7626,7 +11694,7 @@
           <a:p>
             <a:fld id="{FDB3CEE1-AD7B-8949-9FF2-E081695872FF}" type="datetimeFigureOut">
               <a:rPr lang="en-US" smtClean="0"/>
-              <a:t>3/24/19</a:t>
+              <a:t>3/31/19</a:t>
             </a:fld>
             <a:endParaRPr lang="en-US"/>
           </a:p>
@@ -7937,7 +12005,7 @@
           <a:p>
             <a:fld id="{FDB3CEE1-AD7B-8949-9FF2-E081695872FF}" type="datetimeFigureOut">
               <a:rPr lang="en-US" smtClean="0"/>
-              <a:t>3/24/19</a:t>
+              <a:t>3/31/19</a:t>
             </a:fld>
             <a:endParaRPr lang="en-US"/>
           </a:p>
@@ -8225,7 +12293,7 @@
           <a:p>
             <a:fld id="{FDB3CEE1-AD7B-8949-9FF2-E081695872FF}" type="datetimeFigureOut">
               <a:rPr lang="en-US" smtClean="0"/>
-              <a:t>3/24/19</a:t>
+              <a:t>3/31/19</a:t>
             </a:fld>
             <a:endParaRPr lang="en-US"/>
           </a:p>
@@ -8466,7 +12534,7 @@
           <a:p>
             <a:fld id="{FDB3CEE1-AD7B-8949-9FF2-E081695872FF}" type="datetimeFigureOut">
               <a:rPr lang="en-US" smtClean="0"/>
-              <a:t>3/24/19</a:t>
+              <a:t>3/31/19</a:t>
             </a:fld>
             <a:endParaRPr lang="en-US"/>
           </a:p>
@@ -8896,7 +12964,7 @@
           <p:nvPr>
             <p:extLst>
               <p:ext uri="{D42A27DB-BD31-4B8C-83A1-F6EECF244321}">
-                <p14:modId xmlns:p14="http://schemas.microsoft.com/office/powerpoint/2010/main" val="1164070685"/>
+                <p14:modId xmlns:p14="http://schemas.microsoft.com/office/powerpoint/2010/main" val="2441647810"/>
               </p:ext>
             </p:extLst>
           </p:nvPr>
@@ -8911,10 +12979,181 @@
           </a:graphicData>
         </a:graphic>
       </p:graphicFrame>
+      <p:sp>
+        <p:nvSpPr>
+          <p:cNvPr id="2" name="TextBox 1">
+            <a:extLst>
+              <a:ext uri="{FF2B5EF4-FFF2-40B4-BE49-F238E27FC236}">
+                <a16:creationId xmlns:a16="http://schemas.microsoft.com/office/drawing/2014/main" id="{3E97A829-5F15-BD44-B262-5DB193C13CF3}"/>
+              </a:ext>
+            </a:extLst>
+          </p:cNvPr>
+          <p:cNvSpPr txBox="1"/>
+          <p:nvPr/>
+        </p:nvSpPr>
+        <p:spPr>
+          <a:xfrm>
+            <a:off x="3507828" y="204952"/>
+            <a:ext cx="1133644" cy="369332"/>
+          </a:xfrm>
+          <a:prstGeom prst="rect">
+            <a:avLst/>
+          </a:prstGeom>
+          <a:noFill/>
+        </p:spPr>
+        <p:txBody>
+          <a:bodyPr wrap="none" rtlCol="0">
+            <a:spAutoFit/>
+          </a:bodyPr>
+          <a:lstStyle/>
+          <a:p>
+            <a:r>
+              <a:rPr lang="en-US" dirty="0">
+                <a:latin typeface="Arial" panose="020B0604020202020204" pitchFamily="34" charset="0"/>
+                <a:cs typeface="Arial" panose="020B0604020202020204" pitchFamily="34" charset="0"/>
+              </a:rPr>
+              <a:t>Get data </a:t>
+            </a:r>
+          </a:p>
+        </p:txBody>
+      </p:sp>
     </p:spTree>
     <p:extLst>
       <p:ext uri="{BB962C8B-B14F-4D97-AF65-F5344CB8AC3E}">
         <p14:creationId xmlns:p14="http://schemas.microsoft.com/office/powerpoint/2010/main" val="2811788695"/>
+      </p:ext>
+    </p:extLst>
+  </p:cSld>
+  <p:clrMapOvr>
+    <a:masterClrMapping/>
+  </p:clrMapOvr>
+</p:sld>
+</file>
+
+<file path=ppt/slides/slide2.xml><?xml version="1.0" encoding="utf-8"?>
+<p:sld xmlns:a="http://schemas.openxmlformats.org/drawingml/2006/main" xmlns:r="http://schemas.openxmlformats.org/officeDocument/2006/relationships" xmlns:p="http://schemas.openxmlformats.org/presentationml/2006/main">
+  <p:cSld>
+    <p:spTree>
+      <p:nvGrpSpPr>
+        <p:cNvPr id="1" name=""/>
+        <p:cNvGrpSpPr/>
+        <p:nvPr/>
+      </p:nvGrpSpPr>
+      <p:grpSpPr>
+        <a:xfrm>
+          <a:off x="0" y="0"/>
+          <a:ext cx="0" cy="0"/>
+          <a:chOff x="0" y="0"/>
+          <a:chExt cx="0" cy="0"/>
+        </a:xfrm>
+      </p:grpSpPr>
+      <p:graphicFrame>
+        <p:nvGraphicFramePr>
+          <p:cNvPr id="8" name="Diagram 7">
+            <a:extLst>
+              <a:ext uri="{FF2B5EF4-FFF2-40B4-BE49-F238E27FC236}">
+                <a16:creationId xmlns:a16="http://schemas.microsoft.com/office/drawing/2014/main" id="{1066BE7C-1461-B144-970C-B0B0B48803CB}"/>
+              </a:ext>
+            </a:extLst>
+          </p:cNvPr>
+          <p:cNvGraphicFramePr/>
+          <p:nvPr>
+            <p:extLst>
+              <p:ext uri="{D42A27DB-BD31-4B8C-83A1-F6EECF244321}">
+                <p14:modId xmlns:p14="http://schemas.microsoft.com/office/powerpoint/2010/main" val="2255141090"/>
+              </p:ext>
+            </p:extLst>
+          </p:nvPr>
+        </p:nvGraphicFramePr>
+        <p:xfrm>
+          <a:off x="2032000" y="719666"/>
+          <a:ext cx="8128000" cy="5418667"/>
+        </p:xfrm>
+        <a:graphic>
+          <a:graphicData uri="http://schemas.openxmlformats.org/drawingml/2006/diagram">
+            <dgm:relIds xmlns:dgm="http://schemas.openxmlformats.org/drawingml/2006/diagram" xmlns:r="http://schemas.openxmlformats.org/officeDocument/2006/relationships" r:dm="rId2" r:lo="rId3" r:qs="rId4" r:cs="rId5"/>
+          </a:graphicData>
+        </a:graphic>
+      </p:graphicFrame>
+      <p:sp>
+        <p:nvSpPr>
+          <p:cNvPr id="11" name="TextBox 10">
+            <a:extLst>
+              <a:ext uri="{FF2B5EF4-FFF2-40B4-BE49-F238E27FC236}">
+                <a16:creationId xmlns:a16="http://schemas.microsoft.com/office/drawing/2014/main" id="{72C03355-C328-2C4A-ACA7-F5E27D4F0CAF}"/>
+              </a:ext>
+            </a:extLst>
+          </p:cNvPr>
+          <p:cNvSpPr txBox="1"/>
+          <p:nvPr/>
+        </p:nvSpPr>
+        <p:spPr>
+          <a:xfrm rot="16200000">
+            <a:off x="1280512" y="5126182"/>
+            <a:ext cx="1133644" cy="369332"/>
+          </a:xfrm>
+          <a:prstGeom prst="rect">
+            <a:avLst/>
+          </a:prstGeom>
+          <a:noFill/>
+        </p:spPr>
+        <p:txBody>
+          <a:bodyPr wrap="none" rtlCol="0">
+            <a:spAutoFit/>
+          </a:bodyPr>
+          <a:lstStyle/>
+          <a:p>
+            <a:r>
+              <a:rPr lang="en-US" b="1" dirty="0">
+                <a:latin typeface="Arial" panose="020B0604020202020204" pitchFamily="34" charset="0"/>
+                <a:cs typeface="Arial" panose="020B0604020202020204" pitchFamily="34" charset="0"/>
+              </a:rPr>
+              <a:t>OUTPUT</a:t>
+            </a:r>
+          </a:p>
+        </p:txBody>
+      </p:sp>
+      <p:sp>
+        <p:nvSpPr>
+          <p:cNvPr id="12" name="Rectangle 11">
+            <a:extLst>
+              <a:ext uri="{FF2B5EF4-FFF2-40B4-BE49-F238E27FC236}">
+                <a16:creationId xmlns:a16="http://schemas.microsoft.com/office/drawing/2014/main" id="{39072290-D593-D342-A38D-D426D8C14B0A}"/>
+              </a:ext>
+            </a:extLst>
+          </p:cNvPr>
+          <p:cNvSpPr/>
+          <p:nvPr/>
+        </p:nvSpPr>
+        <p:spPr>
+          <a:xfrm rot="16200000">
+            <a:off x="1408753" y="3244333"/>
+            <a:ext cx="877163" cy="369332"/>
+          </a:xfrm>
+          <a:prstGeom prst="rect">
+            <a:avLst/>
+          </a:prstGeom>
+        </p:spPr>
+        <p:txBody>
+          <a:bodyPr wrap="none">
+            <a:spAutoFit/>
+          </a:bodyPr>
+          <a:lstStyle/>
+          <a:p>
+            <a:r>
+              <a:rPr lang="en-US" b="1" dirty="0">
+                <a:latin typeface="Arial" panose="020B0604020202020204" pitchFamily="34" charset="0"/>
+                <a:cs typeface="Arial" panose="020B0604020202020204" pitchFamily="34" charset="0"/>
+              </a:rPr>
+              <a:t>INPUT</a:t>
+            </a:r>
+          </a:p>
+        </p:txBody>
+      </p:sp>
+    </p:spTree>
+    <p:extLst>
+      <p:ext uri="{BB962C8B-B14F-4D97-AF65-F5344CB8AC3E}">
+        <p14:creationId xmlns:p14="http://schemas.microsoft.com/office/powerpoint/2010/main" val="1682440838"/>
       </p:ext>
     </p:extLst>
   </p:cSld>

--- a/images/workflow_diagram.pptx
+++ b/images/workflow_diagram.pptx
@@ -3378,15 +3378,7 @@
               <a:cs typeface="Arial" panose="020B0604020202020204" pitchFamily="34" charset="0"/>
               <a:sym typeface="Wingdings" pitchFamily="2" charset="2"/>
             </a:rPr>
-            <a:t> ~ </a:t>
-          </a:r>
-          <a:r>
-            <a:rPr lang="en-US" sz="1600">
-              <a:latin typeface="Arial" panose="020B0604020202020204" pitchFamily="34" charset="0"/>
-              <a:cs typeface="Arial" panose="020B0604020202020204" pitchFamily="34" charset="0"/>
-              <a:sym typeface="Wingdings" pitchFamily="2" charset="2"/>
-            </a:rPr>
-            <a:t>1)*</a:t>
+            <a:t> ~ SPE  + 1)*</a:t>
           </a:r>
           <a:endParaRPr lang="en-US" sz="1600" dirty="0"/>
         </a:p>
@@ -3433,7 +3425,7 @@
               <a:latin typeface="Arial" panose="020B0604020202020204" pitchFamily="34" charset="0"/>
               <a:cs typeface="Arial" panose="020B0604020202020204" pitchFamily="34" charset="0"/>
             </a:rPr>
-            <a:t>1 – testing null model</a:t>
+            <a:t>1, testing null model and SPE event (categorical)</a:t>
           </a:r>
         </a:p>
         <a:p>
@@ -3458,7 +3450,7 @@
               <a:latin typeface="Arial" panose="020B0604020202020204" pitchFamily="34" charset="0"/>
               <a:cs typeface="Arial" panose="020B0604020202020204" pitchFamily="34" charset="0"/>
             </a:rPr>
-            <a:t>*Completed for total land-use change and each land-use transition</a:t>
+            <a:t>*Completed for total land-use change and each transition</a:t>
           </a:r>
           <a:endParaRPr lang="en-US" sz="1400" b="1" dirty="0">
             <a:latin typeface="Arial" panose="020B0604020202020204" pitchFamily="34" charset="0"/>
@@ -3665,7 +3657,7 @@
       <dgm:spPr/>
     </dgm:pt>
     <dgm:pt modelId="{EF1A1E9C-6819-834E-B4A4-D02D71368B94}" type="pres">
-      <dgm:prSet presAssocID="{F13282A0-1868-DD43-8170-9D9888BFF9FD}" presName="childNode" presStyleLbl="node1" presStyleIdx="4" presStyleCnt="6" custScaleY="193411">
+      <dgm:prSet presAssocID="{F13282A0-1868-DD43-8170-9D9888BFF9FD}" presName="childNode" presStyleLbl="node1" presStyleIdx="4" presStyleCnt="6" custScaleY="202589">
         <dgm:presLayoutVars>
           <dgm:bulletEnabled val="1"/>
         </dgm:presLayoutVars>
@@ -6882,15 +6874,7 @@
               <a:cs typeface="Arial" panose="020B0604020202020204" pitchFamily="34" charset="0"/>
               <a:sym typeface="Wingdings" pitchFamily="2" charset="2"/>
             </a:rPr>
-            <a:t> ~ </a:t>
-          </a:r>
-          <a:r>
-            <a:rPr lang="en-US" sz="1600" kern="1200">
-              <a:latin typeface="Arial" panose="020B0604020202020204" pitchFamily="34" charset="0"/>
-              <a:cs typeface="Arial" panose="020B0604020202020204" pitchFamily="34" charset="0"/>
-              <a:sym typeface="Wingdings" pitchFamily="2" charset="2"/>
-            </a:rPr>
-            <a:t>1)*</a:t>
+            <a:t> ~ SPE  + 1)*</a:t>
           </a:r>
           <a:endParaRPr lang="en-US" sz="1600" kern="1200" dirty="0"/>
         </a:p>
@@ -6907,8 +6891,8 @@
       </dsp:nvSpPr>
       <dsp:spPr>
         <a:xfrm>
-          <a:off x="5805289" y="1626189"/>
-          <a:ext cx="2063750" cy="2205314"/>
+          <a:off x="5805289" y="1625815"/>
+          <a:ext cx="2063750" cy="2243766"/>
         </a:xfrm>
         <a:prstGeom prst="roundRect">
           <a:avLst>
@@ -6982,7 +6966,7 @@
               <a:latin typeface="Arial" panose="020B0604020202020204" pitchFamily="34" charset="0"/>
               <a:cs typeface="Arial" panose="020B0604020202020204" pitchFamily="34" charset="0"/>
             </a:rPr>
-            <a:t>1 – testing null model</a:t>
+            <a:t>1, testing null model and SPE event (categorical)</a:t>
           </a:r>
         </a:p>
         <a:p>
@@ -7031,7 +7015,7 @@
               <a:latin typeface="Arial" panose="020B0604020202020204" pitchFamily="34" charset="0"/>
               <a:cs typeface="Arial" panose="020B0604020202020204" pitchFamily="34" charset="0"/>
             </a:rPr>
-            <a:t>*Completed for total land-use change and each land-use transition</a:t>
+            <a:t>*Completed for total land-use change and each transition</a:t>
           </a:r>
           <a:endParaRPr lang="en-US" sz="1400" b="1" kern="1200" dirty="0">
             <a:latin typeface="Arial" panose="020B0604020202020204" pitchFamily="34" charset="0"/>
@@ -7040,8 +7024,8 @@
         </a:p>
       </dsp:txBody>
       <dsp:txXfrm>
-        <a:off x="5865734" y="1686634"/>
-        <a:ext cx="1942860" cy="2084424"/>
+        <a:off x="5865734" y="1686260"/>
+        <a:ext cx="1942860" cy="2122876"/>
       </dsp:txXfrm>
     </dsp:sp>
     <dsp:sp modelId="{34715EC8-EB7F-B14E-87CB-83ED6E14A76E}">
@@ -7051,8 +7035,8 @@
       </dsp:nvSpPr>
       <dsp:spPr>
         <a:xfrm>
-          <a:off x="5805289" y="4006922"/>
-          <a:ext cx="2063750" cy="1140221"/>
+          <a:off x="5805289" y="4039972"/>
+          <a:ext cx="2063750" cy="1107545"/>
         </a:xfrm>
         <a:prstGeom prst="roundRect">
           <a:avLst>
@@ -7142,8 +7126,8 @@
         </a:p>
       </dsp:txBody>
       <dsp:txXfrm>
-        <a:off x="5838685" y="4040318"/>
-        <a:ext cx="1996958" cy="1073429"/>
+        <a:off x="5837728" y="4072411"/>
+        <a:ext cx="1998872" cy="1042667"/>
       </dsp:txXfrm>
     </dsp:sp>
   </dsp:spTree>
@@ -9884,7 +9868,7 @@
           <a:p>
             <a:fld id="{FDB3CEE1-AD7B-8949-9FF2-E081695872FF}" type="datetimeFigureOut">
               <a:rPr lang="en-US" smtClean="0"/>
-              <a:t>3/31/19</a:t>
+              <a:t>4/1/19</a:t>
             </a:fld>
             <a:endParaRPr lang="en-US"/>
           </a:p>
@@ -10082,7 +10066,7 @@
           <a:p>
             <a:fld id="{FDB3CEE1-AD7B-8949-9FF2-E081695872FF}" type="datetimeFigureOut">
               <a:rPr lang="en-US" smtClean="0"/>
-              <a:t>3/31/19</a:t>
+              <a:t>4/1/19</a:t>
             </a:fld>
             <a:endParaRPr lang="en-US"/>
           </a:p>
@@ -10290,7 +10274,7 @@
           <a:p>
             <a:fld id="{FDB3CEE1-AD7B-8949-9FF2-E081695872FF}" type="datetimeFigureOut">
               <a:rPr lang="en-US" smtClean="0"/>
-              <a:t>3/31/19</a:t>
+              <a:t>4/1/19</a:t>
             </a:fld>
             <a:endParaRPr lang="en-US"/>
           </a:p>
@@ -10488,7 +10472,7 @@
           <a:p>
             <a:fld id="{FDB3CEE1-AD7B-8949-9FF2-E081695872FF}" type="datetimeFigureOut">
               <a:rPr lang="en-US" smtClean="0"/>
-              <a:t>3/31/19</a:t>
+              <a:t>4/1/19</a:t>
             </a:fld>
             <a:endParaRPr lang="en-US"/>
           </a:p>
@@ -10763,7 +10747,7 @@
           <a:p>
             <a:fld id="{FDB3CEE1-AD7B-8949-9FF2-E081695872FF}" type="datetimeFigureOut">
               <a:rPr lang="en-US" smtClean="0"/>
-              <a:t>3/31/19</a:t>
+              <a:t>4/1/19</a:t>
             </a:fld>
             <a:endParaRPr lang="en-US"/>
           </a:p>
@@ -11028,7 +11012,7 @@
           <a:p>
             <a:fld id="{FDB3CEE1-AD7B-8949-9FF2-E081695872FF}" type="datetimeFigureOut">
               <a:rPr lang="en-US" smtClean="0"/>
-              <a:t>3/31/19</a:t>
+              <a:t>4/1/19</a:t>
             </a:fld>
             <a:endParaRPr lang="en-US"/>
           </a:p>
@@ -11440,7 +11424,7 @@
           <a:p>
             <a:fld id="{FDB3CEE1-AD7B-8949-9FF2-E081695872FF}" type="datetimeFigureOut">
               <a:rPr lang="en-US" smtClean="0"/>
-              <a:t>3/31/19</a:t>
+              <a:t>4/1/19</a:t>
             </a:fld>
             <a:endParaRPr lang="en-US"/>
           </a:p>
@@ -11581,7 +11565,7 @@
           <a:p>
             <a:fld id="{FDB3CEE1-AD7B-8949-9FF2-E081695872FF}" type="datetimeFigureOut">
               <a:rPr lang="en-US" smtClean="0"/>
-              <a:t>3/31/19</a:t>
+              <a:t>4/1/19</a:t>
             </a:fld>
             <a:endParaRPr lang="en-US"/>
           </a:p>
@@ -11694,7 +11678,7 @@
           <a:p>
             <a:fld id="{FDB3CEE1-AD7B-8949-9FF2-E081695872FF}" type="datetimeFigureOut">
               <a:rPr lang="en-US" smtClean="0"/>
-              <a:t>3/31/19</a:t>
+              <a:t>4/1/19</a:t>
             </a:fld>
             <a:endParaRPr lang="en-US"/>
           </a:p>
@@ -12005,7 +11989,7 @@
           <a:p>
             <a:fld id="{FDB3CEE1-AD7B-8949-9FF2-E081695872FF}" type="datetimeFigureOut">
               <a:rPr lang="en-US" smtClean="0"/>
-              <a:t>3/31/19</a:t>
+              <a:t>4/1/19</a:t>
             </a:fld>
             <a:endParaRPr lang="en-US"/>
           </a:p>
@@ -12293,7 +12277,7 @@
           <a:p>
             <a:fld id="{FDB3CEE1-AD7B-8949-9FF2-E081695872FF}" type="datetimeFigureOut">
               <a:rPr lang="en-US" smtClean="0"/>
-              <a:t>3/31/19</a:t>
+              <a:t>4/1/19</a:t>
             </a:fld>
             <a:endParaRPr lang="en-US"/>
           </a:p>
@@ -12534,7 +12518,7 @@
           <a:p>
             <a:fld id="{FDB3CEE1-AD7B-8949-9FF2-E081695872FF}" type="datetimeFigureOut">
               <a:rPr lang="en-US" smtClean="0"/>
-              <a:t>3/31/19</a:t>
+              <a:t>4/1/19</a:t>
             </a:fld>
             <a:endParaRPr lang="en-US"/>
           </a:p>
@@ -13060,7 +13044,7 @@
           <p:nvPr>
             <p:extLst>
               <p:ext uri="{D42A27DB-BD31-4B8C-83A1-F6EECF244321}">
-                <p14:modId xmlns:p14="http://schemas.microsoft.com/office/powerpoint/2010/main" val="2255141090"/>
+                <p14:modId xmlns:p14="http://schemas.microsoft.com/office/powerpoint/2010/main" val="3852387014"/>
               </p:ext>
             </p:extLst>
           </p:nvPr>

--- a/images/workflow_diagram.pptx
+++ b/images/workflow_diagram.pptx
@@ -10,6 +10,7 @@
     <p:sldId id="259" r:id="rId4"/>
     <p:sldId id="261" r:id="rId5"/>
     <p:sldId id="260" r:id="rId6"/>
+    <p:sldId id="262" r:id="rId7"/>
   </p:sldIdLst>
   <p:sldSz cx="12192000" cy="6858000"/>
   <p:notesSz cx="6858000" cy="9144000"/>
@@ -27426,7 +27427,7 @@
           <a:p>
             <a:fld id="{FDB3CEE1-AD7B-8949-9FF2-E081695872FF}" type="datetimeFigureOut">
               <a:rPr lang="en-US" smtClean="0"/>
-              <a:t>4/12/19</a:t>
+              <a:t>4/13/19</a:t>
             </a:fld>
             <a:endParaRPr lang="en-US"/>
           </a:p>
@@ -27624,7 +27625,7 @@
           <a:p>
             <a:fld id="{FDB3CEE1-AD7B-8949-9FF2-E081695872FF}" type="datetimeFigureOut">
               <a:rPr lang="en-US" smtClean="0"/>
-              <a:t>4/12/19</a:t>
+              <a:t>4/13/19</a:t>
             </a:fld>
             <a:endParaRPr lang="en-US"/>
           </a:p>
@@ -27832,7 +27833,7 @@
           <a:p>
             <a:fld id="{FDB3CEE1-AD7B-8949-9FF2-E081695872FF}" type="datetimeFigureOut">
               <a:rPr lang="en-US" smtClean="0"/>
-              <a:t>4/12/19</a:t>
+              <a:t>4/13/19</a:t>
             </a:fld>
             <a:endParaRPr lang="en-US"/>
           </a:p>
@@ -28030,7 +28031,7 @@
           <a:p>
             <a:fld id="{FDB3CEE1-AD7B-8949-9FF2-E081695872FF}" type="datetimeFigureOut">
               <a:rPr lang="en-US" smtClean="0"/>
-              <a:t>4/12/19</a:t>
+              <a:t>4/13/19</a:t>
             </a:fld>
             <a:endParaRPr lang="en-US"/>
           </a:p>
@@ -28305,7 +28306,7 @@
           <a:p>
             <a:fld id="{FDB3CEE1-AD7B-8949-9FF2-E081695872FF}" type="datetimeFigureOut">
               <a:rPr lang="en-US" smtClean="0"/>
-              <a:t>4/12/19</a:t>
+              <a:t>4/13/19</a:t>
             </a:fld>
             <a:endParaRPr lang="en-US"/>
           </a:p>
@@ -28570,7 +28571,7 @@
           <a:p>
             <a:fld id="{FDB3CEE1-AD7B-8949-9FF2-E081695872FF}" type="datetimeFigureOut">
               <a:rPr lang="en-US" smtClean="0"/>
-              <a:t>4/12/19</a:t>
+              <a:t>4/13/19</a:t>
             </a:fld>
             <a:endParaRPr lang="en-US"/>
           </a:p>
@@ -28982,7 +28983,7 @@
           <a:p>
             <a:fld id="{FDB3CEE1-AD7B-8949-9FF2-E081695872FF}" type="datetimeFigureOut">
               <a:rPr lang="en-US" smtClean="0"/>
-              <a:t>4/12/19</a:t>
+              <a:t>4/13/19</a:t>
             </a:fld>
             <a:endParaRPr lang="en-US"/>
           </a:p>
@@ -29123,7 +29124,7 @@
           <a:p>
             <a:fld id="{FDB3CEE1-AD7B-8949-9FF2-E081695872FF}" type="datetimeFigureOut">
               <a:rPr lang="en-US" smtClean="0"/>
-              <a:t>4/12/19</a:t>
+              <a:t>4/13/19</a:t>
             </a:fld>
             <a:endParaRPr lang="en-US"/>
           </a:p>
@@ -29236,7 +29237,7 @@
           <a:p>
             <a:fld id="{FDB3CEE1-AD7B-8949-9FF2-E081695872FF}" type="datetimeFigureOut">
               <a:rPr lang="en-US" smtClean="0"/>
-              <a:t>4/12/19</a:t>
+              <a:t>4/13/19</a:t>
             </a:fld>
             <a:endParaRPr lang="en-US"/>
           </a:p>
@@ -29547,7 +29548,7 @@
           <a:p>
             <a:fld id="{FDB3CEE1-AD7B-8949-9FF2-E081695872FF}" type="datetimeFigureOut">
               <a:rPr lang="en-US" smtClean="0"/>
-              <a:t>4/12/19</a:t>
+              <a:t>4/13/19</a:t>
             </a:fld>
             <a:endParaRPr lang="en-US"/>
           </a:p>
@@ -29835,7 +29836,7 @@
           <a:p>
             <a:fld id="{FDB3CEE1-AD7B-8949-9FF2-E081695872FF}" type="datetimeFigureOut">
               <a:rPr lang="en-US" smtClean="0"/>
-              <a:t>4/12/19</a:t>
+              <a:t>4/13/19</a:t>
             </a:fld>
             <a:endParaRPr lang="en-US"/>
           </a:p>
@@ -30076,7 +30077,7 @@
           <a:p>
             <a:fld id="{FDB3CEE1-AD7B-8949-9FF2-E081695872FF}" type="datetimeFigureOut">
               <a:rPr lang="en-US" smtClean="0"/>
-              <a:t>4/12/19</a:t>
+              <a:t>4/13/19</a:t>
             </a:fld>
             <a:endParaRPr lang="en-US"/>
           </a:p>
@@ -31191,6 +31192,1187 @@
 </p:sld>
 </file>
 
+<file path=ppt/slides/slide6.xml><?xml version="1.0" encoding="utf-8"?>
+<p:sld xmlns:a="http://schemas.openxmlformats.org/drawingml/2006/main" xmlns:r="http://schemas.openxmlformats.org/officeDocument/2006/relationships" xmlns:p="http://schemas.openxmlformats.org/presentationml/2006/main">
+  <p:cSld>
+    <p:spTree>
+      <p:nvGrpSpPr>
+        <p:cNvPr id="1" name=""/>
+        <p:cNvGrpSpPr/>
+        <p:nvPr/>
+      </p:nvGrpSpPr>
+      <p:grpSpPr>
+        <a:xfrm>
+          <a:off x="0" y="0"/>
+          <a:ext cx="0" cy="0"/>
+          <a:chOff x="0" y="0"/>
+          <a:chExt cx="0" cy="0"/>
+        </a:xfrm>
+      </p:grpSpPr>
+      <p:grpSp>
+        <p:nvGrpSpPr>
+          <p:cNvPr id="49" name="Group 48">
+            <a:extLst>
+              <a:ext uri="{FF2B5EF4-FFF2-40B4-BE49-F238E27FC236}">
+                <a16:creationId xmlns:a16="http://schemas.microsoft.com/office/drawing/2014/main" id="{12745D3E-631D-A448-A0A2-B14D31B084B8}"/>
+              </a:ext>
+            </a:extLst>
+          </p:cNvPr>
+          <p:cNvGrpSpPr/>
+          <p:nvPr/>
+        </p:nvGrpSpPr>
+        <p:grpSpPr>
+          <a:xfrm>
+            <a:off x="2572583" y="656542"/>
+            <a:ext cx="5650833" cy="5544915"/>
+            <a:chOff x="2989625" y="-305126"/>
+            <a:chExt cx="5650833" cy="5544915"/>
+          </a:xfrm>
+        </p:grpSpPr>
+        <p:grpSp>
+          <p:nvGrpSpPr>
+            <p:cNvPr id="32" name="Group 31">
+              <a:extLst>
+                <a:ext uri="{FF2B5EF4-FFF2-40B4-BE49-F238E27FC236}">
+                  <a16:creationId xmlns:a16="http://schemas.microsoft.com/office/drawing/2014/main" id="{55797877-2484-A845-9561-AC4D657323B3}"/>
+                </a:ext>
+              </a:extLst>
+            </p:cNvPr>
+            <p:cNvGrpSpPr/>
+            <p:nvPr/>
+          </p:nvGrpSpPr>
+          <p:grpSpPr>
+            <a:xfrm>
+              <a:off x="2989625" y="-305126"/>
+              <a:ext cx="2164369" cy="2095517"/>
+              <a:chOff x="388211" y="1382006"/>
+              <a:chExt cx="3798778" cy="3703342"/>
+            </a:xfrm>
+          </p:grpSpPr>
+          <p:sp>
+            <p:nvSpPr>
+              <p:cNvPr id="4" name="Rectangle 3">
+                <a:extLst>
+                  <a:ext uri="{FF2B5EF4-FFF2-40B4-BE49-F238E27FC236}">
+                    <a16:creationId xmlns:a16="http://schemas.microsoft.com/office/drawing/2014/main" id="{E115F160-214D-9040-9711-D52007D3C5BF}"/>
+                  </a:ext>
+                </a:extLst>
+              </p:cNvPr>
+              <p:cNvSpPr/>
+              <p:nvPr/>
+            </p:nvSpPr>
+            <p:spPr>
+              <a:xfrm>
+                <a:off x="1129685" y="2037346"/>
+                <a:ext cx="3048000" cy="3048000"/>
+              </a:xfrm>
+              <a:prstGeom prst="rect">
+                <a:avLst/>
+              </a:prstGeom>
+              <a:solidFill>
+                <a:schemeClr val="accent6">
+                  <a:lumMod val="50000"/>
+                </a:schemeClr>
+              </a:solidFill>
+              <a:ln>
+                <a:solidFill>
+                  <a:schemeClr val="tx1"/>
+                </a:solidFill>
+              </a:ln>
+            </p:spPr>
+            <p:style>
+              <a:lnRef idx="2">
+                <a:schemeClr val="accent1">
+                  <a:shade val="50000"/>
+                </a:schemeClr>
+              </a:lnRef>
+              <a:fillRef idx="1">
+                <a:schemeClr val="accent1"/>
+              </a:fillRef>
+              <a:effectRef idx="0">
+                <a:schemeClr val="accent1"/>
+              </a:effectRef>
+              <a:fontRef idx="minor">
+                <a:schemeClr val="lt1"/>
+              </a:fontRef>
+            </p:style>
+            <p:txBody>
+              <a:bodyPr rtlCol="0" anchor="ctr"/>
+              <a:lstStyle/>
+              <a:p>
+                <a:pPr algn="ctr"/>
+                <a:endParaRPr lang="en-US" sz="1400" dirty="0"/>
+              </a:p>
+            </p:txBody>
+          </p:sp>
+          <p:grpSp>
+            <p:nvGrpSpPr>
+              <p:cNvPr id="25" name="Group 24">
+                <a:extLst>
+                  <a:ext uri="{FF2B5EF4-FFF2-40B4-BE49-F238E27FC236}">
+                    <a16:creationId xmlns:a16="http://schemas.microsoft.com/office/drawing/2014/main" id="{455A451C-B702-2440-9DA6-B98134BCDA44}"/>
+                  </a:ext>
+                </a:extLst>
+              </p:cNvPr>
+              <p:cNvGrpSpPr/>
+              <p:nvPr/>
+            </p:nvGrpSpPr>
+            <p:grpSpPr>
+              <a:xfrm>
+                <a:off x="1138989" y="1382006"/>
+                <a:ext cx="3048000" cy="570617"/>
+                <a:chOff x="1138989" y="1382006"/>
+                <a:chExt cx="3048000" cy="570617"/>
+              </a:xfrm>
+            </p:grpSpPr>
+            <p:grpSp>
+              <p:nvGrpSpPr>
+                <p:cNvPr id="13" name="Group 12">
+                  <a:extLst>
+                    <a:ext uri="{FF2B5EF4-FFF2-40B4-BE49-F238E27FC236}">
+                      <a16:creationId xmlns:a16="http://schemas.microsoft.com/office/drawing/2014/main" id="{A1956B2B-B87F-FB41-A445-1D213588F172}"/>
+                    </a:ext>
+                  </a:extLst>
+                </p:cNvPr>
+                <p:cNvGrpSpPr/>
+                <p:nvPr/>
+              </p:nvGrpSpPr>
+              <p:grpSpPr>
+                <a:xfrm>
+                  <a:off x="1138989" y="1676397"/>
+                  <a:ext cx="3048000" cy="276226"/>
+                  <a:chOff x="1138989" y="1690685"/>
+                  <a:chExt cx="3048000" cy="276226"/>
+                </a:xfrm>
+              </p:grpSpPr>
+              <p:cxnSp>
+                <p:nvCxnSpPr>
+                  <p:cNvPr id="8" name="Straight Connector 7">
+                    <a:extLst>
+                      <a:ext uri="{FF2B5EF4-FFF2-40B4-BE49-F238E27FC236}">
+                        <a16:creationId xmlns:a16="http://schemas.microsoft.com/office/drawing/2014/main" id="{248B1FDE-2304-5249-929B-59E86C17F48B}"/>
+                      </a:ext>
+                    </a:extLst>
+                  </p:cNvPr>
+                  <p:cNvCxnSpPr/>
+                  <p:nvPr/>
+                </p:nvCxnSpPr>
+                <p:spPr>
+                  <a:xfrm>
+                    <a:off x="1138989" y="1828800"/>
+                    <a:ext cx="3048000" cy="0"/>
+                  </a:xfrm>
+                  <a:prstGeom prst="line">
+                    <a:avLst/>
+                  </a:prstGeom>
+                  <a:ln>
+                    <a:solidFill>
+                      <a:schemeClr val="tx1"/>
+                    </a:solidFill>
+                  </a:ln>
+                </p:spPr>
+                <p:style>
+                  <a:lnRef idx="1">
+                    <a:schemeClr val="accent1"/>
+                  </a:lnRef>
+                  <a:fillRef idx="0">
+                    <a:schemeClr val="accent1"/>
+                  </a:fillRef>
+                  <a:effectRef idx="0">
+                    <a:schemeClr val="accent1"/>
+                  </a:effectRef>
+                  <a:fontRef idx="minor">
+                    <a:schemeClr val="tx1"/>
+                  </a:fontRef>
+                </p:style>
+              </p:cxnSp>
+              <p:cxnSp>
+                <p:nvCxnSpPr>
+                  <p:cNvPr id="9" name="Straight Connector 8">
+                    <a:extLst>
+                      <a:ext uri="{FF2B5EF4-FFF2-40B4-BE49-F238E27FC236}">
+                        <a16:creationId xmlns:a16="http://schemas.microsoft.com/office/drawing/2014/main" id="{349B7039-B09F-B348-8C1D-FBEF118EA67A}"/>
+                      </a:ext>
+                    </a:extLst>
+                  </p:cNvPr>
+                  <p:cNvCxnSpPr>
+                    <a:cxnSpLocks/>
+                  </p:cNvCxnSpPr>
+                  <p:nvPr/>
+                </p:nvCxnSpPr>
+                <p:spPr>
+                  <a:xfrm flipV="1">
+                    <a:off x="1138989" y="1690685"/>
+                    <a:ext cx="0" cy="276225"/>
+                  </a:xfrm>
+                  <a:prstGeom prst="line">
+                    <a:avLst/>
+                  </a:prstGeom>
+                  <a:ln>
+                    <a:solidFill>
+                      <a:schemeClr val="tx1"/>
+                    </a:solidFill>
+                  </a:ln>
+                </p:spPr>
+                <p:style>
+                  <a:lnRef idx="1">
+                    <a:schemeClr val="accent1"/>
+                  </a:lnRef>
+                  <a:fillRef idx="0">
+                    <a:schemeClr val="accent1"/>
+                  </a:fillRef>
+                  <a:effectRef idx="0">
+                    <a:schemeClr val="accent1"/>
+                  </a:effectRef>
+                  <a:fontRef idx="minor">
+                    <a:schemeClr val="tx1"/>
+                  </a:fontRef>
+                </p:style>
+              </p:cxnSp>
+              <p:cxnSp>
+                <p:nvCxnSpPr>
+                  <p:cNvPr id="12" name="Straight Connector 11">
+                    <a:extLst>
+                      <a:ext uri="{FF2B5EF4-FFF2-40B4-BE49-F238E27FC236}">
+                        <a16:creationId xmlns:a16="http://schemas.microsoft.com/office/drawing/2014/main" id="{49674479-33A3-8E4F-9BD0-CF5B90A2C29F}"/>
+                      </a:ext>
+                    </a:extLst>
+                  </p:cNvPr>
+                  <p:cNvCxnSpPr>
+                    <a:cxnSpLocks/>
+                  </p:cNvCxnSpPr>
+                  <p:nvPr/>
+                </p:nvCxnSpPr>
+                <p:spPr>
+                  <a:xfrm flipV="1">
+                    <a:off x="4186989" y="1690686"/>
+                    <a:ext cx="0" cy="276225"/>
+                  </a:xfrm>
+                  <a:prstGeom prst="line">
+                    <a:avLst/>
+                  </a:prstGeom>
+                  <a:ln>
+                    <a:solidFill>
+                      <a:schemeClr val="tx1"/>
+                    </a:solidFill>
+                  </a:ln>
+                </p:spPr>
+                <p:style>
+                  <a:lnRef idx="1">
+                    <a:schemeClr val="accent1"/>
+                  </a:lnRef>
+                  <a:fillRef idx="0">
+                    <a:schemeClr val="accent1"/>
+                  </a:fillRef>
+                  <a:effectRef idx="0">
+                    <a:schemeClr val="accent1"/>
+                  </a:effectRef>
+                  <a:fontRef idx="minor">
+                    <a:schemeClr val="tx1"/>
+                  </a:fontRef>
+                </p:style>
+              </p:cxnSp>
+            </p:grpSp>
+            <p:sp>
+              <p:nvSpPr>
+                <p:cNvPr id="14" name="TextBox 13">
+                  <a:extLst>
+                    <a:ext uri="{FF2B5EF4-FFF2-40B4-BE49-F238E27FC236}">
+                      <a16:creationId xmlns:a16="http://schemas.microsoft.com/office/drawing/2014/main" id="{4394CB03-AD97-8243-B52D-564A594F4663}"/>
+                    </a:ext>
+                  </a:extLst>
+                </p:cNvPr>
+                <p:cNvSpPr txBox="1"/>
+                <p:nvPr/>
+              </p:nvSpPr>
+              <p:spPr>
+                <a:xfrm>
+                  <a:off x="1737614" y="1382006"/>
+                  <a:ext cx="1850749" cy="543924"/>
+                </a:xfrm>
+                <a:prstGeom prst="rect">
+                  <a:avLst/>
+                </a:prstGeom>
+                <a:noFill/>
+              </p:spPr>
+              <p:txBody>
+                <a:bodyPr wrap="square" rtlCol="0">
+                  <a:spAutoFit/>
+                </a:bodyPr>
+                <a:lstStyle/>
+                <a:p>
+                  <a:r>
+                    <a:rPr lang="en-US" sz="1400" dirty="0">
+                      <a:latin typeface="Helvetica" pitchFamily="2" charset="0"/>
+                    </a:rPr>
+                    <a:t>30 metres </a:t>
+                  </a:r>
+                </a:p>
+              </p:txBody>
+            </p:sp>
+          </p:grpSp>
+          <p:grpSp>
+            <p:nvGrpSpPr>
+              <p:cNvPr id="26" name="Group 25">
+                <a:extLst>
+                  <a:ext uri="{FF2B5EF4-FFF2-40B4-BE49-F238E27FC236}">
+                    <a16:creationId xmlns:a16="http://schemas.microsoft.com/office/drawing/2014/main" id="{0E0C1B1F-421F-5241-B2F7-25B4FF2DBD8B}"/>
+                  </a:ext>
+                </a:extLst>
+              </p:cNvPr>
+              <p:cNvGrpSpPr/>
+              <p:nvPr/>
+            </p:nvGrpSpPr>
+            <p:grpSpPr>
+              <a:xfrm rot="16200000">
+                <a:off x="-788243" y="3213802"/>
+                <a:ext cx="3048000" cy="695091"/>
+                <a:chOff x="1138989" y="1257532"/>
+                <a:chExt cx="3048000" cy="695091"/>
+              </a:xfrm>
+            </p:grpSpPr>
+            <p:grpSp>
+              <p:nvGrpSpPr>
+                <p:cNvPr id="27" name="Group 26">
+                  <a:extLst>
+                    <a:ext uri="{FF2B5EF4-FFF2-40B4-BE49-F238E27FC236}">
+                      <a16:creationId xmlns:a16="http://schemas.microsoft.com/office/drawing/2014/main" id="{D48C7F0F-3598-3C4D-B36A-8AC2F436DB2B}"/>
+                    </a:ext>
+                  </a:extLst>
+                </p:cNvPr>
+                <p:cNvGrpSpPr/>
+                <p:nvPr/>
+              </p:nvGrpSpPr>
+              <p:grpSpPr>
+                <a:xfrm>
+                  <a:off x="1138989" y="1676397"/>
+                  <a:ext cx="3048000" cy="276226"/>
+                  <a:chOff x="1138989" y="1690685"/>
+                  <a:chExt cx="3048000" cy="276226"/>
+                </a:xfrm>
+              </p:grpSpPr>
+              <p:cxnSp>
+                <p:nvCxnSpPr>
+                  <p:cNvPr id="29" name="Straight Connector 28">
+                    <a:extLst>
+                      <a:ext uri="{FF2B5EF4-FFF2-40B4-BE49-F238E27FC236}">
+                        <a16:creationId xmlns:a16="http://schemas.microsoft.com/office/drawing/2014/main" id="{88146BA2-CA3A-864A-8A7D-82303BFF5000}"/>
+                      </a:ext>
+                    </a:extLst>
+                  </p:cNvPr>
+                  <p:cNvCxnSpPr/>
+                  <p:nvPr/>
+                </p:nvCxnSpPr>
+                <p:spPr>
+                  <a:xfrm>
+                    <a:off x="1138989" y="1828800"/>
+                    <a:ext cx="3048000" cy="0"/>
+                  </a:xfrm>
+                  <a:prstGeom prst="line">
+                    <a:avLst/>
+                  </a:prstGeom>
+                  <a:ln>
+                    <a:solidFill>
+                      <a:schemeClr val="tx1"/>
+                    </a:solidFill>
+                  </a:ln>
+                </p:spPr>
+                <p:style>
+                  <a:lnRef idx="1">
+                    <a:schemeClr val="accent1"/>
+                  </a:lnRef>
+                  <a:fillRef idx="0">
+                    <a:schemeClr val="accent1"/>
+                  </a:fillRef>
+                  <a:effectRef idx="0">
+                    <a:schemeClr val="accent1"/>
+                  </a:effectRef>
+                  <a:fontRef idx="minor">
+                    <a:schemeClr val="tx1"/>
+                  </a:fontRef>
+                </p:style>
+              </p:cxnSp>
+              <p:cxnSp>
+                <p:nvCxnSpPr>
+                  <p:cNvPr id="30" name="Straight Connector 29">
+                    <a:extLst>
+                      <a:ext uri="{FF2B5EF4-FFF2-40B4-BE49-F238E27FC236}">
+                        <a16:creationId xmlns:a16="http://schemas.microsoft.com/office/drawing/2014/main" id="{17D7BB3E-7D25-494B-BA45-B511EEE2DF9C}"/>
+                      </a:ext>
+                    </a:extLst>
+                  </p:cNvPr>
+                  <p:cNvCxnSpPr>
+                    <a:cxnSpLocks/>
+                  </p:cNvCxnSpPr>
+                  <p:nvPr/>
+                </p:nvCxnSpPr>
+                <p:spPr>
+                  <a:xfrm flipV="1">
+                    <a:off x="1138989" y="1690685"/>
+                    <a:ext cx="0" cy="276225"/>
+                  </a:xfrm>
+                  <a:prstGeom prst="line">
+                    <a:avLst/>
+                  </a:prstGeom>
+                  <a:ln>
+                    <a:solidFill>
+                      <a:schemeClr val="tx1"/>
+                    </a:solidFill>
+                  </a:ln>
+                </p:spPr>
+                <p:style>
+                  <a:lnRef idx="1">
+                    <a:schemeClr val="accent1"/>
+                  </a:lnRef>
+                  <a:fillRef idx="0">
+                    <a:schemeClr val="accent1"/>
+                  </a:fillRef>
+                  <a:effectRef idx="0">
+                    <a:schemeClr val="accent1"/>
+                  </a:effectRef>
+                  <a:fontRef idx="minor">
+                    <a:schemeClr val="tx1"/>
+                  </a:fontRef>
+                </p:style>
+              </p:cxnSp>
+              <p:cxnSp>
+                <p:nvCxnSpPr>
+                  <p:cNvPr id="31" name="Straight Connector 30">
+                    <a:extLst>
+                      <a:ext uri="{FF2B5EF4-FFF2-40B4-BE49-F238E27FC236}">
+                        <a16:creationId xmlns:a16="http://schemas.microsoft.com/office/drawing/2014/main" id="{F2695BA4-5D90-BD4E-A9CE-6EBB4BC8B6FC}"/>
+                      </a:ext>
+                    </a:extLst>
+                  </p:cNvPr>
+                  <p:cNvCxnSpPr>
+                    <a:cxnSpLocks/>
+                  </p:cNvCxnSpPr>
+                  <p:nvPr/>
+                </p:nvCxnSpPr>
+                <p:spPr>
+                  <a:xfrm flipV="1">
+                    <a:off x="4186989" y="1690686"/>
+                    <a:ext cx="0" cy="276225"/>
+                  </a:xfrm>
+                  <a:prstGeom prst="line">
+                    <a:avLst/>
+                  </a:prstGeom>
+                  <a:ln>
+                    <a:solidFill>
+                      <a:schemeClr val="tx1"/>
+                    </a:solidFill>
+                  </a:ln>
+                </p:spPr>
+                <p:style>
+                  <a:lnRef idx="1">
+                    <a:schemeClr val="accent1"/>
+                  </a:lnRef>
+                  <a:fillRef idx="0">
+                    <a:schemeClr val="accent1"/>
+                  </a:fillRef>
+                  <a:effectRef idx="0">
+                    <a:schemeClr val="accent1"/>
+                  </a:effectRef>
+                  <a:fontRef idx="minor">
+                    <a:schemeClr val="tx1"/>
+                  </a:fontRef>
+                </p:style>
+              </p:cxnSp>
+            </p:grpSp>
+            <p:sp>
+              <p:nvSpPr>
+                <p:cNvPr id="28" name="TextBox 27">
+                  <a:extLst>
+                    <a:ext uri="{FF2B5EF4-FFF2-40B4-BE49-F238E27FC236}">
+                      <a16:creationId xmlns:a16="http://schemas.microsoft.com/office/drawing/2014/main" id="{BDD57972-473D-BD47-A89C-1712EDBBAFF8}"/>
+                    </a:ext>
+                  </a:extLst>
+                </p:cNvPr>
+                <p:cNvSpPr txBox="1"/>
+                <p:nvPr/>
+              </p:nvSpPr>
+              <p:spPr>
+                <a:xfrm>
+                  <a:off x="1733187" y="1257532"/>
+                  <a:ext cx="1859607" cy="540192"/>
+                </a:xfrm>
+                <a:prstGeom prst="rect">
+                  <a:avLst/>
+                </a:prstGeom>
+                <a:noFill/>
+              </p:spPr>
+              <p:txBody>
+                <a:bodyPr wrap="square" rtlCol="0">
+                  <a:spAutoFit/>
+                </a:bodyPr>
+                <a:lstStyle/>
+                <a:p>
+                  <a:r>
+                    <a:rPr lang="en-US" sz="1400" dirty="0">
+                      <a:latin typeface="Helvetica" pitchFamily="2" charset="0"/>
+                    </a:rPr>
+                    <a:t>30 metres </a:t>
+                  </a:r>
+                </a:p>
+              </p:txBody>
+            </p:sp>
+          </p:grpSp>
+        </p:grpSp>
+        <p:sp>
+          <p:nvSpPr>
+            <p:cNvPr id="36" name="Rectangle 35">
+              <a:extLst>
+                <a:ext uri="{FF2B5EF4-FFF2-40B4-BE49-F238E27FC236}">
+                  <a16:creationId xmlns:a16="http://schemas.microsoft.com/office/drawing/2014/main" id="{411D5D6F-C44B-F442-AD05-8C148C1E1190}"/>
+                </a:ext>
+              </a:extLst>
+            </p:cNvPr>
+            <p:cNvSpPr/>
+            <p:nvPr/>
+          </p:nvSpPr>
+          <p:spPr>
+            <a:xfrm>
+              <a:off x="5157207" y="1790398"/>
+              <a:ext cx="1736610" cy="1724695"/>
+            </a:xfrm>
+            <a:prstGeom prst="rect">
+              <a:avLst/>
+            </a:prstGeom>
+            <a:solidFill>
+              <a:schemeClr val="accent6">
+                <a:lumMod val="50000"/>
+              </a:schemeClr>
+            </a:solidFill>
+            <a:ln>
+              <a:solidFill>
+                <a:schemeClr val="tx1"/>
+              </a:solidFill>
+            </a:ln>
+          </p:spPr>
+          <p:style>
+            <a:lnRef idx="2">
+              <a:schemeClr val="accent1">
+                <a:shade val="50000"/>
+              </a:schemeClr>
+            </a:lnRef>
+            <a:fillRef idx="1">
+              <a:schemeClr val="accent1"/>
+            </a:fillRef>
+            <a:effectRef idx="0">
+              <a:schemeClr val="accent1"/>
+            </a:effectRef>
+            <a:fontRef idx="minor">
+              <a:schemeClr val="lt1"/>
+            </a:fontRef>
+          </p:style>
+          <p:txBody>
+            <a:bodyPr rtlCol="0" anchor="ctr"/>
+            <a:lstStyle/>
+            <a:p>
+              <a:pPr algn="ctr"/>
+              <a:endParaRPr lang="en-US" sz="1400" dirty="0"/>
+            </a:p>
+          </p:txBody>
+        </p:sp>
+        <p:sp>
+          <p:nvSpPr>
+            <p:cNvPr id="33" name="Oval 32">
+              <a:extLst>
+                <a:ext uri="{FF2B5EF4-FFF2-40B4-BE49-F238E27FC236}">
+                  <a16:creationId xmlns:a16="http://schemas.microsoft.com/office/drawing/2014/main" id="{98CA76CC-2CE7-DF40-B41F-A3B06040D48A}"/>
+                </a:ext>
+              </a:extLst>
+            </p:cNvPr>
+            <p:cNvSpPr/>
+            <p:nvPr/>
+          </p:nvSpPr>
+          <p:spPr>
+            <a:xfrm flipV="1">
+              <a:off x="5872530" y="2648197"/>
+              <a:ext cx="223470" cy="186291"/>
+            </a:xfrm>
+            <a:prstGeom prst="ellipse">
+              <a:avLst/>
+            </a:prstGeom>
+            <a:solidFill>
+              <a:schemeClr val="tx1">
+                <a:lumMod val="95000"/>
+                <a:lumOff val="5000"/>
+              </a:schemeClr>
+            </a:solidFill>
+            <a:ln>
+              <a:solidFill>
+                <a:schemeClr val="tx1"/>
+              </a:solidFill>
+            </a:ln>
+          </p:spPr>
+          <p:style>
+            <a:lnRef idx="2">
+              <a:schemeClr val="accent1">
+                <a:shade val="50000"/>
+              </a:schemeClr>
+            </a:lnRef>
+            <a:fillRef idx="1">
+              <a:schemeClr val="accent1"/>
+            </a:fillRef>
+            <a:effectRef idx="0">
+              <a:schemeClr val="accent1"/>
+            </a:effectRef>
+            <a:fontRef idx="minor">
+              <a:schemeClr val="lt1"/>
+            </a:fontRef>
+          </p:style>
+          <p:txBody>
+            <a:bodyPr rtlCol="0" anchor="ctr"/>
+            <a:lstStyle/>
+            <a:p>
+              <a:pPr algn="ctr"/>
+              <a:endParaRPr lang="en-US"/>
+            </a:p>
+          </p:txBody>
+        </p:sp>
+        <p:sp>
+          <p:nvSpPr>
+            <p:cNvPr id="37" name="Rectangle 36">
+              <a:extLst>
+                <a:ext uri="{FF2B5EF4-FFF2-40B4-BE49-F238E27FC236}">
+                  <a16:creationId xmlns:a16="http://schemas.microsoft.com/office/drawing/2014/main" id="{A6698F77-92D9-DD4E-85F1-B1E1868D3790}"/>
+                </a:ext>
+              </a:extLst>
+            </p:cNvPr>
+            <p:cNvSpPr/>
+            <p:nvPr/>
+          </p:nvSpPr>
+          <p:spPr>
+            <a:xfrm>
+              <a:off x="6894484" y="1790399"/>
+              <a:ext cx="1736610" cy="1724695"/>
+            </a:xfrm>
+            <a:prstGeom prst="rect">
+              <a:avLst/>
+            </a:prstGeom>
+            <a:solidFill>
+              <a:schemeClr val="accent6">
+                <a:lumMod val="50000"/>
+              </a:schemeClr>
+            </a:solidFill>
+            <a:ln>
+              <a:solidFill>
+                <a:schemeClr val="tx1"/>
+              </a:solidFill>
+            </a:ln>
+          </p:spPr>
+          <p:style>
+            <a:lnRef idx="2">
+              <a:schemeClr val="accent1">
+                <a:shade val="50000"/>
+              </a:schemeClr>
+            </a:lnRef>
+            <a:fillRef idx="1">
+              <a:schemeClr val="accent1"/>
+            </a:fillRef>
+            <a:effectRef idx="0">
+              <a:schemeClr val="accent1"/>
+            </a:effectRef>
+            <a:fontRef idx="minor">
+              <a:schemeClr val="lt1"/>
+            </a:fontRef>
+          </p:style>
+          <p:txBody>
+            <a:bodyPr rtlCol="0" anchor="ctr"/>
+            <a:lstStyle/>
+            <a:p>
+              <a:pPr algn="ctr"/>
+              <a:endParaRPr lang="en-US" sz="1400" dirty="0"/>
+            </a:p>
+          </p:txBody>
+        </p:sp>
+        <p:sp>
+          <p:nvSpPr>
+            <p:cNvPr id="38" name="Rectangle 37">
+              <a:extLst>
+                <a:ext uri="{FF2B5EF4-FFF2-40B4-BE49-F238E27FC236}">
+                  <a16:creationId xmlns:a16="http://schemas.microsoft.com/office/drawing/2014/main" id="{A1A97936-6728-1D43-A485-A8BF1B2567F6}"/>
+                </a:ext>
+              </a:extLst>
+            </p:cNvPr>
+            <p:cNvSpPr/>
+            <p:nvPr/>
+          </p:nvSpPr>
+          <p:spPr>
+            <a:xfrm>
+              <a:off x="3412608" y="3515094"/>
+              <a:ext cx="1736610" cy="1724695"/>
+            </a:xfrm>
+            <a:prstGeom prst="rect">
+              <a:avLst/>
+            </a:prstGeom>
+            <a:solidFill>
+              <a:schemeClr val="accent6">
+                <a:lumMod val="50000"/>
+              </a:schemeClr>
+            </a:solidFill>
+            <a:ln>
+              <a:solidFill>
+                <a:schemeClr val="tx1"/>
+              </a:solidFill>
+            </a:ln>
+          </p:spPr>
+          <p:style>
+            <a:lnRef idx="2">
+              <a:schemeClr val="accent1">
+                <a:shade val="50000"/>
+              </a:schemeClr>
+            </a:lnRef>
+            <a:fillRef idx="1">
+              <a:schemeClr val="accent1"/>
+            </a:fillRef>
+            <a:effectRef idx="0">
+              <a:schemeClr val="accent1"/>
+            </a:effectRef>
+            <a:fontRef idx="minor">
+              <a:schemeClr val="lt1"/>
+            </a:fontRef>
+          </p:style>
+          <p:txBody>
+            <a:bodyPr rtlCol="0" anchor="ctr"/>
+            <a:lstStyle/>
+            <a:p>
+              <a:pPr algn="ctr"/>
+              <a:endParaRPr lang="en-US" sz="1400" dirty="0"/>
+            </a:p>
+          </p:txBody>
+        </p:sp>
+        <p:sp>
+          <p:nvSpPr>
+            <p:cNvPr id="39" name="Rectangle 38">
+              <a:extLst>
+                <a:ext uri="{FF2B5EF4-FFF2-40B4-BE49-F238E27FC236}">
+                  <a16:creationId xmlns:a16="http://schemas.microsoft.com/office/drawing/2014/main" id="{9A17EA51-D67B-6D4D-A097-D3E32F6CA8D6}"/>
+                </a:ext>
+              </a:extLst>
+            </p:cNvPr>
+            <p:cNvSpPr/>
+            <p:nvPr/>
+          </p:nvSpPr>
+          <p:spPr>
+            <a:xfrm>
+              <a:off x="5157207" y="3515094"/>
+              <a:ext cx="1736610" cy="1724695"/>
+            </a:xfrm>
+            <a:prstGeom prst="rect">
+              <a:avLst/>
+            </a:prstGeom>
+            <a:solidFill>
+              <a:schemeClr val="accent6">
+                <a:lumMod val="50000"/>
+              </a:schemeClr>
+            </a:solidFill>
+            <a:ln>
+              <a:solidFill>
+                <a:schemeClr val="tx1"/>
+              </a:solidFill>
+            </a:ln>
+          </p:spPr>
+          <p:style>
+            <a:lnRef idx="2">
+              <a:schemeClr val="accent1">
+                <a:shade val="50000"/>
+              </a:schemeClr>
+            </a:lnRef>
+            <a:fillRef idx="1">
+              <a:schemeClr val="accent1"/>
+            </a:fillRef>
+            <a:effectRef idx="0">
+              <a:schemeClr val="accent1"/>
+            </a:effectRef>
+            <a:fontRef idx="minor">
+              <a:schemeClr val="lt1"/>
+            </a:fontRef>
+          </p:style>
+          <p:txBody>
+            <a:bodyPr rtlCol="0" anchor="ctr"/>
+            <a:lstStyle/>
+            <a:p>
+              <a:pPr algn="ctr"/>
+              <a:endParaRPr lang="en-US" sz="1400" dirty="0"/>
+            </a:p>
+          </p:txBody>
+        </p:sp>
+        <p:sp>
+          <p:nvSpPr>
+            <p:cNvPr id="40" name="Rectangle 39">
+              <a:extLst>
+                <a:ext uri="{FF2B5EF4-FFF2-40B4-BE49-F238E27FC236}">
+                  <a16:creationId xmlns:a16="http://schemas.microsoft.com/office/drawing/2014/main" id="{4DCD7FBD-A272-9B45-903D-21A54E803287}"/>
+                </a:ext>
+              </a:extLst>
+            </p:cNvPr>
+            <p:cNvSpPr/>
+            <p:nvPr/>
+          </p:nvSpPr>
+          <p:spPr>
+            <a:xfrm>
+              <a:off x="6893817" y="3515094"/>
+              <a:ext cx="1736610" cy="1724695"/>
+            </a:xfrm>
+            <a:prstGeom prst="rect">
+              <a:avLst/>
+            </a:prstGeom>
+            <a:solidFill>
+              <a:schemeClr val="accent6">
+                <a:lumMod val="50000"/>
+              </a:schemeClr>
+            </a:solidFill>
+            <a:ln>
+              <a:solidFill>
+                <a:schemeClr val="tx1"/>
+              </a:solidFill>
+            </a:ln>
+          </p:spPr>
+          <p:style>
+            <a:lnRef idx="2">
+              <a:schemeClr val="accent1">
+                <a:shade val="50000"/>
+              </a:schemeClr>
+            </a:lnRef>
+            <a:fillRef idx="1">
+              <a:schemeClr val="accent1"/>
+            </a:fillRef>
+            <a:effectRef idx="0">
+              <a:schemeClr val="accent1"/>
+            </a:effectRef>
+            <a:fontRef idx="minor">
+              <a:schemeClr val="lt1"/>
+            </a:fontRef>
+          </p:style>
+          <p:txBody>
+            <a:bodyPr rtlCol="0" anchor="ctr"/>
+            <a:lstStyle/>
+            <a:p>
+              <a:pPr algn="ctr"/>
+              <a:endParaRPr lang="en-US" sz="1400" dirty="0"/>
+            </a:p>
+          </p:txBody>
+        </p:sp>
+        <p:sp>
+          <p:nvSpPr>
+            <p:cNvPr id="41" name="Rectangle 40">
+              <a:extLst>
+                <a:ext uri="{FF2B5EF4-FFF2-40B4-BE49-F238E27FC236}">
+                  <a16:creationId xmlns:a16="http://schemas.microsoft.com/office/drawing/2014/main" id="{5E222155-A1B2-2E41-872B-9060705F1FE2}"/>
+                </a:ext>
+              </a:extLst>
+            </p:cNvPr>
+            <p:cNvSpPr/>
+            <p:nvPr/>
+          </p:nvSpPr>
+          <p:spPr>
+            <a:xfrm>
+              <a:off x="5158057" y="65695"/>
+              <a:ext cx="1736610" cy="1724695"/>
+            </a:xfrm>
+            <a:prstGeom prst="rect">
+              <a:avLst/>
+            </a:prstGeom>
+            <a:solidFill>
+              <a:schemeClr val="accent6">
+                <a:lumMod val="50000"/>
+              </a:schemeClr>
+            </a:solidFill>
+            <a:ln>
+              <a:solidFill>
+                <a:schemeClr val="tx1"/>
+              </a:solidFill>
+            </a:ln>
+          </p:spPr>
+          <p:style>
+            <a:lnRef idx="2">
+              <a:schemeClr val="accent1">
+                <a:shade val="50000"/>
+              </a:schemeClr>
+            </a:lnRef>
+            <a:fillRef idx="1">
+              <a:schemeClr val="accent1"/>
+            </a:fillRef>
+            <a:effectRef idx="0">
+              <a:schemeClr val="accent1"/>
+            </a:effectRef>
+            <a:fontRef idx="minor">
+              <a:schemeClr val="lt1"/>
+            </a:fontRef>
+          </p:style>
+          <p:txBody>
+            <a:bodyPr rtlCol="0" anchor="ctr"/>
+            <a:lstStyle/>
+            <a:p>
+              <a:pPr algn="ctr"/>
+              <a:endParaRPr lang="en-US" sz="1400" dirty="0"/>
+            </a:p>
+          </p:txBody>
+        </p:sp>
+        <p:sp>
+          <p:nvSpPr>
+            <p:cNvPr id="42" name="Rectangle 41">
+              <a:extLst>
+                <a:ext uri="{FF2B5EF4-FFF2-40B4-BE49-F238E27FC236}">
+                  <a16:creationId xmlns:a16="http://schemas.microsoft.com/office/drawing/2014/main" id="{5E71E65B-0F53-4B4F-B2B3-0A4254701CA0}"/>
+                </a:ext>
+              </a:extLst>
+            </p:cNvPr>
+            <p:cNvSpPr/>
+            <p:nvPr/>
+          </p:nvSpPr>
+          <p:spPr>
+            <a:xfrm>
+              <a:off x="6893817" y="65700"/>
+              <a:ext cx="1736610" cy="1724695"/>
+            </a:xfrm>
+            <a:prstGeom prst="rect">
+              <a:avLst/>
+            </a:prstGeom>
+            <a:solidFill>
+              <a:schemeClr val="accent6">
+                <a:lumMod val="50000"/>
+              </a:schemeClr>
+            </a:solidFill>
+            <a:ln>
+              <a:solidFill>
+                <a:schemeClr val="tx1"/>
+              </a:solidFill>
+            </a:ln>
+          </p:spPr>
+          <p:style>
+            <a:lnRef idx="2">
+              <a:schemeClr val="accent1">
+                <a:shade val="50000"/>
+              </a:schemeClr>
+            </a:lnRef>
+            <a:fillRef idx="1">
+              <a:schemeClr val="accent1"/>
+            </a:fillRef>
+            <a:effectRef idx="0">
+              <a:schemeClr val="accent1"/>
+            </a:effectRef>
+            <a:fontRef idx="minor">
+              <a:schemeClr val="lt1"/>
+            </a:fontRef>
+          </p:style>
+          <p:txBody>
+            <a:bodyPr rtlCol="0" anchor="ctr"/>
+            <a:lstStyle/>
+            <a:p>
+              <a:pPr algn="ctr"/>
+              <a:endParaRPr lang="en-US" sz="1400" dirty="0"/>
+            </a:p>
+          </p:txBody>
+        </p:sp>
+        <p:sp>
+          <p:nvSpPr>
+            <p:cNvPr id="43" name="Rectangle 42">
+              <a:extLst>
+                <a:ext uri="{FF2B5EF4-FFF2-40B4-BE49-F238E27FC236}">
+                  <a16:creationId xmlns:a16="http://schemas.microsoft.com/office/drawing/2014/main" id="{EB7F7EA2-EA13-9545-8322-CC0C7132D21D}"/>
+                </a:ext>
+              </a:extLst>
+            </p:cNvPr>
+            <p:cNvSpPr/>
+            <p:nvPr/>
+          </p:nvSpPr>
+          <p:spPr>
+            <a:xfrm>
+              <a:off x="3412608" y="1785849"/>
+              <a:ext cx="1736610" cy="1724695"/>
+            </a:xfrm>
+            <a:prstGeom prst="rect">
+              <a:avLst/>
+            </a:prstGeom>
+            <a:solidFill>
+              <a:schemeClr val="accent6">
+                <a:lumMod val="50000"/>
+              </a:schemeClr>
+            </a:solidFill>
+            <a:ln>
+              <a:solidFill>
+                <a:schemeClr val="tx1"/>
+              </a:solidFill>
+            </a:ln>
+          </p:spPr>
+          <p:style>
+            <a:lnRef idx="2">
+              <a:schemeClr val="accent1">
+                <a:shade val="50000"/>
+              </a:schemeClr>
+            </a:lnRef>
+            <a:fillRef idx="1">
+              <a:schemeClr val="accent1"/>
+            </a:fillRef>
+            <a:effectRef idx="0">
+              <a:schemeClr val="accent1"/>
+            </a:effectRef>
+            <a:fontRef idx="minor">
+              <a:schemeClr val="lt1"/>
+            </a:fontRef>
+          </p:style>
+          <p:txBody>
+            <a:bodyPr rtlCol="0" anchor="ctr"/>
+            <a:lstStyle/>
+            <a:p>
+              <a:pPr algn="ctr"/>
+              <a:endParaRPr lang="en-US" sz="1400" dirty="0"/>
+            </a:p>
+          </p:txBody>
+        </p:sp>
+        <p:cxnSp>
+          <p:nvCxnSpPr>
+            <p:cNvPr id="46" name="Straight Connector 45">
+              <a:extLst>
+                <a:ext uri="{FF2B5EF4-FFF2-40B4-BE49-F238E27FC236}">
+                  <a16:creationId xmlns:a16="http://schemas.microsoft.com/office/drawing/2014/main" id="{94A81326-284F-824D-B0D0-3E3FA8019CD1}"/>
+                </a:ext>
+              </a:extLst>
+            </p:cNvPr>
+            <p:cNvCxnSpPr>
+              <a:cxnSpLocks/>
+            </p:cNvCxnSpPr>
+            <p:nvPr/>
+          </p:nvCxnSpPr>
+          <p:spPr>
+            <a:xfrm flipV="1">
+              <a:off x="5998876" y="771896"/>
+              <a:ext cx="1789216" cy="1969446"/>
+            </a:xfrm>
+            <a:prstGeom prst="line">
+              <a:avLst/>
+            </a:prstGeom>
+            <a:ln w="12700"/>
+          </p:spPr>
+          <p:style>
+            <a:lnRef idx="1">
+              <a:schemeClr val="dk1"/>
+            </a:lnRef>
+            <a:fillRef idx="0">
+              <a:schemeClr val="dk1"/>
+            </a:fillRef>
+            <a:effectRef idx="0">
+              <a:schemeClr val="dk1"/>
+            </a:effectRef>
+            <a:fontRef idx="minor">
+              <a:schemeClr val="tx1"/>
+            </a:fontRef>
+          </p:style>
+        </p:cxnSp>
+        <p:sp>
+          <p:nvSpPr>
+            <p:cNvPr id="47" name="TextBox 46">
+              <a:extLst>
+                <a:ext uri="{FF2B5EF4-FFF2-40B4-BE49-F238E27FC236}">
+                  <a16:creationId xmlns:a16="http://schemas.microsoft.com/office/drawing/2014/main" id="{39AA41A0-BB86-5B4B-A4F6-7C6341D8E9D8}"/>
+                </a:ext>
+              </a:extLst>
+            </p:cNvPr>
+            <p:cNvSpPr txBox="1"/>
+            <p:nvPr/>
+          </p:nvSpPr>
+          <p:spPr>
+            <a:xfrm rot="18758170">
+              <a:off x="6778026" y="973034"/>
+              <a:ext cx="1052249" cy="307777"/>
+            </a:xfrm>
+            <a:prstGeom prst="rect">
+              <a:avLst/>
+            </a:prstGeom>
+            <a:noFill/>
+          </p:spPr>
+          <p:txBody>
+            <a:bodyPr wrap="square" rtlCol="0">
+              <a:spAutoFit/>
+            </a:bodyPr>
+            <a:lstStyle/>
+            <a:p>
+              <a:r>
+                <a:rPr lang="en-US" sz="1400" b="1" dirty="0">
+                  <a:latin typeface="Helvetica" pitchFamily="2" charset="0"/>
+                </a:rPr>
+                <a:t>90 metres </a:t>
+              </a:r>
+            </a:p>
+          </p:txBody>
+        </p:sp>
+        <p:sp>
+          <p:nvSpPr>
+            <p:cNvPr id="48" name="Oval 47">
+              <a:extLst>
+                <a:ext uri="{FF2B5EF4-FFF2-40B4-BE49-F238E27FC236}">
+                  <a16:creationId xmlns:a16="http://schemas.microsoft.com/office/drawing/2014/main" id="{758EFF8E-9DDD-7148-8778-71B553DAF33E}"/>
+                </a:ext>
+              </a:extLst>
+            </p:cNvPr>
+            <p:cNvSpPr/>
+            <p:nvPr/>
+          </p:nvSpPr>
+          <p:spPr>
+            <a:xfrm>
+              <a:off x="3599714" y="161589"/>
+              <a:ext cx="5040744" cy="4805106"/>
+            </a:xfrm>
+            <a:prstGeom prst="ellipse">
+              <a:avLst/>
+            </a:prstGeom>
+            <a:solidFill>
+              <a:schemeClr val="tx1">
+                <a:lumMod val="95000"/>
+                <a:lumOff val="5000"/>
+                <a:alpha val="60000"/>
+              </a:schemeClr>
+            </a:solidFill>
+            <a:ln>
+              <a:solidFill>
+                <a:schemeClr val="tx1">
+                  <a:alpha val="0"/>
+                </a:schemeClr>
+              </a:solidFill>
+            </a:ln>
+          </p:spPr>
+          <p:style>
+            <a:lnRef idx="2">
+              <a:schemeClr val="accent1">
+                <a:shade val="50000"/>
+              </a:schemeClr>
+            </a:lnRef>
+            <a:fillRef idx="1">
+              <a:schemeClr val="accent1"/>
+            </a:fillRef>
+            <a:effectRef idx="0">
+              <a:schemeClr val="accent1"/>
+            </a:effectRef>
+            <a:fontRef idx="minor">
+              <a:schemeClr val="lt1"/>
+            </a:fontRef>
+          </p:style>
+          <p:txBody>
+            <a:bodyPr rtlCol="0" anchor="ctr"/>
+            <a:lstStyle/>
+            <a:p>
+              <a:pPr algn="ctr"/>
+              <a:endParaRPr lang="en-US"/>
+            </a:p>
+          </p:txBody>
+        </p:sp>
+      </p:grpSp>
+    </p:spTree>
+    <p:extLst>
+      <p:ext uri="{BB962C8B-B14F-4D97-AF65-F5344CB8AC3E}">
+        <p14:creationId xmlns:p14="http://schemas.microsoft.com/office/powerpoint/2010/main" val="4079484386"/>
+      </p:ext>
+    </p:extLst>
+  </p:cSld>
+  <p:clrMapOvr>
+    <a:masterClrMapping/>
+  </p:clrMapOvr>
+</p:sld>
+</file>
+
 <file path=ppt/theme/theme1.xml><?xml version="1.0" encoding="utf-8"?>
 <a:theme xmlns:a="http://schemas.openxmlformats.org/drawingml/2006/main" name="Office Theme">
   <a:themeElements>
